--- a/homework_1/Luck is Hard to Beat The Difficulty of Sports Prediction.pptx
+++ b/homework_1/Luck is Hard to Beat The Difficulty of Sports Prediction.pptx
@@ -234,7 +234,7 @@
           <a:p>
             <a:fld id="{A75276CB-17F7-494F-8EC1-75F7463C6C44}" type="datetimeFigureOut">
               <a:rPr lang="zh-CN" altLang="en-US" smtClean="0"/>
-              <a:t>2017/12/16</a:t>
+              <a:t>2017/12/16 Saturday</a:t>
             </a:fld>
             <a:endParaRPr lang="zh-CN" altLang="en-US"/>
           </a:p>
@@ -411,7 +411,7 @@
           <a:p>
             <a:fld id="{F59971BB-BE53-4884-AAFC-76CD8451D01F}" type="datetimeFigureOut">
               <a:rPr lang="zh-CN" altLang="en-US" smtClean="0"/>
-              <a:t>2017/12/16</a:t>
+              <a:t>2017/12/16 Saturday</a:t>
             </a:fld>
             <a:endParaRPr lang="zh-CN" altLang="en-US"/>
           </a:p>
@@ -807,95 +807,95 @@
           <a:lstStyle/>
           <a:p>
             <a:r>
-              <a:rPr lang="zh-CN" altLang="en-US" dirty="0" smtClean="0"/>
+              <a:rPr lang="zh-CN" altLang="en-US" dirty="0"/>
               <a:t>之后做了请外一个实验</a:t>
             </a:r>
             <a:r>
-              <a:rPr lang="en-US" altLang="zh-CN" dirty="0" smtClean="0"/>
+              <a:rPr lang="en-US" altLang="zh-CN" dirty="0"/>
               <a:t>,</a:t>
             </a:r>
             <a:r>
-              <a:rPr lang="zh-CN" altLang="en-US" dirty="0" smtClean="0"/>
+              <a:rPr lang="zh-CN" altLang="en-US" dirty="0"/>
               <a:t>对于这</a:t>
             </a:r>
             <a:r>
-              <a:rPr lang="en-US" altLang="zh-CN" dirty="0" smtClean="0"/>
+              <a:rPr lang="en-US" altLang="zh-CN" dirty="0"/>
               <a:t>4</a:t>
             </a:r>
             <a:r>
-              <a:rPr lang="zh-CN" altLang="en-US" dirty="0" smtClean="0"/>
+              <a:rPr lang="zh-CN" altLang="en-US" dirty="0"/>
               <a:t>项运动</a:t>
             </a:r>
             <a:r>
-              <a:rPr lang="en-US" altLang="zh-CN" dirty="0" smtClean="0"/>
+              <a:rPr lang="en-US" altLang="zh-CN" dirty="0"/>
               <a:t>,</a:t>
             </a:r>
             <a:r>
-              <a:rPr lang="zh-CN" altLang="en-US" dirty="0" smtClean="0"/>
+              <a:rPr lang="zh-CN" altLang="en-US" dirty="0"/>
               <a:t>在每项运动中有挑选的删除一些球队</a:t>
             </a:r>
             <a:r>
-              <a:rPr lang="en-US" altLang="zh-CN" dirty="0" smtClean="0"/>
+              <a:rPr lang="en-US" altLang="zh-CN" dirty="0"/>
               <a:t>,</a:t>
             </a:r>
             <a:r>
-              <a:rPr lang="zh-CN" altLang="en-US" dirty="0" smtClean="0"/>
+              <a:rPr lang="zh-CN" altLang="en-US" dirty="0"/>
               <a:t>来使得这项运动的比赛结果称为一个纯随机的结果</a:t>
             </a:r>
             <a:r>
-              <a:rPr lang="en-US" altLang="zh-CN" dirty="0" smtClean="0"/>
+              <a:rPr lang="en-US" altLang="zh-CN" dirty="0"/>
               <a:t>,</a:t>
             </a:r>
             <a:r>
-              <a:rPr lang="zh-CN" altLang="en-US" dirty="0" smtClean="0"/>
+              <a:rPr lang="zh-CN" altLang="en-US" dirty="0"/>
               <a:t>例如篮球需要删除</a:t>
             </a:r>
             <a:r>
-              <a:rPr lang="en-US" altLang="zh-CN" dirty="0" smtClean="0"/>
+              <a:rPr lang="en-US" altLang="zh-CN" dirty="0"/>
               <a:t>50%</a:t>
             </a:r>
             <a:r>
-              <a:rPr lang="zh-CN" altLang="en-US" dirty="0" smtClean="0"/>
+              <a:rPr lang="zh-CN" altLang="en-US" dirty="0"/>
               <a:t>的球队</a:t>
             </a:r>
             <a:r>
-              <a:rPr lang="en-US" altLang="zh-CN" dirty="0" smtClean="0"/>
+              <a:rPr lang="en-US" altLang="zh-CN" dirty="0"/>
               <a:t>,</a:t>
             </a:r>
             <a:r>
-              <a:rPr lang="zh-CN" altLang="en-US" dirty="0" smtClean="0"/>
+              <a:rPr lang="zh-CN" altLang="en-US" dirty="0"/>
               <a:t>排球需要删除</a:t>
             </a:r>
             <a:r>
-              <a:rPr lang="en-US" altLang="zh-CN" dirty="0" smtClean="0"/>
+              <a:rPr lang="en-US" altLang="zh-CN" dirty="0"/>
               <a:t>40%,</a:t>
             </a:r>
             <a:r>
-              <a:rPr lang="zh-CN" altLang="en-US" dirty="0" smtClean="0"/>
+              <a:rPr lang="zh-CN" altLang="en-US" dirty="0"/>
               <a:t>手球和足球需要删除</a:t>
             </a:r>
             <a:r>
-              <a:rPr lang="en-US" altLang="zh-CN" dirty="0" smtClean="0"/>
+              <a:rPr lang="en-US" altLang="zh-CN" dirty="0"/>
               <a:t>20%</a:t>
             </a:r>
             <a:r>
-              <a:rPr lang="zh-CN" altLang="en-US" dirty="0" smtClean="0"/>
+              <a:rPr lang="zh-CN" altLang="en-US" dirty="0"/>
               <a:t>的球队</a:t>
             </a:r>
             <a:r>
-              <a:rPr lang="en-US" altLang="zh-CN" dirty="0" smtClean="0"/>
+              <a:rPr lang="en-US" altLang="zh-CN" dirty="0"/>
               <a:t>,</a:t>
             </a:r>
             <a:r>
-              <a:rPr lang="zh-CN" altLang="en-US" dirty="0" smtClean="0"/>
+              <a:rPr lang="zh-CN" altLang="en-US" dirty="0"/>
               <a:t>这一结果很好的揭示了上一张图片的结果</a:t>
             </a:r>
             <a:r>
-              <a:rPr lang="en-US" altLang="zh-CN" dirty="0" smtClean="0"/>
+              <a:rPr lang="en-US" altLang="zh-CN" dirty="0"/>
               <a:t>,</a:t>
             </a:r>
             <a:r>
-              <a:rPr lang="zh-CN" altLang="zh-CN" sz="1200" kern="1200" dirty="0" smtClean="0">
+              <a:rPr lang="zh-CN" altLang="zh-CN" sz="1200" kern="1200" dirty="0">
                 <a:solidFill>
                   <a:schemeClr val="tx1"/>
                 </a:solidFill>
@@ -907,7 +907,7 @@
               <a:t>篮球</a:t>
             </a:r>
             <a:r>
-              <a:rPr lang="zh-CN" altLang="en-US" sz="1200" kern="1200" dirty="0" smtClean="0">
+              <a:rPr lang="zh-CN" altLang="en-US" sz="1200" kern="1200" dirty="0">
                 <a:solidFill>
                   <a:schemeClr val="tx1"/>
                 </a:solidFill>
@@ -919,7 +919,7 @@
               <a:t>和排球</a:t>
             </a:r>
             <a:r>
-              <a:rPr lang="zh-CN" altLang="zh-CN" sz="1200" kern="1200" dirty="0" smtClean="0">
+              <a:rPr lang="zh-CN" altLang="zh-CN" sz="1200" kern="1200" dirty="0">
                 <a:solidFill>
                   <a:schemeClr val="tx1"/>
                 </a:solidFill>
@@ -931,7 +931,7 @@
               <a:t>运动</a:t>
             </a:r>
             <a:r>
-              <a:rPr lang="zh-CN" altLang="en-US" sz="1200" kern="1200" dirty="0" smtClean="0">
+              <a:rPr lang="zh-CN" altLang="en-US" sz="1200" kern="1200" dirty="0">
                 <a:solidFill>
                   <a:schemeClr val="tx1"/>
                 </a:solidFill>
@@ -943,7 +943,7 @@
               <a:t>来说技能因素占主导因素</a:t>
             </a:r>
             <a:r>
-              <a:rPr lang="en-US" altLang="zh-CN" sz="1200" kern="1200" dirty="0" smtClean="0">
+              <a:rPr lang="en-US" altLang="zh-CN" sz="1200" kern="1200" dirty="0">
                 <a:solidFill>
                   <a:schemeClr val="tx1"/>
                 </a:solidFill>
@@ -955,7 +955,7 @@
               <a:t>,</a:t>
             </a:r>
             <a:r>
-              <a:rPr lang="zh-CN" altLang="en-US" sz="1200" kern="1200" dirty="0" smtClean="0">
+              <a:rPr lang="zh-CN" altLang="en-US" sz="1200" kern="1200" dirty="0">
                 <a:solidFill>
                   <a:schemeClr val="tx1"/>
                 </a:solidFill>
@@ -1140,168 +1140,161 @@
                   <a:buNone/>
                 </a:pPr>
                 <a:r>
-                  <a:rPr lang="zh-CN" altLang="en-US" sz="1400" dirty="0" smtClean="0">
+                  <a:rPr lang="zh-CN" altLang="en-US" sz="1400" dirty="0">
                     <a:latin typeface="微软雅黑" panose="020B0503020204020204" pitchFamily="34" charset="-122"/>
                     <a:ea typeface="微软雅黑" panose="020B0503020204020204" pitchFamily="34" charset="-122"/>
                   </a:rPr>
-                  <a:t>球队技能评价</a:t>
-                </a:r>
-                <a:r>
-                  <a:rPr lang="zh-CN" altLang="en-US" sz="1400" dirty="0" smtClean="0">
+                  <a:t>球队技能评价模型，研究对象是</a:t>
+                </a:r>
+                <a:r>
+                  <a:rPr lang="en-US" altLang="zh-CN" sz="1400" dirty="0">
                     <a:latin typeface="微软雅黑" panose="020B0503020204020204" pitchFamily="34" charset="-122"/>
                     <a:ea typeface="微软雅黑" panose="020B0503020204020204" pitchFamily="34" charset="-122"/>
                   </a:rPr>
-                  <a:t>模型，研究对象是</a:t>
-                </a:r>
-                <a:r>
-                  <a:rPr lang="en-US" altLang="zh-CN" sz="1400" dirty="0" smtClean="0">
+                  <a:t>NBA</a:t>
+                </a:r>
+                <a:r>
+                  <a:rPr lang="zh-CN" altLang="en-US" sz="1400" dirty="0">
                     <a:latin typeface="微软雅黑" panose="020B0503020204020204" pitchFamily="34" charset="-122"/>
                     <a:ea typeface="微软雅黑" panose="020B0503020204020204" pitchFamily="34" charset="-122"/>
                   </a:rPr>
-                  <a:t>NBA</a:t>
-                </a:r>
-                <a:r>
-                  <a:rPr lang="zh-CN" altLang="en-US" sz="1400" dirty="0" smtClean="0">
+                  <a:t>球队的比赛</a:t>
+                </a:r>
+                <a:r>
+                  <a:rPr lang="en-US" altLang="zh-CN" sz="1400" dirty="0">
                     <a:latin typeface="微软雅黑" panose="020B0503020204020204" pitchFamily="34" charset="-122"/>
                     <a:ea typeface="微软雅黑" panose="020B0503020204020204" pitchFamily="34" charset="-122"/>
                   </a:rPr>
-                  <a:t>球队的比赛</a:t>
-                </a:r>
-                <a:r>
-                  <a:rPr lang="en-US" altLang="zh-CN" sz="1400" dirty="0" smtClean="0">
+                  <a:t>,</a:t>
+                </a:r>
+                <a:r>
+                  <a:rPr lang="zh-CN" altLang="en-US" sz="1400" dirty="0">
                     <a:latin typeface="微软雅黑" panose="020B0503020204020204" pitchFamily="34" charset="-122"/>
                     <a:ea typeface="微软雅黑" panose="020B0503020204020204" pitchFamily="34" charset="-122"/>
                   </a:rPr>
-                  <a:t>,</a:t>
-                </a:r>
-                <a:r>
-                  <a:rPr lang="zh-CN" altLang="en-US" sz="1400" dirty="0" smtClean="0">
+                  <a:t>扩展</a:t>
+                </a:r>
+                <a:r>
+                  <a:rPr lang="en-US" altLang="zh-CN" sz="1400" dirty="0">
                     <a:latin typeface="微软雅黑" panose="020B0503020204020204" pitchFamily="34" charset="-122"/>
                     <a:ea typeface="微软雅黑" panose="020B0503020204020204" pitchFamily="34" charset="-122"/>
                   </a:rPr>
-                  <a:t>扩展</a:t>
-                </a:r>
-                <a:r>
-                  <a:rPr lang="en-US" altLang="zh-CN" sz="1400" dirty="0" smtClean="0">
+                  <a:t>Bradley-Terry</a:t>
+                </a:r>
+                <a:r>
+                  <a:rPr lang="zh-CN" altLang="en-US" sz="1400" dirty="0">
                     <a:latin typeface="微软雅黑" panose="020B0503020204020204" pitchFamily="34" charset="-122"/>
                     <a:ea typeface="微软雅黑" panose="020B0503020204020204" pitchFamily="34" charset="-122"/>
                   </a:rPr>
-                  <a:t>Bradley-Terry</a:t>
-                </a:r>
-                <a:r>
-                  <a:rPr lang="zh-CN" altLang="en-US" sz="1400" dirty="0" smtClean="0">
+                  <a:t>模型</a:t>
+                </a:r>
+                <a:r>
+                  <a:rPr lang="en-US" altLang="zh-CN" sz="1400" dirty="0">
                     <a:latin typeface="微软雅黑" panose="020B0503020204020204" pitchFamily="34" charset="-122"/>
                     <a:ea typeface="微软雅黑" panose="020B0503020204020204" pitchFamily="34" charset="-122"/>
                   </a:rPr>
-                  <a:t>模型</a:t>
-                </a:r>
-                <a:r>
-                  <a:rPr lang="en-US" altLang="zh-CN" sz="1400" dirty="0" smtClean="0">
+                  <a:t>,</a:t>
+                </a:r>
+                <a:r>
+                  <a:rPr lang="zh-CN" altLang="en-US" sz="1400" dirty="0">
                     <a:latin typeface="微软雅黑" panose="020B0503020204020204" pitchFamily="34" charset="-122"/>
                     <a:ea typeface="微软雅黑" panose="020B0503020204020204" pitchFamily="34" charset="-122"/>
                   </a:rPr>
-                  <a:t>,</a:t>
-                </a:r>
-                <a:r>
-                  <a:rPr lang="zh-CN" altLang="en-US" sz="1400" dirty="0" smtClean="0">
+                  <a:t>把主队与客队的得分视为主队与客队的胜利概率</a:t>
+                </a:r>
+                <a:r>
+                  <a:rPr lang="en-US" altLang="zh-CN" sz="1400" dirty="0">
                     <a:latin typeface="微软雅黑" panose="020B0503020204020204" pitchFamily="34" charset="-122"/>
                     <a:ea typeface="微软雅黑" panose="020B0503020204020204" pitchFamily="34" charset="-122"/>
                   </a:rPr>
-                  <a:t>把主队与客队的得分视为主队与客队的胜利概率</a:t>
-                </a:r>
-                <a:r>
-                  <a:rPr lang="en-US" altLang="zh-CN" sz="1400" dirty="0" smtClean="0">
+                  <a:t>,</a:t>
+                </a:r>
+                <a:r>
+                  <a:rPr lang="zh-CN" altLang="en-US" sz="1400" dirty="0">
                     <a:latin typeface="微软雅黑" panose="020B0503020204020204" pitchFamily="34" charset="-122"/>
                     <a:ea typeface="微软雅黑" panose="020B0503020204020204" pitchFamily="34" charset="-122"/>
                   </a:rPr>
-                  <a:t>,</a:t>
-                </a:r>
-                <a:r>
-                  <a:rPr lang="zh-CN" altLang="en-US" sz="1400" dirty="0" smtClean="0">
+                  <a:t>由此得到主队击败客队的胜利概率</a:t>
+                </a:r>
+                <a:r>
+                  <a:rPr lang="en-US" altLang="zh-CN" sz="1400" dirty="0">
                     <a:latin typeface="微软雅黑" panose="020B0503020204020204" pitchFamily="34" charset="-122"/>
                     <a:ea typeface="微软雅黑" panose="020B0503020204020204" pitchFamily="34" charset="-122"/>
                   </a:rPr>
-                  <a:t>由此得到主队击败客队的胜利概率</a:t>
-                </a:r>
-                <a:r>
-                  <a:rPr lang="en-US" altLang="zh-CN" sz="1400" dirty="0" smtClean="0">
+                  <a:t>,</a:t>
+                </a:r>
+                <a:r>
+                  <a:rPr lang="en-US" altLang="zh-CN" sz="1400" dirty="0" err="1">
                     <a:latin typeface="微软雅黑" panose="020B0503020204020204" pitchFamily="34" charset="-122"/>
                     <a:ea typeface="微软雅黑" panose="020B0503020204020204" pitchFamily="34" charset="-122"/>
                   </a:rPr>
-                  <a:t>,</a:t>
-                </a:r>
-                <a:r>
-                  <a:rPr lang="en-US" altLang="zh-CN" sz="1400" dirty="0" err="1" smtClean="0">
+                  <a:t>N_k</a:t>
+                </a:r>
+                <a:r>
+                  <a:rPr lang="en-US" altLang="zh-CN" sz="1400" dirty="0">
                     <a:latin typeface="微软雅黑" panose="020B0503020204020204" pitchFamily="34" charset="-122"/>
                     <a:ea typeface="微软雅黑" panose="020B0503020204020204" pitchFamily="34" charset="-122"/>
                   </a:rPr>
-                  <a:t>N_k</a:t>
-                </a:r>
-                <a:r>
-                  <a:rPr lang="en-US" altLang="zh-CN" sz="1400" dirty="0" smtClean="0">
+                  <a:t>(</a:t>
+                </a:r>
+                <a:r>
+                  <a:rPr lang="zh-CN" altLang="en-US" sz="1400" dirty="0">
                     <a:latin typeface="微软雅黑" panose="020B0503020204020204" pitchFamily="34" charset="-122"/>
                     <a:ea typeface="微软雅黑" panose="020B0503020204020204" pitchFamily="34" charset="-122"/>
                   </a:rPr>
-                  <a:t>(</a:t>
-                </a:r>
-                <a:r>
-                  <a:rPr lang="zh-CN" altLang="en-US" sz="1400" dirty="0" smtClean="0">
+                  <a:t>例如篮球比赛的得分</a:t>
+                </a:r>
+                <a:r>
+                  <a:rPr lang="en-US" altLang="zh-CN" sz="1400" dirty="0">
                     <a:latin typeface="微软雅黑" panose="020B0503020204020204" pitchFamily="34" charset="-122"/>
                     <a:ea typeface="微软雅黑" panose="020B0503020204020204" pitchFamily="34" charset="-122"/>
                   </a:rPr>
-                  <a:t>例如篮球比赛的得分</a:t>
-                </a:r>
-                <a:r>
-                  <a:rPr lang="en-US" altLang="zh-CN" sz="1400" dirty="0" smtClean="0">
+                  <a:t>)</a:t>
+                </a:r>
+                <a:r>
+                  <a:rPr lang="zh-CN" altLang="en-US" sz="1400" dirty="0">
                     <a:latin typeface="微软雅黑" panose="020B0503020204020204" pitchFamily="34" charset="-122"/>
                     <a:ea typeface="微软雅黑" panose="020B0503020204020204" pitchFamily="34" charset="-122"/>
                   </a:rPr>
-                  <a:t>)</a:t>
-                </a:r>
-                <a:r>
-                  <a:rPr lang="zh-CN" altLang="en-US" sz="1400" dirty="0" smtClean="0">
+                  <a:t>很大而</a:t>
+                </a:r>
+                <a:r>
+                  <a:rPr lang="en-US" altLang="zh-CN" sz="1400" dirty="0" err="1">
                     <a:latin typeface="微软雅黑" panose="020B0503020204020204" pitchFamily="34" charset="-122"/>
                     <a:ea typeface="微软雅黑" panose="020B0503020204020204" pitchFamily="34" charset="-122"/>
                   </a:rPr>
-                  <a:t>很大而</a:t>
-                </a:r>
-                <a:r>
-                  <a:rPr lang="en-US" altLang="zh-CN" sz="1400" dirty="0" err="1" smtClean="0">
+                  <a:t>Y_k</a:t>
+                </a:r>
+                <a:r>
+                  <a:rPr lang="zh-CN" altLang="en-US" sz="1400" dirty="0">
                     <a:latin typeface="微软雅黑" panose="020B0503020204020204" pitchFamily="34" charset="-122"/>
                     <a:ea typeface="微软雅黑" panose="020B0503020204020204" pitchFamily="34" charset="-122"/>
                   </a:rPr>
-                  <a:t>Y_k</a:t>
-                </a:r>
-                <a:r>
-                  <a:rPr lang="zh-CN" altLang="en-US" sz="1400" dirty="0" smtClean="0">
+                  <a:t>的概率很小</a:t>
+                </a:r>
+                <a:r>
+                  <a:rPr lang="en-US" altLang="zh-CN" sz="1400" dirty="0">
                     <a:latin typeface="微软雅黑" panose="020B0503020204020204" pitchFamily="34" charset="-122"/>
                     <a:ea typeface="微软雅黑" panose="020B0503020204020204" pitchFamily="34" charset="-122"/>
                   </a:rPr>
-                  <a:t>的概率很小</a:t>
-                </a:r>
-                <a:r>
-                  <a:rPr lang="en-US" altLang="zh-CN" sz="1400" dirty="0" smtClean="0">
+                  <a:t>,</a:t>
+                </a:r>
+                <a:r>
+                  <a:rPr lang="zh-CN" altLang="en-US" sz="1400" dirty="0">
                     <a:latin typeface="微软雅黑" panose="020B0503020204020204" pitchFamily="34" charset="-122"/>
                     <a:ea typeface="微软雅黑" panose="020B0503020204020204" pitchFamily="34" charset="-122"/>
                   </a:rPr>
-                  <a:t>,</a:t>
-                </a:r>
-                <a:r>
-                  <a:rPr lang="zh-CN" altLang="en-US" sz="1400" dirty="0" smtClean="0">
+                  <a:t>所以用泊松分布近似二项分布</a:t>
+                </a:r>
+                <a:r>
+                  <a:rPr lang="en-US" altLang="zh-CN" sz="1400" dirty="0">
                     <a:latin typeface="微软雅黑" panose="020B0503020204020204" pitchFamily="34" charset="-122"/>
                     <a:ea typeface="微软雅黑" panose="020B0503020204020204" pitchFamily="34" charset="-122"/>
                   </a:rPr>
-                  <a:t>所以用泊松分布近似二项分布</a:t>
-                </a:r>
-                <a:r>
-                  <a:rPr lang="en-US" altLang="zh-CN" sz="1400" dirty="0" smtClean="0">
-                    <a:latin typeface="微软雅黑" panose="020B0503020204020204" pitchFamily="34" charset="-122"/>
-                    <a:ea typeface="微软雅黑" panose="020B0503020204020204" pitchFamily="34" charset="-122"/>
-                  </a:rPr>
                   <a:t>,</a:t>
                 </a:r>
                 <a:r>
-                  <a:rPr lang="zh-CN" altLang="en-US" sz="1400" dirty="0" smtClean="0">
+                  <a:rPr lang="zh-CN" altLang="en-US" sz="1400" dirty="0">
                     <a:latin typeface="微软雅黑" panose="020B0503020204020204" pitchFamily="34" charset="-122"/>
                     <a:ea typeface="微软雅黑" panose="020B0503020204020204" pitchFamily="34" charset="-122"/>
                   </a:rPr>
@@ -1320,48 +1313,41 @@
                   </m:oMath>
                 </a14:m>
                 <a:r>
-                  <a:rPr lang="zh-CN" altLang="en-US" sz="1400" dirty="0" smtClean="0">
+                  <a:rPr lang="zh-CN" altLang="en-US" sz="1400" dirty="0">
                     <a:latin typeface="微软雅黑" panose="020B0503020204020204" pitchFamily="34" charset="-122"/>
                     <a:ea typeface="微软雅黑" panose="020B0503020204020204" pitchFamily="34" charset="-122"/>
                   </a:rPr>
                   <a:t>替换成比赛总得分</a:t>
                 </a:r>
                 <a:r>
-                  <a:rPr lang="en-US" altLang="zh-CN" sz="1400" dirty="0" smtClean="0">
+                  <a:rPr lang="en-US" altLang="zh-CN" sz="1400" dirty="0">
                     <a:latin typeface="微软雅黑" panose="020B0503020204020204" pitchFamily="34" charset="-122"/>
                     <a:ea typeface="微软雅黑" panose="020B0503020204020204" pitchFamily="34" charset="-122"/>
                   </a:rPr>
                   <a:t>+Bradley-Terry</a:t>
                 </a:r>
                 <a:r>
-                  <a:rPr lang="zh-CN" altLang="en-US" sz="1400" dirty="0" smtClean="0">
+                  <a:rPr lang="zh-CN" altLang="en-US" sz="1400" dirty="0">
                     <a:latin typeface="微软雅黑" panose="020B0503020204020204" pitchFamily="34" charset="-122"/>
                     <a:ea typeface="微软雅黑" panose="020B0503020204020204" pitchFamily="34" charset="-122"/>
                   </a:rPr>
                   <a:t>模型</a:t>
                 </a:r>
                 <a:r>
-                  <a:rPr lang="en-US" altLang="zh-CN" sz="1400" dirty="0" smtClean="0">
+                  <a:rPr lang="en-US" altLang="zh-CN" sz="1400" dirty="0">
                     <a:latin typeface="微软雅黑" panose="020B0503020204020204" pitchFamily="34" charset="-122"/>
                     <a:ea typeface="微软雅黑" panose="020B0503020204020204" pitchFamily="34" charset="-122"/>
                   </a:rPr>
                   <a:t>+</a:t>
                 </a:r>
                 <a:r>
-                  <a:rPr lang="zh-CN" altLang="en-US" sz="1400" dirty="0" smtClean="0">
+                  <a:rPr lang="zh-CN" altLang="en-US" sz="1400" dirty="0">
                     <a:latin typeface="微软雅黑" panose="020B0503020204020204" pitchFamily="34" charset="-122"/>
                     <a:ea typeface="微软雅黑" panose="020B0503020204020204" pitchFamily="34" charset="-122"/>
                   </a:rPr>
-                  <a:t>一个随机</a:t>
-                </a:r>
-                <a:r>
-                  <a:rPr lang="zh-CN" altLang="en-US" sz="1400" dirty="0" smtClean="0">
-                    <a:latin typeface="微软雅黑" panose="020B0503020204020204" pitchFamily="34" charset="-122"/>
-                    <a:ea typeface="微软雅黑" panose="020B0503020204020204" pitchFamily="34" charset="-122"/>
-                  </a:rPr>
-                  <a:t>因子</a:t>
-                </a:r>
-                <a:endParaRPr lang="en-US" altLang="zh-CN" sz="1400" dirty="0" smtClean="0">
+                  <a:t>一个随机因子</a:t>
+                </a:r>
+                <a:endParaRPr lang="en-US" altLang="zh-CN" sz="1400" dirty="0">
                   <a:latin typeface="微软雅黑" panose="020B0503020204020204" pitchFamily="34" charset="-122"/>
                   <a:ea typeface="微软雅黑" panose="020B0503020204020204" pitchFamily="34" charset="-122"/>
                 </a:endParaRPr>
@@ -1776,84 +1762,84 @@
                   <a:buNone/>
                 </a:pPr>
                 <a:r>
-                  <a:rPr lang="zh-CN" altLang="en-US" sz="1400" dirty="0" smtClean="0">
+                  <a:rPr lang="zh-CN" altLang="en-US" sz="1400" dirty="0">
                     <a:latin typeface="微软雅黑" panose="020B0503020204020204" pitchFamily="34" charset="-122"/>
                     <a:ea typeface="微软雅黑" panose="020B0503020204020204" pitchFamily="34" charset="-122"/>
                   </a:rPr>
                   <a:t>球队技能评价模型</a:t>
                 </a:r>
                 <a:r>
-                  <a:rPr lang="en-US" altLang="zh-CN" sz="1400" dirty="0" smtClean="0">
+                  <a:rPr lang="en-US" altLang="zh-CN" sz="1400" dirty="0">
                     <a:latin typeface="微软雅黑" panose="020B0503020204020204" pitchFamily="34" charset="-122"/>
                     <a:ea typeface="微软雅黑" panose="020B0503020204020204" pitchFamily="34" charset="-122"/>
                   </a:rPr>
                   <a:t>,</a:t>
                 </a:r>
                 <a:r>
-                  <a:rPr lang="zh-CN" altLang="en-US" sz="1400" dirty="0" smtClean="0">
+                  <a:rPr lang="zh-CN" altLang="en-US" sz="1400" dirty="0">
                     <a:latin typeface="微软雅黑" panose="020B0503020204020204" pitchFamily="34" charset="-122"/>
                     <a:ea typeface="微软雅黑" panose="020B0503020204020204" pitchFamily="34" charset="-122"/>
                   </a:rPr>
                   <a:t>扩展</a:t>
                 </a:r>
                 <a:r>
-                  <a:rPr lang="en-US" altLang="zh-CN" sz="1400" dirty="0" smtClean="0">
+                  <a:rPr lang="en-US" altLang="zh-CN" sz="1400" dirty="0">
                     <a:latin typeface="微软雅黑" panose="020B0503020204020204" pitchFamily="34" charset="-122"/>
                     <a:ea typeface="微软雅黑" panose="020B0503020204020204" pitchFamily="34" charset="-122"/>
                   </a:rPr>
                   <a:t>Bradley-Terry</a:t>
                 </a:r>
                 <a:r>
-                  <a:rPr lang="zh-CN" altLang="en-US" sz="1400" dirty="0" smtClean="0">
+                  <a:rPr lang="zh-CN" altLang="en-US" sz="1400" dirty="0">
                     <a:latin typeface="微软雅黑" panose="020B0503020204020204" pitchFamily="34" charset="-122"/>
                     <a:ea typeface="微软雅黑" panose="020B0503020204020204" pitchFamily="34" charset="-122"/>
                   </a:rPr>
                   <a:t>模型</a:t>
                 </a:r>
                 <a:r>
-                  <a:rPr lang="en-US" altLang="zh-CN" sz="1400" dirty="0" smtClean="0">
+                  <a:rPr lang="en-US" altLang="zh-CN" sz="1400" dirty="0">
                     <a:latin typeface="微软雅黑" panose="020B0503020204020204" pitchFamily="34" charset="-122"/>
                     <a:ea typeface="微软雅黑" panose="020B0503020204020204" pitchFamily="34" charset="-122"/>
                   </a:rPr>
                   <a:t>,</a:t>
                 </a:r>
                 <a:r>
-                  <a:rPr lang="zh-CN" altLang="en-US" sz="1400" dirty="0" smtClean="0">
+                  <a:rPr lang="zh-CN" altLang="en-US" sz="1400" dirty="0">
                     <a:latin typeface="微软雅黑" panose="020B0503020204020204" pitchFamily="34" charset="-122"/>
                     <a:ea typeface="微软雅黑" panose="020B0503020204020204" pitchFamily="34" charset="-122"/>
                   </a:rPr>
                   <a:t>把主队与客队的得分视为主队与客队的胜利概率</a:t>
                 </a:r>
                 <a:r>
-                  <a:rPr lang="en-US" altLang="zh-CN" sz="1400" dirty="0" smtClean="0">
+                  <a:rPr lang="en-US" altLang="zh-CN" sz="1400" dirty="0">
                     <a:latin typeface="微软雅黑" panose="020B0503020204020204" pitchFamily="34" charset="-122"/>
                     <a:ea typeface="微软雅黑" panose="020B0503020204020204" pitchFamily="34" charset="-122"/>
                   </a:rPr>
                   <a:t>,</a:t>
                 </a:r>
                 <a:r>
-                  <a:rPr lang="zh-CN" altLang="en-US" sz="1400" dirty="0" smtClean="0">
+                  <a:rPr lang="zh-CN" altLang="en-US" sz="1400" dirty="0">
                     <a:latin typeface="微软雅黑" panose="020B0503020204020204" pitchFamily="34" charset="-122"/>
                     <a:ea typeface="微软雅黑" panose="020B0503020204020204" pitchFamily="34" charset="-122"/>
                   </a:rPr>
                   <a:t>由此得到主队击败客队的胜利概率</a:t>
                 </a:r>
                 <a:r>
-                  <a:rPr lang="en-US" altLang="zh-CN" sz="1400" dirty="0" smtClean="0">
+                  <a:rPr lang="en-US" altLang="zh-CN" sz="1400" dirty="0">
                     <a:latin typeface="微软雅黑" panose="020B0503020204020204" pitchFamily="34" charset="-122"/>
                     <a:ea typeface="微软雅黑" panose="020B0503020204020204" pitchFamily="34" charset="-122"/>
                   </a:rPr>
                   <a:t>,</a:t>
                 </a:r>
                 <a:r>
-                  <a:rPr lang="zh-CN" altLang="en-US" sz="1400" dirty="0" smtClean="0">
+                  <a:rPr lang="zh-CN" altLang="en-US" sz="1400" dirty="0">
                     <a:latin typeface="微软雅黑" panose="020B0503020204020204" pitchFamily="34" charset="-122"/>
                     <a:ea typeface="微软雅黑" panose="020B0503020204020204" pitchFamily="34" charset="-122"/>
                   </a:rPr>
                   <a:t>会出现</a:t>
                 </a:r>
                 <a:r>
-                  <a:rPr lang="en-US" altLang="zh-CN" sz="1400" b="0" dirty="0" smtClean="0">
+                  <a:rPr lang="en-US" altLang="zh-CN" sz="1400" b="0" dirty="0">
                     <a:ea typeface="微软雅黑" panose="020B0503020204020204" pitchFamily="34" charset="-122"/>
                     <a:cs typeface="Times New Roman" panose="02020603050405020304" pitchFamily="18" charset="0"/>
                   </a:rPr>
@@ -1895,70 +1881,70 @@
                   </m:oMath>
                 </a14:m>
                 <a:r>
-                  <a:rPr lang="en-US" altLang="zh-CN" sz="1400" dirty="0" smtClean="0">
+                  <a:rPr lang="en-US" altLang="zh-CN" sz="1400" dirty="0">
                     <a:latin typeface="微软雅黑" panose="020B0503020204020204" pitchFamily="34" charset="-122"/>
                     <a:ea typeface="微软雅黑" panose="020B0503020204020204" pitchFamily="34" charset="-122"/>
                   </a:rPr>
                   <a:t>(</a:t>
                 </a:r>
                 <a:r>
-                  <a:rPr lang="zh-CN" altLang="en-US" sz="1400" dirty="0" smtClean="0">
+                  <a:rPr lang="zh-CN" altLang="en-US" sz="1400" dirty="0">
                     <a:latin typeface="微软雅黑" panose="020B0503020204020204" pitchFamily="34" charset="-122"/>
                     <a:ea typeface="微软雅黑" panose="020B0503020204020204" pitchFamily="34" charset="-122"/>
                   </a:rPr>
                   <a:t>例如篮球比赛的得分</a:t>
                 </a:r>
                 <a:r>
-                  <a:rPr lang="en-US" altLang="zh-CN" sz="1400" dirty="0" smtClean="0">
+                  <a:rPr lang="en-US" altLang="zh-CN" sz="1400" dirty="0">
                     <a:latin typeface="微软雅黑" panose="020B0503020204020204" pitchFamily="34" charset="-122"/>
                     <a:ea typeface="微软雅黑" panose="020B0503020204020204" pitchFamily="34" charset="-122"/>
                   </a:rPr>
                   <a:t>)</a:t>
                 </a:r>
                 <a:r>
-                  <a:rPr lang="zh-CN" altLang="en-US" sz="1400" dirty="0" smtClean="0">
+                  <a:rPr lang="zh-CN" altLang="en-US" sz="1400" dirty="0">
                     <a:latin typeface="微软雅黑" panose="020B0503020204020204" pitchFamily="34" charset="-122"/>
                     <a:ea typeface="微软雅黑" panose="020B0503020204020204" pitchFamily="34" charset="-122"/>
                   </a:rPr>
                   <a:t>点的数量非常多</a:t>
                 </a:r>
                 <a:r>
-                  <a:rPr lang="en-US" altLang="zh-CN" sz="1400" dirty="0" smtClean="0">
+                  <a:rPr lang="en-US" altLang="zh-CN" sz="1400" dirty="0">
                     <a:latin typeface="微软雅黑" panose="020B0503020204020204" pitchFamily="34" charset="-122"/>
                     <a:ea typeface="微软雅黑" panose="020B0503020204020204" pitchFamily="34" charset="-122"/>
                   </a:rPr>
                   <a:t>,</a:t>
                 </a:r>
                 <a:r>
-                  <a:rPr lang="zh-CN" altLang="en-US" sz="1400" dirty="0" smtClean="0">
+                  <a:rPr lang="zh-CN" altLang="en-US" sz="1400" dirty="0">
                     <a:latin typeface="微软雅黑" panose="020B0503020204020204" pitchFamily="34" charset="-122"/>
                     <a:ea typeface="微软雅黑" panose="020B0503020204020204" pitchFamily="34" charset="-122"/>
                   </a:rPr>
                   <a:t>计算上难以处理</a:t>
                 </a:r>
                 <a:r>
-                  <a:rPr lang="en-US" altLang="zh-CN" sz="1400" dirty="0" smtClean="0">
+                  <a:rPr lang="en-US" altLang="zh-CN" sz="1400" dirty="0">
                     <a:latin typeface="微软雅黑" panose="020B0503020204020204" pitchFamily="34" charset="-122"/>
                     <a:ea typeface="微软雅黑" panose="020B0503020204020204" pitchFamily="34" charset="-122"/>
                   </a:rPr>
                   <a:t>,</a:t>
                 </a:r>
                 <a:r>
-                  <a:rPr lang="zh-CN" altLang="en-US" sz="1400" dirty="0" smtClean="0">
+                  <a:rPr lang="zh-CN" altLang="en-US" sz="1400" dirty="0">
                     <a:latin typeface="微软雅黑" panose="020B0503020204020204" pitchFamily="34" charset="-122"/>
                     <a:ea typeface="微软雅黑" panose="020B0503020204020204" pitchFamily="34" charset="-122"/>
                   </a:rPr>
                   <a:t>所以用泊松分布近似二项分布</a:t>
                 </a:r>
                 <a:r>
-                  <a:rPr lang="en-US" altLang="zh-CN" sz="1400" dirty="0" smtClean="0">
+                  <a:rPr lang="en-US" altLang="zh-CN" sz="1400" dirty="0">
                     <a:latin typeface="微软雅黑" panose="020B0503020204020204" pitchFamily="34" charset="-122"/>
                     <a:ea typeface="微软雅黑" panose="020B0503020204020204" pitchFamily="34" charset="-122"/>
                   </a:rPr>
                   <a:t>,</a:t>
                 </a:r>
                 <a:r>
-                  <a:rPr lang="zh-CN" altLang="en-US" sz="1400" dirty="0" smtClean="0">
+                  <a:rPr lang="zh-CN" altLang="en-US" sz="1400" dirty="0">
                     <a:latin typeface="微软雅黑" panose="020B0503020204020204" pitchFamily="34" charset="-122"/>
                     <a:ea typeface="微软雅黑" panose="020B0503020204020204" pitchFamily="34" charset="-122"/>
                   </a:rPr>
@@ -1977,48 +1963,41 @@
                   </m:oMath>
                 </a14:m>
                 <a:r>
-                  <a:rPr lang="zh-CN" altLang="en-US" sz="1400" dirty="0" smtClean="0">
+                  <a:rPr lang="zh-CN" altLang="en-US" sz="1400" dirty="0">
                     <a:latin typeface="微软雅黑" panose="020B0503020204020204" pitchFamily="34" charset="-122"/>
                     <a:ea typeface="微软雅黑" panose="020B0503020204020204" pitchFamily="34" charset="-122"/>
                   </a:rPr>
                   <a:t>参数替换成比赛总得分</a:t>
                 </a:r>
                 <a:r>
-                  <a:rPr lang="en-US" altLang="zh-CN" sz="1400" dirty="0" smtClean="0">
+                  <a:rPr lang="en-US" altLang="zh-CN" sz="1400" dirty="0">
                     <a:latin typeface="微软雅黑" panose="020B0503020204020204" pitchFamily="34" charset="-122"/>
                     <a:ea typeface="微软雅黑" panose="020B0503020204020204" pitchFamily="34" charset="-122"/>
                   </a:rPr>
                   <a:t>+Bradley-Terry</a:t>
                 </a:r>
                 <a:r>
-                  <a:rPr lang="zh-CN" altLang="en-US" sz="1400" dirty="0" smtClean="0">
+                  <a:rPr lang="zh-CN" altLang="en-US" sz="1400" dirty="0">
                     <a:latin typeface="微软雅黑" panose="020B0503020204020204" pitchFamily="34" charset="-122"/>
                     <a:ea typeface="微软雅黑" panose="020B0503020204020204" pitchFamily="34" charset="-122"/>
                   </a:rPr>
                   <a:t>模型</a:t>
                 </a:r>
                 <a:r>
-                  <a:rPr lang="en-US" altLang="zh-CN" sz="1400" dirty="0" smtClean="0">
+                  <a:rPr lang="en-US" altLang="zh-CN" sz="1400" dirty="0">
                     <a:latin typeface="微软雅黑" panose="020B0503020204020204" pitchFamily="34" charset="-122"/>
                     <a:ea typeface="微软雅黑" panose="020B0503020204020204" pitchFamily="34" charset="-122"/>
                   </a:rPr>
                   <a:t>+</a:t>
                 </a:r>
                 <a:r>
-                  <a:rPr lang="zh-CN" altLang="en-US" sz="1400" dirty="0" smtClean="0">
+                  <a:rPr lang="zh-CN" altLang="en-US" sz="1400" dirty="0">
                     <a:latin typeface="微软雅黑" panose="020B0503020204020204" pitchFamily="34" charset="-122"/>
                     <a:ea typeface="微软雅黑" panose="020B0503020204020204" pitchFamily="34" charset="-122"/>
                   </a:rPr>
-                  <a:t>一个随机</a:t>
-                </a:r>
-                <a:r>
-                  <a:rPr lang="zh-CN" altLang="en-US" sz="1400" dirty="0" smtClean="0">
-                    <a:latin typeface="微软雅黑" panose="020B0503020204020204" pitchFamily="34" charset="-122"/>
-                    <a:ea typeface="微软雅黑" panose="020B0503020204020204" pitchFamily="34" charset="-122"/>
-                  </a:rPr>
-                  <a:t>因子</a:t>
-                </a:r>
-                <a:endParaRPr lang="en-US" altLang="zh-CN" sz="1400" dirty="0" smtClean="0">
+                  <a:t>一个随机因子</a:t>
+                </a:r>
+                <a:endParaRPr lang="en-US" altLang="zh-CN" sz="1400" dirty="0">
                   <a:latin typeface="微软雅黑" panose="020B0503020204020204" pitchFamily="34" charset="-122"/>
                   <a:ea typeface="微软雅黑" panose="020B0503020204020204" pitchFamily="34" charset="-122"/>
                 </a:endParaRPr>
@@ -2462,23 +2441,23 @@
                   <a:defRPr/>
                 </a:pPr>
                 <a:r>
-                  <a:rPr lang="zh-CN" altLang="en-US" dirty="0" smtClean="0"/>
+                  <a:rPr lang="zh-CN" altLang="en-US" dirty="0"/>
                   <a:t>通过</a:t>
                 </a:r>
                 <a:r>
-                  <a:rPr lang="en-US" altLang="zh-CN" dirty="0" smtClean="0"/>
+                  <a:rPr lang="en-US" altLang="zh-CN" dirty="0"/>
                   <a:t>NBA</a:t>
                 </a:r>
                 <a:r>
-                  <a:rPr lang="zh-CN" altLang="en-US" dirty="0" smtClean="0"/>
+                  <a:rPr lang="zh-CN" altLang="en-US" dirty="0"/>
                   <a:t>各个赛季的历史比赛数据</a:t>
                 </a:r>
                 <a:r>
-                  <a:rPr lang="en-US" altLang="zh-CN" dirty="0" smtClean="0"/>
+                  <a:rPr lang="en-US" altLang="zh-CN" dirty="0"/>
                   <a:t>,</a:t>
                 </a:r>
                 <a:r>
-                  <a:rPr lang="zh-CN" altLang="en-US" dirty="0" smtClean="0"/>
+                  <a:rPr lang="zh-CN" altLang="en-US" dirty="0"/>
                   <a:t>可以得到每场比赛的总得分</a:t>
                 </a:r>
                 <a14:m>
@@ -2517,7 +2496,7 @@
                   </m:oMath>
                 </a14:m>
                 <a:r>
-                  <a:rPr lang="zh-CN" altLang="en-US" dirty="0" smtClean="0"/>
+                  <a:rPr lang="zh-CN" altLang="en-US" dirty="0"/>
                   <a:t>和主队的得分</a:t>
                 </a:r>
                 <a14:m>
@@ -2556,11 +2535,11 @@
                   </m:oMath>
                 </a14:m>
                 <a:r>
-                  <a:rPr lang="en-US" altLang="zh-CN" dirty="0" smtClean="0"/>
+                  <a:rPr lang="en-US" altLang="zh-CN" dirty="0"/>
                   <a:t>,</a:t>
                 </a:r>
                 <a:r>
-                  <a:rPr lang="zh-CN" altLang="en-US" dirty="0" smtClean="0"/>
+                  <a:rPr lang="zh-CN" altLang="en-US" dirty="0"/>
                   <a:t>将每个赛季</a:t>
                 </a:r>
                 <a14:m>
@@ -2599,15 +2578,15 @@
                   </m:oMath>
                 </a14:m>
                 <a:r>
-                  <a:rPr lang="zh-CN" altLang="en-US" dirty="0" smtClean="0"/>
+                  <a:rPr lang="zh-CN" altLang="en-US" dirty="0"/>
                   <a:t>的分布拟合为泊松分布</a:t>
                 </a:r>
                 <a:r>
-                  <a:rPr lang="en-US" altLang="zh-CN" dirty="0" smtClean="0"/>
+                  <a:rPr lang="en-US" altLang="zh-CN" dirty="0"/>
                   <a:t>,</a:t>
                 </a:r>
                 <a:r>
-                  <a:rPr lang="zh-CN" altLang="en-US" dirty="0" smtClean="0"/>
+                  <a:rPr lang="zh-CN" altLang="en-US" dirty="0"/>
                   <a:t>可以得到泊松分布的参数</a:t>
                 </a:r>
                 <a14:m>
@@ -2623,11 +2602,11 @@
                   </m:oMath>
                 </a14:m>
                 <a:r>
-                  <a:rPr lang="en-US" altLang="zh-CN" dirty="0" smtClean="0"/>
+                  <a:rPr lang="en-US" altLang="zh-CN" dirty="0"/>
                   <a:t>,</a:t>
                 </a:r>
                 <a:r>
-                  <a:rPr lang="zh-CN" altLang="en-US" dirty="0" smtClean="0"/>
+                  <a:rPr lang="zh-CN" altLang="en-US" dirty="0"/>
                   <a:t>而根据之前的推导</a:t>
                 </a:r>
                 <a14:m>
@@ -2907,11 +2886,11 @@
                   </m:oMath>
                 </a14:m>
                 <a:r>
-                  <a:rPr lang="en-US" altLang="zh-CN" dirty="0" smtClean="0"/>
+                  <a:rPr lang="en-US" altLang="zh-CN" dirty="0"/>
                   <a:t>,</a:t>
                 </a:r>
                 <a:r>
-                  <a:rPr lang="zh-CN" altLang="en-US" dirty="0" smtClean="0"/>
+                  <a:rPr lang="zh-CN" altLang="en-US" dirty="0"/>
                   <a:t>此公式中的主队的实力</a:t>
                 </a:r>
                 <a14:m>
@@ -2944,7 +2923,7 @@
                   </m:oMath>
                 </a14:m>
                 <a:r>
-                  <a:rPr lang="zh-CN" altLang="en-US" dirty="0" smtClean="0"/>
+                  <a:rPr lang="zh-CN" altLang="en-US" dirty="0"/>
                   <a:t>和随机因子</a:t>
                 </a:r>
                 <a14:m>
@@ -2983,15 +2962,15 @@
                   </m:oMath>
                 </a14:m>
                 <a:r>
-                  <a:rPr lang="zh-CN" altLang="en-US" dirty="0" smtClean="0"/>
+                  <a:rPr lang="zh-CN" altLang="en-US" dirty="0"/>
                   <a:t>可以通过求解得到</a:t>
                 </a:r>
                 <a:r>
-                  <a:rPr lang="en-US" altLang="zh-CN" dirty="0" smtClean="0"/>
+                  <a:rPr lang="en-US" altLang="zh-CN" dirty="0"/>
                   <a:t>,</a:t>
                 </a:r>
                 <a:r>
-                  <a:rPr lang="zh-CN" altLang="en-US" dirty="0" smtClean="0"/>
+                  <a:rPr lang="zh-CN" altLang="en-US" dirty="0"/>
                   <a:t>而</a:t>
                 </a:r>
                 <a14:m>
@@ -3123,11 +3102,11 @@
                   </m:oMath>
                 </a14:m>
                 <a:r>
-                  <a:rPr lang="en-US" altLang="zh-CN" dirty="0" smtClean="0"/>
+                  <a:rPr lang="en-US" altLang="zh-CN" dirty="0"/>
                   <a:t>,</a:t>
                 </a:r>
                 <a:r>
-                  <a:rPr lang="zh-CN" altLang="en-US" dirty="0" smtClean="0"/>
+                  <a:rPr lang="zh-CN" altLang="en-US" dirty="0"/>
                   <a:t>而每支球的技能特征向量</a:t>
                 </a:r>
                 <a14:m>
@@ -3166,23 +3145,23 @@
                   </m:oMath>
                 </a14:m>
                 <a:r>
-                  <a:rPr lang="zh-CN" altLang="en-US" dirty="0" smtClean="0"/>
+                  <a:rPr lang="zh-CN" altLang="en-US" dirty="0"/>
                   <a:t>如右表所示</a:t>
                 </a:r>
                 <a:r>
-                  <a:rPr lang="en-US" altLang="zh-CN" dirty="0" smtClean="0"/>
+                  <a:rPr lang="en-US" altLang="zh-CN" dirty="0"/>
                   <a:t>,</a:t>
                 </a:r>
                 <a:r>
-                  <a:rPr lang="zh-CN" altLang="en-US" dirty="0" smtClean="0"/>
+                  <a:rPr lang="zh-CN" altLang="en-US" dirty="0"/>
                   <a:t>右侧表格显示了为了表示</a:t>
                 </a:r>
                 <a:r>
-                  <a:rPr lang="en-US" altLang="zh-CN" dirty="0" smtClean="0"/>
+                  <a:rPr lang="en-US" altLang="zh-CN" dirty="0"/>
                   <a:t>NBA</a:t>
                 </a:r>
                 <a:r>
-                  <a:rPr lang="zh-CN" altLang="en-US" dirty="0" smtClean="0"/>
+                  <a:rPr lang="zh-CN" altLang="en-US" dirty="0"/>
                   <a:t>球队的技能所选取的维度</a:t>
                 </a:r>
                 <a14:m>
@@ -3221,35 +3200,35 @@
                   </m:oMath>
                 </a14:m>
                 <a:r>
-                  <a:rPr lang="zh-CN" altLang="en-US" dirty="0" smtClean="0"/>
+                  <a:rPr lang="zh-CN" altLang="en-US" dirty="0"/>
                   <a:t>的具体解释</a:t>
                 </a:r>
                 <a:r>
-                  <a:rPr lang="en-US" altLang="zh-CN" dirty="0" smtClean="0"/>
+                  <a:rPr lang="en-US" altLang="zh-CN" dirty="0"/>
                   <a:t>,</a:t>
                 </a:r>
                 <a:r>
-                  <a:rPr lang="zh-CN" altLang="en-US" dirty="0" smtClean="0"/>
+                  <a:rPr lang="zh-CN" altLang="en-US" dirty="0"/>
                   <a:t>具体的维度例如</a:t>
                 </a:r>
                 <a:r>
-                  <a:rPr lang="en-US" altLang="zh-CN" dirty="0" smtClean="0"/>
+                  <a:rPr lang="en-US" altLang="zh-CN" dirty="0"/>
                   <a:t>CO</a:t>
                 </a:r>
                 <a:r>
-                  <a:rPr lang="zh-CN" altLang="en-US" dirty="0" smtClean="0"/>
+                  <a:rPr lang="zh-CN" altLang="en-US" dirty="0"/>
                   <a:t>表示球队位于西部还是东部</a:t>
                 </a:r>
                 <a:r>
-                  <a:rPr lang="en-US" altLang="zh-CN" dirty="0" smtClean="0"/>
+                  <a:rPr lang="en-US" altLang="zh-CN" dirty="0"/>
                   <a:t>,A5</a:t>
                 </a:r>
                 <a:r>
-                  <a:rPr lang="zh-CN" altLang="en-US" dirty="0" smtClean="0"/>
+                  <a:rPr lang="zh-CN" altLang="en-US" dirty="0"/>
                   <a:t>表示</a:t>
                 </a:r>
                 <a:r>
-                  <a:rPr lang="zh-CN" altLang="zh-CN" sz="1200" kern="1200" dirty="0" smtClean="0">
+                  <a:rPr lang="zh-CN" altLang="zh-CN" sz="1200" kern="1200" dirty="0">
                     <a:solidFill>
                       <a:schemeClr val="tx1"/>
                     </a:solidFill>
@@ -3261,7 +3240,7 @@
                   <a:t>前五名球员平均薪水</a:t>
                 </a:r>
                 <a:r>
-                  <a:rPr lang="en-US" altLang="zh-CN" sz="1200" kern="1200" dirty="0" smtClean="0">
+                  <a:rPr lang="en-US" altLang="zh-CN" sz="1200" kern="1200" dirty="0">
                     <a:solidFill>
                       <a:schemeClr val="tx1"/>
                     </a:solidFill>
@@ -3273,7 +3252,7 @@
                   <a:t>,A6-10</a:t>
                 </a:r>
                 <a:r>
-                  <a:rPr lang="zh-CN" altLang="en-US" sz="1200" kern="1200" dirty="0" smtClean="0">
+                  <a:rPr lang="zh-CN" altLang="en-US" sz="1200" kern="1200" dirty="0">
                     <a:solidFill>
                       <a:schemeClr val="tx1"/>
                     </a:solidFill>
@@ -3285,7 +3264,7 @@
                   <a:t>表示</a:t>
                 </a:r>
                 <a:r>
-                  <a:rPr lang="en-US" altLang="zh-CN" sz="1200" kern="1200" dirty="0" smtClean="0">
+                  <a:rPr lang="en-US" altLang="zh-CN" sz="1200" kern="1200" dirty="0">
                     <a:solidFill>
                       <a:schemeClr val="tx1"/>
                     </a:solidFill>
@@ -3297,7 +3276,7 @@
                   <a:t>6</a:t>
                 </a:r>
                 <a:r>
-                  <a:rPr lang="zh-CN" altLang="zh-CN" sz="1200" kern="1200" dirty="0" smtClean="0">
+                  <a:rPr lang="zh-CN" altLang="zh-CN" sz="1200" kern="1200" dirty="0">
                     <a:solidFill>
                       <a:schemeClr val="tx1"/>
                     </a:solidFill>
@@ -3309,7 +3288,7 @@
                   <a:t>到</a:t>
                 </a:r>
                 <a:r>
-                  <a:rPr lang="en-US" altLang="zh-CN" sz="1200" kern="1200" dirty="0" smtClean="0">
+                  <a:rPr lang="en-US" altLang="zh-CN" sz="1200" kern="1200" dirty="0">
                     <a:solidFill>
                       <a:schemeClr val="tx1"/>
                     </a:solidFill>
@@ -3321,7 +3300,7 @@
                   <a:t>10</a:t>
                 </a:r>
                 <a:r>
-                  <a:rPr lang="zh-CN" altLang="zh-CN" sz="1200" kern="1200" dirty="0" smtClean="0">
+                  <a:rPr lang="zh-CN" altLang="zh-CN" sz="1200" kern="1200" dirty="0">
                     <a:solidFill>
                       <a:schemeClr val="tx1"/>
                     </a:solidFill>
@@ -3333,7 +3312,7 @@
                   <a:t>名最高工资</a:t>
                 </a:r>
                 <a:r>
-                  <a:rPr lang="zh-CN" altLang="en-US" sz="1200" kern="1200" dirty="0" smtClean="0">
+                  <a:rPr lang="zh-CN" altLang="en-US" sz="1200" kern="1200" dirty="0">
                     <a:solidFill>
                       <a:schemeClr val="tx1"/>
                     </a:solidFill>
@@ -3345,7 +3324,7 @@
                   <a:t>球员</a:t>
                 </a:r>
                 <a:r>
-                  <a:rPr lang="zh-CN" altLang="zh-CN" sz="1200" kern="1200" dirty="0" smtClean="0">
+                  <a:rPr lang="zh-CN" altLang="zh-CN" sz="1200" kern="1200" dirty="0">
                     <a:solidFill>
                       <a:schemeClr val="tx1"/>
                     </a:solidFill>
@@ -3357,7 +3336,7 @@
                   <a:t>的平均工资</a:t>
                 </a:r>
                 <a:r>
-                  <a:rPr lang="en-US" altLang="zh-CN" sz="1200" kern="1200" dirty="0" smtClean="0">
+                  <a:rPr lang="en-US" altLang="zh-CN" sz="1200" kern="1200" dirty="0">
                     <a:solidFill>
                       <a:schemeClr val="tx1"/>
                     </a:solidFill>
@@ -3369,7 +3348,7 @@
                   <a:t>,SD</a:t>
                 </a:r>
                 <a:r>
-                  <a:rPr lang="zh-CN" altLang="en-US" sz="1200" kern="1200" dirty="0" smtClean="0">
+                  <a:rPr lang="zh-CN" altLang="en-US" sz="1200" kern="1200" dirty="0">
                     <a:solidFill>
                       <a:schemeClr val="tx1"/>
                     </a:solidFill>
@@ -3381,7 +3360,7 @@
                   <a:t>表示</a:t>
                 </a:r>
                 <a:r>
-                  <a:rPr lang="zh-CN" altLang="zh-CN" sz="1200" kern="1200" dirty="0" smtClean="0">
+                  <a:rPr lang="zh-CN" altLang="zh-CN" sz="1200" kern="1200" dirty="0">
                     <a:solidFill>
                       <a:schemeClr val="tx1"/>
                     </a:solidFill>
@@ -3393,7 +3372,7 @@
                   <a:t>球员工资的标准差</a:t>
                 </a:r>
                 <a:r>
-                  <a:rPr lang="en-US" altLang="zh-CN" sz="1200" kern="1200" dirty="0" smtClean="0">
+                  <a:rPr lang="en-US" altLang="zh-CN" sz="1200" kern="1200" dirty="0">
                     <a:solidFill>
                       <a:schemeClr val="tx1"/>
                     </a:solidFill>
@@ -3405,7 +3384,7 @@
                   <a:t>,AP</a:t>
                 </a:r>
                 <a:r>
-                  <a:rPr lang="zh-CN" altLang="en-US" sz="1200" kern="1200" dirty="0" smtClean="0">
+                  <a:rPr lang="zh-CN" altLang="en-US" sz="1200" kern="1200" dirty="0">
                     <a:solidFill>
                       <a:schemeClr val="tx1"/>
                     </a:solidFill>
@@ -3417,7 +3396,7 @@
                   <a:t>表示去年球员的</a:t>
                 </a:r>
                 <a:r>
-                  <a:rPr lang="zh-CN" altLang="zh-CN" sz="1200" kern="1200" dirty="0" smtClean="0">
+                  <a:rPr lang="zh-CN" altLang="zh-CN" sz="1200" kern="1200" dirty="0">
                     <a:solidFill>
                       <a:schemeClr val="tx1"/>
                     </a:solidFill>
@@ -3429,7 +3408,7 @@
                   <a:t>平均球员效率等级</a:t>
                 </a:r>
                 <a:r>
-                  <a:rPr lang="en-US" altLang="zh-CN" sz="1200" kern="1200" dirty="0" smtClean="0">
+                  <a:rPr lang="en-US" altLang="zh-CN" sz="1200" kern="1200" dirty="0">
                     <a:solidFill>
                       <a:schemeClr val="tx1"/>
                     </a:solidFill>
@@ -3441,7 +3420,7 @@
                   <a:t>,VL</a:t>
                 </a:r>
                 <a:r>
-                  <a:rPr lang="zh-CN" altLang="en-US" sz="1200" kern="1200" dirty="0" smtClean="0">
+                  <a:rPr lang="zh-CN" altLang="en-US" sz="1200" kern="1200" dirty="0">
                     <a:solidFill>
                       <a:schemeClr val="tx1"/>
                     </a:solidFill>
@@ -3453,7 +3432,7 @@
                   <a:t>表示球队的人员变化程度</a:t>
                 </a:r>
                 <a:r>
-                  <a:rPr lang="en-US" altLang="zh-CN" sz="1200" kern="1200" dirty="0" smtClean="0">
+                  <a:rPr lang="en-US" altLang="zh-CN" sz="1200" kern="1200" dirty="0">
                     <a:solidFill>
                       <a:schemeClr val="tx1"/>
                     </a:solidFill>
@@ -3465,7 +3444,7 @@
                   <a:t>,RV</a:t>
                 </a:r>
                 <a:r>
-                  <a:rPr lang="zh-CN" altLang="en-US" sz="1200" kern="1200" dirty="0" smtClean="0">
+                  <a:rPr lang="zh-CN" altLang="en-US" sz="1200" kern="1200" dirty="0">
                     <a:solidFill>
                       <a:schemeClr val="tx1"/>
                     </a:solidFill>
@@ -3477,7 +3456,7 @@
                   <a:t>表示球队的转会变化程度</a:t>
                 </a:r>
                 <a:r>
-                  <a:rPr lang="en-US" altLang="zh-CN" sz="1200" kern="1200" dirty="0" smtClean="0">
+                  <a:rPr lang="en-US" altLang="zh-CN" sz="1200" kern="1200" dirty="0">
                     <a:solidFill>
                       <a:schemeClr val="tx1"/>
                     </a:solidFill>
@@ -3489,7 +3468,7 @@
                   <a:t>,CC</a:t>
                 </a:r>
                 <a:r>
-                  <a:rPr lang="zh-CN" altLang="en-US" sz="1200" kern="1200" dirty="0" smtClean="0">
+                  <a:rPr lang="zh-CN" altLang="en-US" sz="1200" kern="1200" dirty="0">
                     <a:solidFill>
                       <a:schemeClr val="tx1"/>
                     </a:solidFill>
@@ -3501,7 +3480,7 @@
                   <a:t>表示球队的经验</a:t>
                 </a:r>
                 <a:r>
-                  <a:rPr lang="en-US" altLang="zh-CN" sz="1200" kern="1200" dirty="0" smtClean="0">
+                  <a:rPr lang="en-US" altLang="zh-CN" sz="1200" kern="1200" dirty="0">
                     <a:solidFill>
                       <a:schemeClr val="tx1"/>
                     </a:solidFill>
@@ -3513,7 +3492,7 @@
                   <a:t>,RC</a:t>
                 </a:r>
                 <a:r>
-                  <a:rPr lang="zh-CN" altLang="en-US" sz="1200" kern="1200" dirty="0" smtClean="0">
+                  <a:rPr lang="zh-CN" altLang="en-US" sz="1200" kern="1200" dirty="0">
                     <a:solidFill>
                       <a:schemeClr val="tx1"/>
                     </a:solidFill>
@@ -3525,7 +3504,7 @@
                   <a:t>表示球员之间的关系</a:t>
                 </a:r>
                 <a:r>
-                  <a:rPr lang="en-US" altLang="zh-CN" sz="1200" kern="1200" dirty="0" smtClean="0">
+                  <a:rPr lang="en-US" altLang="zh-CN" sz="1200" kern="1200" dirty="0">
                     <a:solidFill>
                       <a:schemeClr val="tx1"/>
                     </a:solidFill>
@@ -3537,7 +3516,7 @@
                   <a:t>,SI</a:t>
                 </a:r>
                 <a:r>
-                  <a:rPr lang="zh-CN" altLang="en-US" sz="1200" kern="1200" dirty="0" smtClean="0">
+                  <a:rPr lang="zh-CN" altLang="en-US" sz="1200" kern="1200" dirty="0">
                     <a:solidFill>
                       <a:schemeClr val="tx1"/>
                     </a:solidFill>
@@ -3549,7 +3528,7 @@
                   <a:t>表示球员人数</a:t>
                 </a:r>
                 <a:r>
-                  <a:rPr lang="en-US" altLang="zh-CN" sz="1200" kern="1200" dirty="0" smtClean="0">
+                  <a:rPr lang="en-US" altLang="zh-CN" sz="1200" kern="1200" dirty="0">
                     <a:solidFill>
                       <a:schemeClr val="tx1"/>
                     </a:solidFill>
@@ -3561,7 +3540,7 @@
                   <a:t>,</a:t>
                 </a:r>
                 <a:r>
-                  <a:rPr lang="zh-CN" altLang="en-US" sz="1200" kern="1200" dirty="0" smtClean="0">
+                  <a:rPr lang="zh-CN" altLang="en-US" sz="1200" kern="1200" dirty="0">
                     <a:solidFill>
                       <a:schemeClr val="tx1"/>
                     </a:solidFill>
@@ -3589,7 +3568,7 @@
                   </m:oMath>
                 </a14:m>
                 <a:r>
-                  <a:rPr lang="zh-CN" altLang="en-US" sz="1200" kern="1200" dirty="0" smtClean="0">
+                  <a:rPr lang="zh-CN" altLang="en-US" sz="1200" kern="1200" dirty="0">
                     <a:solidFill>
                       <a:schemeClr val="tx1"/>
                     </a:solidFill>
@@ -3601,7 +3580,7 @@
                   <a:t>向量的值</a:t>
                 </a:r>
                 <a:r>
-                  <a:rPr lang="en-US" altLang="zh-CN" sz="1200" kern="1200" dirty="0" smtClean="0">
+                  <a:rPr lang="en-US" altLang="zh-CN" sz="1200" kern="1200" dirty="0">
                     <a:solidFill>
                       <a:schemeClr val="tx1"/>
                     </a:solidFill>
@@ -3613,7 +3592,7 @@
                   <a:t>,</a:t>
                 </a:r>
                 <a:r>
-                  <a:rPr lang="zh-CN" altLang="en-US" sz="1200" kern="1200" dirty="0" smtClean="0">
+                  <a:rPr lang="zh-CN" altLang="en-US" sz="1200" kern="1200" dirty="0">
                     <a:solidFill>
                       <a:schemeClr val="tx1"/>
                     </a:solidFill>
@@ -3625,7 +3604,7 @@
                   <a:t>从而得到球队的各个技能对应的系数</a:t>
                 </a:r>
                 <a:r>
-                  <a:rPr lang="en-US" altLang="zh-CN" sz="1200" kern="1200" dirty="0" smtClean="0">
+                  <a:rPr lang="en-US" altLang="zh-CN" sz="1200" kern="1200" dirty="0">
                     <a:solidFill>
                       <a:schemeClr val="tx1"/>
                     </a:solidFill>
@@ -3637,7 +3616,7 @@
                   <a:t>,</a:t>
                 </a:r>
                 <a:r>
-                  <a:rPr lang="zh-CN" altLang="en-US" sz="1200" kern="1200" dirty="0" smtClean="0">
+                  <a:rPr lang="zh-CN" altLang="en-US" sz="1200" kern="1200" dirty="0">
                     <a:solidFill>
                       <a:schemeClr val="tx1"/>
                     </a:solidFill>
@@ -3649,7 +3628,7 @@
                   <a:t>用于球队实力和胜率的预测</a:t>
                 </a:r>
                 <a:r>
-                  <a:rPr lang="en-US" altLang="zh-CN" sz="1200" kern="1200" dirty="0" smtClean="0">
+                  <a:rPr lang="en-US" altLang="zh-CN" sz="1200" kern="1200" dirty="0">
                     <a:solidFill>
                       <a:schemeClr val="tx1"/>
                     </a:solidFill>
@@ -3661,7 +3640,7 @@
                   <a:t>,</a:t>
                 </a:r>
                 <a:r>
-                  <a:rPr lang="zh-CN" altLang="en-US" sz="1200" kern="1200" dirty="0" smtClean="0">
+                  <a:rPr lang="zh-CN" altLang="en-US" sz="1200" kern="1200" dirty="0">
                     <a:solidFill>
                       <a:schemeClr val="tx1"/>
                     </a:solidFill>
@@ -3673,7 +3652,7 @@
                   <a:t>以上是球队技能部分概率图模型的解释</a:t>
                 </a:r>
                 <a:r>
-                  <a:rPr lang="en-US" altLang="zh-CN" sz="1200" kern="1200" dirty="0" smtClean="0">
+                  <a:rPr lang="en-US" altLang="zh-CN" sz="1200" kern="1200" dirty="0">
                     <a:solidFill>
                       <a:schemeClr val="tx1"/>
                     </a:solidFill>
@@ -3685,14 +3664,14 @@
                   <a:t>.</a:t>
                 </a:r>
                 <a:r>
-                  <a:rPr lang="en-US" altLang="zh-CN" dirty="0" smtClean="0">
+                  <a:rPr lang="en-US" altLang="zh-CN" dirty="0">
                     <a:latin typeface="微软雅黑" panose="020B0503020204020204" pitchFamily="34" charset="-122"/>
                     <a:ea typeface="微软雅黑" panose="020B0503020204020204" pitchFamily="34" charset="-122"/>
                   </a:rPr>
                   <a:t> :</a:t>
                 </a:r>
                 <a:r>
-                  <a:rPr lang="en-US" altLang="zh-CN" dirty="0" smtClean="0">
+                  <a:rPr lang="en-US" altLang="zh-CN" dirty="0">
                     <a:latin typeface="微软雅黑" panose="020B0503020204020204" pitchFamily="34" charset="-122"/>
                     <a:ea typeface="微软雅黑" panose="020B0503020204020204" pitchFamily="34" charset="-122"/>
                     <a:sym typeface="Wingdings" panose="05000000000000000000" pitchFamily="2" charset="2"/>
@@ -3700,7 +3679,7 @@
                   <a:t>(</a:t>
                 </a:r>
                 <a:r>
-                  <a:rPr lang="zh-CN" altLang="en-US" dirty="0" smtClean="0">
+                  <a:rPr lang="zh-CN" altLang="en-US" dirty="0">
                     <a:latin typeface="微软雅黑" panose="020B0503020204020204" pitchFamily="34" charset="-122"/>
                     <a:ea typeface="微软雅黑" panose="020B0503020204020204" pitchFamily="34" charset="-122"/>
                     <a:sym typeface="Wingdings" panose="05000000000000000000" pitchFamily="2" charset="2"/>
@@ -3708,7 +3687,7 @@
                   <a:t>可以改进的点</a:t>
                 </a:r>
                 <a:r>
-                  <a:rPr lang="en-US" altLang="zh-CN" dirty="0" smtClean="0">
+                  <a:rPr lang="en-US" altLang="zh-CN" dirty="0">
                     <a:latin typeface="微软雅黑" panose="020B0503020204020204" pitchFamily="34" charset="-122"/>
                     <a:ea typeface="微软雅黑" panose="020B0503020204020204" pitchFamily="34" charset="-122"/>
                     <a:sym typeface="Wingdings" panose="05000000000000000000" pitchFamily="2" charset="2"/>
@@ -3716,7 +3695,7 @@
                   <a:t>,</a:t>
                 </a:r>
                 <a:r>
-                  <a:rPr lang="zh-CN" altLang="en-US" dirty="0" smtClean="0">
+                  <a:rPr lang="zh-CN" altLang="en-US" dirty="0">
                     <a:latin typeface="微软雅黑" panose="020B0503020204020204" pitchFamily="34" charset="-122"/>
                     <a:ea typeface="微软雅黑" panose="020B0503020204020204" pitchFamily="34" charset="-122"/>
                     <a:sym typeface="Wingdings" panose="05000000000000000000" pitchFamily="2" charset="2"/>
@@ -3724,14 +3703,14 @@
                   <a:t>使用贝叶斯神经网络求解</a:t>
                 </a:r>
                 <a:r>
-                  <a:rPr lang="en-US" altLang="zh-CN" dirty="0" smtClean="0">
+                  <a:rPr lang="en-US" altLang="zh-CN" dirty="0">
                     <a:latin typeface="微软雅黑" panose="020B0503020204020204" pitchFamily="34" charset="-122"/>
                     <a:ea typeface="微软雅黑" panose="020B0503020204020204" pitchFamily="34" charset="-122"/>
                     <a:sym typeface="Wingdings" panose="05000000000000000000" pitchFamily="2" charset="2"/>
                   </a:rPr>
                   <a:t>w)</a:t>
                 </a:r>
-                <a:endParaRPr lang="zh-CN" altLang="en-US" dirty="0" smtClean="0"/>
+                <a:endParaRPr lang="zh-CN" altLang="en-US" dirty="0"/>
               </a:p>
               <a:p>
                 <a:pPr marL="0" marR="0" lvl="0" indent="0" algn="l" defTabSz="914400" rtl="0" eaLnBrk="1" fontAlgn="auto" latinLnBrk="0" hangingPunct="1">
@@ -3751,7 +3730,7 @@
                   <a:tabLst/>
                   <a:defRPr/>
                 </a:pPr>
-                <a:endParaRPr lang="en-US" altLang="zh-CN" sz="1200" kern="1200" dirty="0" smtClean="0">
+                <a:endParaRPr lang="en-US" altLang="zh-CN" sz="1200" kern="1200" dirty="0">
                   <a:solidFill>
                     <a:schemeClr val="tx1"/>
                   </a:solidFill>
@@ -4703,8 +4682,8 @@
         </p:nvSpPr>
         <p:spPr/>
       </p:sp>
-      <mc:AlternateContent xmlns:mc="http://schemas.openxmlformats.org/markup-compatibility/2006">
-        <mc:Choice xmlns:a14="http://schemas.microsoft.com/office/drawing/2010/main" Requires="a14">
+      <mc:AlternateContent xmlns:mc="http://schemas.openxmlformats.org/markup-compatibility/2006" xmlns:a14="http://schemas.microsoft.com/office/drawing/2010/main">
+        <mc:Choice Requires="a14">
           <p:sp>
             <p:nvSpPr>
               <p:cNvPr id="3" name="备注占位符 2"/>
@@ -4738,7 +4717,7 @@
                   <a:defRPr/>
                 </a:pPr>
                 <a:r>
-                  <a:rPr lang="zh-CN" altLang="en-US" sz="1200" dirty="0" smtClean="0">
+                  <a:rPr lang="zh-CN" altLang="en-US" sz="1200" dirty="0">
                     <a:latin typeface="微软雅黑" panose="020B0503020204020204" pitchFamily="34" charset="-122"/>
                     <a:ea typeface="微软雅黑" panose="020B0503020204020204" pitchFamily="34" charset="-122"/>
                     <a:cs typeface="Times New Roman" panose="02020603050405020304" pitchFamily="18" charset="0"/>
@@ -4746,7 +4725,7 @@
                   <a:t>可以改进的点</a:t>
                 </a:r>
                 <a:r>
-                  <a:rPr lang="en-US" altLang="zh-CN" sz="1200" dirty="0" smtClean="0">
+                  <a:rPr lang="en-US" altLang="zh-CN" sz="1200" dirty="0">
                     <a:latin typeface="微软雅黑" panose="020B0503020204020204" pitchFamily="34" charset="-122"/>
                     <a:ea typeface="微软雅黑" panose="020B0503020204020204" pitchFamily="34" charset="-122"/>
                     <a:cs typeface="Times New Roman" panose="02020603050405020304" pitchFamily="18" charset="0"/>
@@ -4754,7 +4733,7 @@
                   <a:t>:</a:t>
                 </a:r>
                 <a:r>
-                  <a:rPr lang="zh-CN" altLang="en-US" sz="1200" dirty="0" smtClean="0">
+                  <a:rPr lang="zh-CN" altLang="en-US" sz="1200" dirty="0">
                     <a:latin typeface="微软雅黑" panose="020B0503020204020204" pitchFamily="34" charset="-122"/>
                     <a:ea typeface="微软雅黑" panose="020B0503020204020204" pitchFamily="34" charset="-122"/>
                     <a:cs typeface="Times New Roman" panose="02020603050405020304" pitchFamily="18" charset="0"/>
@@ -4777,7 +4756,7 @@
                   </m:oMath>
                 </a14:m>
                 <a:r>
-                  <a:rPr lang="zh-CN" altLang="en-US" sz="1200" dirty="0" smtClean="0">
+                  <a:rPr lang="zh-CN" altLang="en-US" sz="1200" dirty="0">
                     <a:latin typeface="微软雅黑" panose="020B0503020204020204" pitchFamily="34" charset="-122"/>
                     <a:ea typeface="微软雅黑" panose="020B0503020204020204" pitchFamily="34" charset="-122"/>
                     <a:cs typeface="Times New Roman" panose="02020603050405020304" pitchFamily="18" charset="0"/>
@@ -4820,7 +4799,7 @@
                   </m:oMath>
                 </a14:m>
                 <a:r>
-                  <a:rPr lang="en-US" altLang="zh-CN" sz="1200" dirty="0" smtClean="0">
+                  <a:rPr lang="en-US" altLang="zh-CN" sz="1200" dirty="0">
                     <a:latin typeface="微软雅黑" panose="020B0503020204020204" pitchFamily="34" charset="-122"/>
                     <a:ea typeface="微软雅黑" panose="020B0503020204020204" pitchFamily="34" charset="-122"/>
                     <a:cs typeface="Times New Roman" panose="02020603050405020304" pitchFamily="18" charset="0"/>
@@ -4833,58 +4812,50 @@
                     <a:ea typeface="微软雅黑" panose="020B0503020204020204" pitchFamily="34" charset="-122"/>
                     <a:cs typeface="Times New Roman" panose="02020603050405020304" pitchFamily="18" charset="0"/>
                   </a:rPr>
-                  <a:t>考虑</a:t>
-                </a:r>
-                <a:r>
-                  <a:rPr lang="zh-CN" altLang="en-US" sz="1200" dirty="0" smtClean="0">
+                  <a:t>考虑到存在丰富的比赛历史数据</a:t>
+                </a:r>
+                <a:r>
+                  <a:rPr lang="en-US" altLang="zh-CN" sz="1200" dirty="0">
                     <a:latin typeface="微软雅黑" panose="020B0503020204020204" pitchFamily="34" charset="-122"/>
                     <a:ea typeface="微软雅黑" panose="020B0503020204020204" pitchFamily="34" charset="-122"/>
                     <a:cs typeface="Times New Roman" panose="02020603050405020304" pitchFamily="18" charset="0"/>
                   </a:rPr>
-                  <a:t>到存在丰富的比赛历史数据</a:t>
-                </a:r>
-                <a:r>
-                  <a:rPr lang="en-US" altLang="zh-CN" sz="1200" dirty="0" smtClean="0">
+                  <a:t>(</a:t>
+                </a:r>
+                <a:r>
+                  <a:rPr lang="zh-CN" altLang="en-US" sz="1200" dirty="0">
                     <a:latin typeface="微软雅黑" panose="020B0503020204020204" pitchFamily="34" charset="-122"/>
                     <a:ea typeface="微软雅黑" panose="020B0503020204020204" pitchFamily="34" charset="-122"/>
                     <a:cs typeface="Times New Roman" panose="02020603050405020304" pitchFamily="18" charset="0"/>
                   </a:rPr>
-                  <a:t>(</a:t>
-                </a:r>
-                <a:r>
-                  <a:rPr lang="zh-CN" altLang="en-US" sz="1200" dirty="0" smtClean="0">
+                  <a:t>论文中提到超过</a:t>
+                </a:r>
+                <a:r>
+                  <a:rPr lang="en-US" altLang="zh-CN" sz="1200" dirty="0">
                     <a:latin typeface="微软雅黑" panose="020B0503020204020204" pitchFamily="34" charset="-122"/>
                     <a:ea typeface="微软雅黑" panose="020B0503020204020204" pitchFamily="34" charset="-122"/>
                     <a:cs typeface="Times New Roman" panose="02020603050405020304" pitchFamily="18" charset="0"/>
                   </a:rPr>
-                  <a:t>论文中提到超过</a:t>
-                </a:r>
-                <a:r>
-                  <a:rPr lang="en-US" altLang="zh-CN" sz="1200" dirty="0" smtClean="0">
+                  <a:t>27</a:t>
+                </a:r>
+                <a:r>
+                  <a:rPr lang="zh-CN" altLang="en-US" sz="1200" dirty="0">
                     <a:latin typeface="微软雅黑" panose="020B0503020204020204" pitchFamily="34" charset="-122"/>
                     <a:ea typeface="微软雅黑" panose="020B0503020204020204" pitchFamily="34" charset="-122"/>
                     <a:cs typeface="Times New Roman" panose="02020603050405020304" pitchFamily="18" charset="0"/>
                   </a:rPr>
-                  <a:t>27</a:t>
-                </a:r>
-                <a:r>
-                  <a:rPr lang="zh-CN" altLang="en-US" sz="1200" dirty="0" smtClean="0">
+                  <a:t>万场比赛</a:t>
+                </a:r>
+                <a:r>
+                  <a:rPr lang="en-US" altLang="zh-CN" sz="1200" dirty="0">
                     <a:latin typeface="微软雅黑" panose="020B0503020204020204" pitchFamily="34" charset="-122"/>
                     <a:ea typeface="微软雅黑" panose="020B0503020204020204" pitchFamily="34" charset="-122"/>
                     <a:cs typeface="Times New Roman" panose="02020603050405020304" pitchFamily="18" charset="0"/>
                   </a:rPr>
-                  <a:t>万场比赛</a:t>
-                </a:r>
-                <a:r>
-                  <a:rPr lang="en-US" altLang="zh-CN" sz="1200" dirty="0" smtClean="0">
-                    <a:latin typeface="微软雅黑" panose="020B0503020204020204" pitchFamily="34" charset="-122"/>
-                    <a:ea typeface="微软雅黑" panose="020B0503020204020204" pitchFamily="34" charset="-122"/>
-                    <a:cs typeface="Times New Roman" panose="02020603050405020304" pitchFamily="18" charset="0"/>
-                  </a:rPr>
                   <a:t>),</a:t>
                 </a:r>
                 <a:r>
-                  <a:rPr lang="zh-CN" altLang="en-US" sz="1200" dirty="0" smtClean="0">
+                  <a:rPr lang="zh-CN" altLang="en-US" sz="1200" dirty="0">
                     <a:latin typeface="微软雅黑" panose="020B0503020204020204" pitchFamily="34" charset="-122"/>
                     <a:ea typeface="微软雅黑" panose="020B0503020204020204" pitchFamily="34" charset="-122"/>
                     <a:cs typeface="Times New Roman" panose="02020603050405020304" pitchFamily="18" charset="0"/>
@@ -4950,7 +4921,7 @@
                   </m:oMath>
                 </a14:m>
                 <a:r>
-                  <a:rPr lang="en-US" altLang="zh-CN" sz="1200" dirty="0" smtClean="0">
+                  <a:rPr lang="en-US" altLang="zh-CN" sz="1200" dirty="0">
                     <a:latin typeface="微软雅黑" panose="020B0503020204020204" pitchFamily="34" charset="-122"/>
                     <a:ea typeface="微软雅黑" panose="020B0503020204020204" pitchFamily="34" charset="-122"/>
                     <a:cs typeface="Times New Roman" panose="02020603050405020304" pitchFamily="18" charset="0"/>
@@ -4958,22 +4929,14 @@
                   <a:t>,</a:t>
                 </a:r>
                 <a:r>
-                  <a:rPr lang="zh-CN" altLang="en-US" sz="1200" dirty="0" smtClean="0">
+                  <a:rPr lang="zh-CN" altLang="en-US" sz="1200" dirty="0">
                     <a:latin typeface="微软雅黑" panose="020B0503020204020204" pitchFamily="34" charset="-122"/>
                     <a:ea typeface="微软雅黑" panose="020B0503020204020204" pitchFamily="34" charset="-122"/>
                     <a:cs typeface="Times New Roman" panose="02020603050405020304" pitchFamily="18" charset="0"/>
                   </a:rPr>
-                  <a:t>以提高模型的</a:t>
-                </a:r>
-                <a:r>
-                  <a:rPr lang="zh-CN" altLang="en-US" sz="1200" dirty="0" smtClean="0">
-                    <a:latin typeface="微软雅黑" panose="020B0503020204020204" pitchFamily="34" charset="-122"/>
-                    <a:ea typeface="微软雅黑" panose="020B0503020204020204" pitchFamily="34" charset="-122"/>
-                    <a:cs typeface="Times New Roman" panose="02020603050405020304" pitchFamily="18" charset="0"/>
-                  </a:rPr>
-                  <a:t>准确率</a:t>
-                </a:r>
-                <a:endParaRPr lang="en-US" altLang="zh-CN" sz="1200" dirty="0" smtClean="0">
+                  <a:t>以提高模型的准确率</a:t>
+                </a:r>
+                <a:endParaRPr lang="en-US" altLang="zh-CN" sz="1200" dirty="0">
                   <a:latin typeface="微软雅黑" panose="020B0503020204020204" pitchFamily="34" charset="-122"/>
                   <a:ea typeface="微软雅黑" panose="020B0503020204020204" pitchFamily="34" charset="-122"/>
                   <a:cs typeface="Times New Roman" panose="02020603050405020304" pitchFamily="18" charset="0"/>
@@ -4982,7 +4945,7 @@
             </p:txBody>
           </p:sp>
         </mc:Choice>
-        <mc:Fallback>
+        <mc:Fallback xmlns="">
           <p:sp>
             <p:nvSpPr>
               <p:cNvPr id="3" name="备注占位符 2"/>
@@ -5307,42 +5270,38 @@
               <a:defRPr/>
             </a:pPr>
             <a:r>
-              <a:rPr lang="en-US" altLang="zh-CN" sz="1200" dirty="0" smtClean="0">
+              <a:rPr lang="en-US" altLang="zh-CN" sz="1200" dirty="0">
                 <a:latin typeface="微软雅黑" panose="020B0503020204020204" pitchFamily="34" charset="-122"/>
                 <a:ea typeface="微软雅黑" panose="020B0503020204020204" pitchFamily="34" charset="-122"/>
               </a:rPr>
               <a:t>Predicting matchups and preferences in context</a:t>
             </a:r>
             <a:r>
-              <a:rPr lang="zh-CN" altLang="en-US" dirty="0" smtClean="0"/>
-              <a:t>该</a:t>
-            </a:r>
-            <a:r>
-              <a:rPr lang="zh-CN" altLang="en-US" dirty="0" smtClean="0"/>
-              <a:t>论文针对任意一对一的比赛</a:t>
-            </a:r>
-            <a:r>
-              <a:rPr lang="en-US" altLang="zh-CN" dirty="0" smtClean="0"/>
+              <a:rPr lang="zh-CN" altLang="en-US" dirty="0"/>
+              <a:t>该论文针对任意一对一的比赛</a:t>
+            </a:r>
+            <a:r>
+              <a:rPr lang="en-US" altLang="zh-CN" dirty="0"/>
               <a:t>,</a:t>
             </a:r>
             <a:r>
-              <a:rPr lang="zh-CN" altLang="en-US" dirty="0" smtClean="0"/>
+              <a:rPr lang="zh-CN" altLang="en-US" dirty="0"/>
               <a:t>预测比赛结果</a:t>
             </a:r>
             <a:r>
-              <a:rPr lang="en-US" altLang="zh-CN" dirty="0" smtClean="0"/>
+              <a:rPr lang="en-US" altLang="zh-CN" dirty="0"/>
               <a:t>,</a:t>
             </a:r>
             <a:r>
-              <a:rPr lang="zh-CN" altLang="en-US" dirty="0" smtClean="0"/>
+              <a:rPr lang="zh-CN" altLang="en-US" dirty="0"/>
               <a:t>通过使用比赛对象的特征</a:t>
             </a:r>
             <a:r>
-              <a:rPr lang="en-US" altLang="zh-CN" dirty="0" smtClean="0"/>
+              <a:rPr lang="en-US" altLang="zh-CN" dirty="0"/>
               <a:t>(</a:t>
             </a:r>
             <a:r>
-              <a:rPr lang="en-US" altLang="zh-CN" sz="1200" dirty="0" smtClean="0">
+              <a:rPr lang="en-US" altLang="zh-CN" sz="1200" dirty="0">
                 <a:latin typeface="微软雅黑" panose="020B0503020204020204" pitchFamily="34" charset="-122"/>
                 <a:ea typeface="微软雅黑" panose="020B0503020204020204" pitchFamily="34" charset="-122"/>
                 <a:cs typeface="Times New Roman" panose="02020603050405020304" pitchFamily="18" charset="0"/>
@@ -5350,27 +5309,27 @@
               <a:t>features of objects</a:t>
             </a:r>
             <a:r>
-              <a:rPr lang="en-US" altLang="zh-CN" dirty="0" smtClean="0"/>
+              <a:rPr lang="en-US" altLang="zh-CN" dirty="0"/>
               <a:t>)</a:t>
             </a:r>
             <a:r>
-              <a:rPr lang="zh-CN" altLang="en-US" dirty="0" smtClean="0"/>
+              <a:rPr lang="zh-CN" altLang="en-US" dirty="0"/>
               <a:t>和比赛环境</a:t>
             </a:r>
             <a:r>
-              <a:rPr lang="en-US" altLang="zh-CN" dirty="0" smtClean="0"/>
+              <a:rPr lang="en-US" altLang="zh-CN" dirty="0"/>
               <a:t>/</a:t>
             </a:r>
             <a:r>
-              <a:rPr lang="zh-CN" altLang="en-US" dirty="0" smtClean="0"/>
+              <a:rPr lang="zh-CN" altLang="en-US" dirty="0"/>
               <a:t>场外因素</a:t>
             </a:r>
             <a:r>
-              <a:rPr lang="en-US" altLang="zh-CN" dirty="0" smtClean="0"/>
+              <a:rPr lang="en-US" altLang="zh-CN" dirty="0"/>
               <a:t>(</a:t>
             </a:r>
             <a:r>
-              <a:rPr lang="en-US" altLang="zh-CN" sz="1200" dirty="0" smtClean="0">
+              <a:rPr lang="en-US" altLang="zh-CN" sz="1200" dirty="0">
                 <a:latin typeface="微软雅黑" panose="020B0503020204020204" pitchFamily="34" charset="-122"/>
                 <a:ea typeface="微软雅黑" panose="020B0503020204020204" pitchFamily="34" charset="-122"/>
                 <a:cs typeface="Times New Roman" panose="02020603050405020304" pitchFamily="18" charset="0"/>
@@ -5378,39 +5337,39 @@
               <a:t>features of the context</a:t>
             </a:r>
             <a:r>
-              <a:rPr lang="en-US" altLang="zh-CN" dirty="0" smtClean="0"/>
+              <a:rPr lang="en-US" altLang="zh-CN" dirty="0"/>
               <a:t>)</a:t>
             </a:r>
             <a:r>
-              <a:rPr lang="zh-CN" altLang="en-US" dirty="0" smtClean="0"/>
+              <a:rPr lang="zh-CN" altLang="en-US" dirty="0"/>
               <a:t>的特征</a:t>
             </a:r>
             <a:r>
-              <a:rPr lang="en-US" altLang="zh-CN" dirty="0" smtClean="0"/>
+              <a:rPr lang="en-US" altLang="zh-CN" dirty="0"/>
               <a:t>,</a:t>
             </a:r>
             <a:r>
-              <a:rPr lang="zh-CN" altLang="en-US" dirty="0" smtClean="0"/>
+              <a:rPr lang="zh-CN" altLang="en-US" dirty="0"/>
               <a:t>通过将这</a:t>
             </a:r>
             <a:r>
-              <a:rPr lang="en-US" altLang="zh-CN" dirty="0" smtClean="0"/>
+              <a:rPr lang="en-US" altLang="zh-CN" dirty="0"/>
               <a:t>2</a:t>
             </a:r>
             <a:r>
-              <a:rPr lang="zh-CN" altLang="en-US" dirty="0" smtClean="0"/>
+              <a:rPr lang="zh-CN" altLang="en-US" dirty="0"/>
               <a:t>个维度的特征结合来预测比赛结果</a:t>
             </a:r>
             <a:r>
-              <a:rPr lang="en-US" altLang="zh-CN" dirty="0" smtClean="0"/>
+              <a:rPr lang="en-US" altLang="zh-CN" dirty="0"/>
               <a:t>.</a:t>
             </a:r>
             <a:r>
-              <a:rPr lang="zh-CN" altLang="en-US" dirty="0" smtClean="0"/>
+              <a:rPr lang="zh-CN" altLang="en-US" dirty="0"/>
               <a:t>与</a:t>
             </a:r>
             <a:r>
-              <a:rPr lang="en-US" altLang="zh-CN" sz="1200" dirty="0" smtClean="0">
+              <a:rPr lang="en-US" altLang="zh-CN" sz="1200" dirty="0">
                 <a:solidFill>
                   <a:schemeClr val="bg1"/>
                 </a:solidFill>
@@ -5418,7 +5377,7 @@
               <a:t>Luck is Hard to Beat: The Difficulty of Sports Prediction</a:t>
             </a:r>
             <a:r>
-              <a:rPr lang="zh-CN" altLang="en-US" sz="1200" dirty="0" smtClean="0">
+              <a:rPr lang="zh-CN" altLang="en-US" sz="1200" dirty="0">
                 <a:solidFill>
                   <a:schemeClr val="bg1"/>
                 </a:solidFill>
@@ -5426,7 +5385,7 @@
               <a:t>这篇文章的相同点在于</a:t>
             </a:r>
             <a:r>
-              <a:rPr lang="en-US" altLang="zh-CN" sz="1200" dirty="0" smtClean="0">
+              <a:rPr lang="en-US" altLang="zh-CN" sz="1200" dirty="0">
                 <a:solidFill>
                   <a:schemeClr val="bg1"/>
                 </a:solidFill>
@@ -5434,7 +5393,7 @@
               <a:t>,</a:t>
             </a:r>
             <a:r>
-              <a:rPr lang="zh-CN" altLang="en-US" sz="1200" dirty="0" smtClean="0">
+              <a:rPr lang="zh-CN" altLang="en-US" sz="1200" dirty="0">
                 <a:solidFill>
                   <a:schemeClr val="bg1"/>
                 </a:solidFill>
@@ -5442,7 +5401,7 @@
               <a:t>都使用了</a:t>
             </a:r>
             <a:r>
-              <a:rPr lang="en-US" altLang="zh-CN" sz="1200" dirty="0" smtClean="0">
+              <a:rPr lang="en-US" altLang="zh-CN" sz="1200" dirty="0">
                 <a:solidFill>
                   <a:schemeClr val="bg1"/>
                 </a:solidFill>
@@ -5450,7 +5409,7 @@
               <a:t>Bradley-Terry</a:t>
             </a:r>
             <a:r>
-              <a:rPr lang="zh-CN" altLang="en-US" sz="1200" dirty="0" smtClean="0">
+              <a:rPr lang="zh-CN" altLang="en-US" sz="1200" dirty="0">
                 <a:solidFill>
                   <a:schemeClr val="bg1"/>
                 </a:solidFill>
@@ -5458,15 +5417,15 @@
               <a:t>模型和</a:t>
             </a:r>
             <a:r>
-              <a:rPr lang="zh-CN" altLang="en-US" dirty="0" smtClean="0"/>
+              <a:rPr lang="zh-CN" altLang="en-US" dirty="0"/>
               <a:t>比赛对象的特征</a:t>
             </a:r>
             <a:r>
-              <a:rPr lang="en-US" altLang="zh-CN" dirty="0" smtClean="0"/>
+              <a:rPr lang="en-US" altLang="zh-CN" dirty="0"/>
               <a:t>(</a:t>
             </a:r>
             <a:r>
-              <a:rPr lang="en-US" altLang="zh-CN" sz="1200" dirty="0" smtClean="0">
+              <a:rPr lang="en-US" altLang="zh-CN" sz="1200" dirty="0">
                 <a:latin typeface="微软雅黑" panose="020B0503020204020204" pitchFamily="34" charset="-122"/>
                 <a:ea typeface="微软雅黑" panose="020B0503020204020204" pitchFamily="34" charset="-122"/>
                 <a:cs typeface="Times New Roman" panose="02020603050405020304" pitchFamily="18" charset="0"/>
@@ -5474,23 +5433,23 @@
               <a:t>features of objects</a:t>
             </a:r>
             <a:r>
-              <a:rPr lang="en-US" altLang="zh-CN" dirty="0" smtClean="0"/>
+              <a:rPr lang="en-US" altLang="zh-CN" dirty="0"/>
               <a:t>)</a:t>
             </a:r>
             <a:r>
-              <a:rPr lang="zh-CN" altLang="en-US" dirty="0" smtClean="0"/>
+              <a:rPr lang="zh-CN" altLang="en-US" dirty="0"/>
               <a:t>来评估一个选手或一个球队的技能得分</a:t>
             </a:r>
             <a:r>
-              <a:rPr lang="en-US" altLang="zh-CN" dirty="0" smtClean="0"/>
+              <a:rPr lang="en-US" altLang="zh-CN" dirty="0"/>
               <a:t>.</a:t>
             </a:r>
             <a:r>
-              <a:rPr lang="zh-CN" altLang="en-US" dirty="0" smtClean="0"/>
+              <a:rPr lang="zh-CN" altLang="en-US" dirty="0"/>
               <a:t>但不同之处在于</a:t>
             </a:r>
             <a:r>
-              <a:rPr lang="en-US" altLang="zh-CN" sz="1200" dirty="0" smtClean="0">
+              <a:rPr lang="en-US" altLang="zh-CN" sz="1200" dirty="0">
                 <a:solidFill>
                   <a:schemeClr val="bg1"/>
                 </a:solidFill>
@@ -5498,7 +5457,7 @@
               <a:t>Luck is Hard to Beat: The Difficulty of Sports Prediction</a:t>
             </a:r>
             <a:r>
-              <a:rPr lang="zh-CN" altLang="en-US" sz="1200" dirty="0" smtClean="0">
+              <a:rPr lang="zh-CN" altLang="en-US" sz="1200" dirty="0">
                 <a:solidFill>
                   <a:schemeClr val="bg1"/>
                 </a:solidFill>
@@ -5506,7 +5465,7 @@
               <a:t>使用了贝叶斯模型计算技能得分</a:t>
             </a:r>
             <a:r>
-              <a:rPr lang="en-US" altLang="zh-CN" sz="1200" dirty="0" smtClean="0">
+              <a:rPr lang="en-US" altLang="zh-CN" sz="1200" dirty="0">
                 <a:solidFill>
                   <a:schemeClr val="bg1"/>
                 </a:solidFill>
@@ -5533,7 +5492,7 @@
               <a:defRPr/>
             </a:pPr>
             <a:r>
-              <a:rPr lang="zh-CN" altLang="en-US" sz="1200" dirty="0" smtClean="0">
+              <a:rPr lang="zh-CN" altLang="en-US" sz="1200" dirty="0">
                 <a:solidFill>
                   <a:schemeClr val="bg1"/>
                 </a:solidFill>
@@ -5541,7 +5500,7 @@
               <a:t>除此之外对于场外因素维度</a:t>
             </a:r>
             <a:r>
-              <a:rPr lang="en-US" altLang="zh-CN" sz="1200" dirty="0" smtClean="0">
+              <a:rPr lang="en-US" altLang="zh-CN" sz="1200" dirty="0">
                 <a:solidFill>
                   <a:schemeClr val="bg1"/>
                 </a:solidFill>
@@ -5549,7 +5508,7 @@
               <a:t>,</a:t>
             </a:r>
             <a:r>
-              <a:rPr lang="zh-CN" altLang="en-US" sz="1200" dirty="0" smtClean="0">
+              <a:rPr lang="zh-CN" altLang="en-US" sz="1200" dirty="0">
                 <a:solidFill>
                   <a:schemeClr val="bg1"/>
                 </a:solidFill>
@@ -5557,70 +5516,70 @@
               <a:t>而</a:t>
             </a:r>
             <a:r>
-              <a:rPr lang="en-US" altLang="zh-CN" sz="1200" dirty="0" smtClean="0">
+              <a:rPr lang="en-US" altLang="zh-CN" sz="1200" dirty="0">
                 <a:latin typeface="微软雅黑" panose="020B0503020204020204" pitchFamily="34" charset="-122"/>
                 <a:ea typeface="微软雅黑" panose="020B0503020204020204" pitchFamily="34" charset="-122"/>
               </a:rPr>
               <a:t>Predicting matchups and preferences in context</a:t>
             </a:r>
             <a:r>
-              <a:rPr lang="zh-CN" altLang="en-US" sz="1200" dirty="0" smtClean="0">
+              <a:rPr lang="zh-CN" altLang="en-US" sz="1200" dirty="0">
                 <a:latin typeface="微软雅黑" panose="020B0503020204020204" pitchFamily="34" charset="-122"/>
                 <a:ea typeface="微软雅黑" panose="020B0503020204020204" pitchFamily="34" charset="-122"/>
               </a:rPr>
               <a:t>这篇文章除了技能维度之外</a:t>
             </a:r>
             <a:r>
-              <a:rPr lang="en-US" altLang="zh-CN" sz="1200" dirty="0" smtClean="0">
+              <a:rPr lang="en-US" altLang="zh-CN" sz="1200" dirty="0">
                 <a:latin typeface="微软雅黑" panose="020B0503020204020204" pitchFamily="34" charset="-122"/>
                 <a:ea typeface="微软雅黑" panose="020B0503020204020204" pitchFamily="34" charset="-122"/>
               </a:rPr>
               <a:t>,</a:t>
             </a:r>
             <a:r>
-              <a:rPr lang="zh-CN" altLang="en-US" sz="1200" dirty="0" smtClean="0">
+              <a:rPr lang="zh-CN" altLang="en-US" sz="1200" dirty="0">
                 <a:latin typeface="微软雅黑" panose="020B0503020204020204" pitchFamily="34" charset="-122"/>
                 <a:ea typeface="微软雅黑" panose="020B0503020204020204" pitchFamily="34" charset="-122"/>
               </a:rPr>
               <a:t>针对不同领域选取了场外因素</a:t>
             </a:r>
             <a:r>
-              <a:rPr lang="en-US" altLang="zh-CN" sz="1200" dirty="0" smtClean="0">
+              <a:rPr lang="en-US" altLang="zh-CN" sz="1200" dirty="0">
                 <a:latin typeface="微软雅黑" panose="020B0503020204020204" pitchFamily="34" charset="-122"/>
                 <a:ea typeface="微软雅黑" panose="020B0503020204020204" pitchFamily="34" charset="-122"/>
               </a:rPr>
               <a:t>(</a:t>
             </a:r>
             <a:r>
-              <a:rPr lang="zh-CN" altLang="en-US" sz="1200" dirty="0" smtClean="0">
+              <a:rPr lang="zh-CN" altLang="en-US" sz="1200" dirty="0">
                 <a:latin typeface="微软雅黑" panose="020B0503020204020204" pitchFamily="34" charset="-122"/>
                 <a:ea typeface="微软雅黑" panose="020B0503020204020204" pitchFamily="34" charset="-122"/>
               </a:rPr>
               <a:t>例如天气</a:t>
             </a:r>
             <a:r>
-              <a:rPr lang="en-US" altLang="zh-CN" sz="1200" dirty="0" smtClean="0">
+              <a:rPr lang="en-US" altLang="zh-CN" sz="1200" dirty="0">
                 <a:latin typeface="微软雅黑" panose="020B0503020204020204" pitchFamily="34" charset="-122"/>
                 <a:ea typeface="微软雅黑" panose="020B0503020204020204" pitchFamily="34" charset="-122"/>
               </a:rPr>
               <a:t>)</a:t>
             </a:r>
             <a:r>
-              <a:rPr lang="zh-CN" altLang="en-US" sz="1200" dirty="0" smtClean="0">
+              <a:rPr lang="zh-CN" altLang="en-US" sz="1200" dirty="0">
                 <a:latin typeface="微软雅黑" panose="020B0503020204020204" pitchFamily="34" charset="-122"/>
                 <a:ea typeface="微软雅黑" panose="020B0503020204020204" pitchFamily="34" charset="-122"/>
               </a:rPr>
               <a:t>作为特征</a:t>
             </a:r>
             <a:r>
-              <a:rPr lang="en-US" altLang="zh-CN" sz="1200" dirty="0" smtClean="0">
+              <a:rPr lang="en-US" altLang="zh-CN" sz="1200" dirty="0">
                 <a:latin typeface="微软雅黑" panose="020B0503020204020204" pitchFamily="34" charset="-122"/>
                 <a:ea typeface="微软雅黑" panose="020B0503020204020204" pitchFamily="34" charset="-122"/>
               </a:rPr>
               <a:t>,</a:t>
             </a:r>
             <a:r>
-              <a:rPr lang="en-US" altLang="zh-CN" sz="1200" dirty="0" smtClean="0">
+              <a:rPr lang="en-US" altLang="zh-CN" sz="1200" dirty="0">
                 <a:solidFill>
                   <a:schemeClr val="bg1"/>
                 </a:solidFill>
@@ -5628,7 +5587,7 @@
               <a:t> </a:t>
             </a:r>
             <a:r>
-              <a:rPr lang="zh-CN" altLang="en-US" sz="1200" dirty="0" smtClean="0">
+              <a:rPr lang="zh-CN" altLang="en-US" sz="1200" dirty="0">
                 <a:solidFill>
                   <a:schemeClr val="bg1"/>
                 </a:solidFill>
@@ -5636,7 +5595,7 @@
               <a:t>而</a:t>
             </a:r>
             <a:r>
-              <a:rPr lang="en-US" altLang="zh-CN" sz="1200" dirty="0" smtClean="0">
+              <a:rPr lang="en-US" altLang="zh-CN" sz="1200" dirty="0">
                 <a:solidFill>
                   <a:schemeClr val="bg1"/>
                 </a:solidFill>
@@ -5644,7 +5603,7 @@
               <a:t>Luck is Hard to Beat: The Difficulty of Sports Prediction</a:t>
             </a:r>
             <a:r>
-              <a:rPr lang="zh-CN" altLang="en-US" sz="1200" dirty="0" smtClean="0">
+              <a:rPr lang="zh-CN" altLang="en-US" sz="1200" dirty="0">
                 <a:solidFill>
                   <a:schemeClr val="bg1"/>
                 </a:solidFill>
@@ -5652,7 +5611,7 @@
               <a:t>提出了运气这一概念</a:t>
             </a:r>
             <a:r>
-              <a:rPr lang="en-US" altLang="zh-CN" sz="1200" dirty="0" smtClean="0">
+              <a:rPr lang="en-US" altLang="zh-CN" sz="1200" dirty="0">
                 <a:solidFill>
                   <a:schemeClr val="bg1"/>
                 </a:solidFill>
@@ -5660,7 +5619,7 @@
               <a:t>,</a:t>
             </a:r>
             <a:r>
-              <a:rPr lang="zh-CN" altLang="en-US" sz="1200" dirty="0" smtClean="0">
+              <a:rPr lang="zh-CN" altLang="en-US" sz="1200" dirty="0">
                 <a:solidFill>
                   <a:schemeClr val="bg1"/>
                 </a:solidFill>
@@ -5668,7 +5627,7 @@
               <a:t>通过运气的值代表场外因素的影响</a:t>
             </a:r>
             <a:r>
-              <a:rPr lang="en-US" altLang="zh-CN" sz="1200" dirty="0" smtClean="0">
+              <a:rPr lang="en-US" altLang="zh-CN" sz="1200" dirty="0">
                 <a:solidFill>
                   <a:schemeClr val="bg1"/>
                 </a:solidFill>
@@ -5760,15 +5719,167 @@
           <a:lstStyle/>
           <a:p>
             <a:r>
-              <a:rPr lang="en-US" altLang="zh-CN" sz="1200" b="0" i="0" u="none" strike="noStrike" kern="1200" baseline="0" dirty="0">
-                <a:solidFill>
-                  <a:schemeClr val="tx1"/>
-                </a:solidFill>
-                <a:latin typeface="+mn-lt"/>
-                <a:ea typeface="+mn-ea"/>
-                <a:cs typeface="+mn-cs"/>
-              </a:rPr>
-              <a:t>For each, we assess model goodness-of-fit by calculating the held out likelihood for each model under a 10-fold cross validation.</a:t>
+              <a:rPr lang="zh-CN" altLang="en-US" dirty="0" smtClean="0"/>
+              <a:t>短期的预测 和 长期的预测，</a:t>
+            </a:r>
+            <a:endParaRPr lang="en-US" altLang="zh-CN" dirty="0" smtClean="0"/>
+          </a:p>
+          <a:p>
+            <a:pPr marL="0" marR="0" indent="0" algn="l" defTabSz="914400" rtl="0" eaLnBrk="1" fontAlgn="auto" latinLnBrk="0" hangingPunct="1">
+              <a:lnSpc>
+                <a:spcPct val="100000"/>
+              </a:lnSpc>
+              <a:spcBef>
+                <a:spcPts val="0"/>
+              </a:spcBef>
+              <a:spcAft>
+                <a:spcPts val="0"/>
+              </a:spcAft>
+              <a:buClrTx/>
+              <a:buSzTx/>
+              <a:buFontTx/>
+              <a:buNone/>
+              <a:tabLst/>
+              <a:defRPr/>
+            </a:pPr>
+            <a:r>
+              <a:rPr lang="zh-CN" altLang="en-US" dirty="0" smtClean="0"/>
+              <a:t>一般是</a:t>
+            </a:r>
+            <a:r>
+              <a:rPr lang="en-US" altLang="zh-CN" dirty="0" smtClean="0"/>
+              <a:t>skill</a:t>
+            </a:r>
+            <a:r>
+              <a:rPr lang="zh-CN" altLang="en-US" dirty="0" smtClean="0"/>
+              <a:t>和</a:t>
+            </a:r>
+            <a:r>
+              <a:rPr lang="en-US" altLang="zh-CN" dirty="0" smtClean="0"/>
+              <a:t>chance</a:t>
+            </a:r>
+            <a:r>
+              <a:rPr lang="zh-CN" altLang="en-US" dirty="0" smtClean="0"/>
+              <a:t>的建模</a:t>
+            </a:r>
+            <a:endParaRPr lang="en-US" altLang="zh-CN" dirty="0" smtClean="0"/>
+          </a:p>
+          <a:p>
+            <a:pPr marL="0" marR="0" indent="0" algn="l" defTabSz="914400" rtl="0" eaLnBrk="1" fontAlgn="auto" latinLnBrk="0" hangingPunct="1">
+              <a:lnSpc>
+                <a:spcPct val="100000"/>
+              </a:lnSpc>
+              <a:spcBef>
+                <a:spcPts val="0"/>
+              </a:spcBef>
+              <a:spcAft>
+                <a:spcPts val="0"/>
+              </a:spcAft>
+              <a:buClrTx/>
+              <a:buSzTx/>
+              <a:buFontTx/>
+              <a:buNone/>
+              <a:tabLst/>
+              <a:defRPr/>
+            </a:pPr>
+            <a:r>
+              <a:rPr lang="zh-CN" altLang="en-US" dirty="0" smtClean="0"/>
+              <a:t>在</a:t>
+            </a:r>
+            <a:r>
+              <a:rPr lang="en-US" altLang="zh-CN" dirty="0" smtClean="0"/>
+              <a:t>skill modeling &amp; team ranking &amp; skill ranking model </a:t>
+            </a:r>
+            <a:r>
+              <a:rPr lang="zh-CN" altLang="en-US" dirty="0" smtClean="0"/>
+              <a:t>的基础上，把每个得分事件作为相互独立的存在，并且可以随着比赛的进行动态更新比赛预测结果。</a:t>
+            </a:r>
+            <a:endParaRPr lang="en-US" altLang="zh-CN" dirty="0" smtClean="0"/>
+          </a:p>
+          <a:p>
+            <a:pPr marL="0" marR="0" indent="0" algn="l" defTabSz="914400" rtl="0" eaLnBrk="1" fontAlgn="auto" latinLnBrk="0" hangingPunct="1">
+              <a:lnSpc>
+                <a:spcPct val="100000"/>
+              </a:lnSpc>
+              <a:spcBef>
+                <a:spcPts val="0"/>
+              </a:spcBef>
+              <a:spcAft>
+                <a:spcPts val="0"/>
+              </a:spcAft>
+              <a:buClrTx/>
+              <a:buSzTx/>
+              <a:buFontTx/>
+              <a:buNone/>
+              <a:tabLst/>
+              <a:defRPr/>
+            </a:pPr>
+            <a:r>
+              <a:rPr lang="en-US" altLang="zh-CN" dirty="0" smtClean="0"/>
+              <a:t>Independent</a:t>
+            </a:r>
+            <a:r>
+              <a:rPr lang="zh-CN" altLang="en-US" baseline="0" dirty="0" smtClean="0"/>
+              <a:t> 简单伯努利过程；</a:t>
+            </a:r>
+            <a:r>
+              <a:rPr lang="en-US" altLang="zh-CN" baseline="0" dirty="0" smtClean="0"/>
+              <a:t>restorative </a:t>
+            </a:r>
+            <a:r>
+              <a:rPr lang="zh-CN" altLang="en-US" baseline="0" dirty="0" smtClean="0"/>
+              <a:t>在</a:t>
+            </a:r>
+            <a:r>
+              <a:rPr lang="en-US" altLang="zh-CN" baseline="0" dirty="0" smtClean="0"/>
+              <a:t>Independent</a:t>
+            </a:r>
+            <a:r>
+              <a:rPr lang="zh-CN" altLang="en-US" baseline="0" dirty="0" smtClean="0"/>
+              <a:t>的基础上加了恢复力变量；</a:t>
+            </a:r>
+            <a:r>
+              <a:rPr lang="en-US" altLang="zh-CN" baseline="0" dirty="0" smtClean="0"/>
+              <a:t>anti-persistence  independent</a:t>
+            </a:r>
+            <a:r>
+              <a:rPr lang="zh-CN" altLang="en-US" baseline="0" dirty="0" smtClean="0"/>
+              <a:t>的基础上加了进攻方和防守方的信息</a:t>
+            </a:r>
+            <a:endParaRPr lang="en-US" altLang="zh-CN" dirty="0" smtClean="0"/>
+          </a:p>
+          <a:p>
+            <a:pPr marL="0" marR="0" indent="0" algn="l" defTabSz="914400" rtl="0" eaLnBrk="1" fontAlgn="auto" latinLnBrk="0" hangingPunct="1">
+              <a:lnSpc>
+                <a:spcPct val="100000"/>
+              </a:lnSpc>
+              <a:spcBef>
+                <a:spcPts val="0"/>
+              </a:spcBef>
+              <a:spcAft>
+                <a:spcPts val="0"/>
+              </a:spcAft>
+              <a:buClrTx/>
+              <a:buSzTx/>
+              <a:buFontTx/>
+              <a:buNone/>
+              <a:tabLst/>
+              <a:defRPr/>
+            </a:pPr>
+            <a:r>
+              <a:rPr lang="en-US" altLang="zh-CN" dirty="0" smtClean="0"/>
+              <a:t>Skill </a:t>
+            </a:r>
+            <a:r>
+              <a:rPr lang="zh-CN" altLang="en-US" dirty="0" smtClean="0"/>
+              <a:t>是潜在的变量</a:t>
+            </a:r>
+            <a:endParaRPr lang="en-US" altLang="zh-CN" dirty="0" smtClean="0"/>
+          </a:p>
+          <a:p>
+            <a:r>
+              <a:rPr lang="zh-CN" altLang="en-US" dirty="0" smtClean="0"/>
+              <a:t>在十年中的四个不同球队的比赛数据</a:t>
             </a:r>
             <a:endParaRPr lang="en-US" altLang="zh-CN" dirty="0"/>
           </a:p>
@@ -5855,23 +5966,17 @@
           <a:lstStyle/>
           <a:p>
             <a:r>
-              <a:rPr lang="en-US" altLang="zh-CN" dirty="0"/>
-              <a:t>3 baseline models: naive leading model, standard Bradley-Terry model, simple first order Markov model</a:t>
-            </a:r>
-          </a:p>
-          <a:p>
-            <a:r>
-              <a:rPr lang="en-US" altLang="zh-CN" sz="1200" b="0" i="0" u="none" strike="noStrike" kern="1200" baseline="0" dirty="0">
-                <a:solidFill>
-                  <a:schemeClr val="tx1"/>
-                </a:solidFill>
-                <a:latin typeface="+mn-lt"/>
-                <a:ea typeface="+mn-ea"/>
-                <a:cs typeface="+mn-cs"/>
-              </a:rPr>
-              <a:t>Based on 95% confidence intervals, our best model performs significantly better than the baseline models for CFB and NBA, and after observing at least half of the season for NFL and NHL.</a:t>
-            </a:r>
-            <a:endParaRPr lang="en-US" altLang="zh-CN" dirty="0"/>
+              <a:rPr lang="en-US" altLang="zh-CN" dirty="0" smtClean="0"/>
+              <a:t>3</a:t>
+            </a:r>
+            <a:r>
+              <a:rPr lang="zh-CN" altLang="en-US" dirty="0" smtClean="0"/>
+              <a:t>个</a:t>
+            </a:r>
+            <a:r>
+              <a:rPr lang="en-US" altLang="zh-CN" dirty="0" smtClean="0"/>
+              <a:t>baseline model</a:t>
+            </a:r>
           </a:p>
         </p:txBody>
       </p:sp>
@@ -5955,56 +6060,14 @@
           <a:bodyPr/>
           <a:lstStyle/>
           <a:p>
-            <a:r>
-              <a:rPr lang="en-US" altLang="zh-CN" sz="1200" b="0" i="0" u="none" strike="noStrike" kern="1200" baseline="0" dirty="0">
-                <a:solidFill>
-                  <a:schemeClr val="tx1"/>
-                </a:solidFill>
-                <a:latin typeface="+mn-lt"/>
-                <a:ea typeface="+mn-ea"/>
-                <a:cs typeface="+mn-cs"/>
-              </a:rPr>
-              <a:t>The relatively poorer performance of the “leading” baseline model illustrates that this prediction task is non-trivial—who is leading at a given moment is not as predictive of who wins as knowing something about team skills and scoring</a:t>
-            </a:r>
-          </a:p>
-          <a:p>
-            <a:r>
-              <a:rPr lang="en-US" altLang="zh-CN" sz="1200" b="0" i="0" u="none" strike="noStrike" kern="1200" baseline="0" dirty="0">
-                <a:solidFill>
-                  <a:schemeClr val="tx1"/>
-                </a:solidFill>
-                <a:latin typeface="+mn-lt"/>
-                <a:ea typeface="+mn-ea"/>
-                <a:cs typeface="+mn-cs"/>
-              </a:rPr>
-              <a:t>dynamics.</a:t>
-            </a:r>
-          </a:p>
-          <a:p>
-            <a:r>
-              <a:rPr lang="en-US" altLang="zh-CN" sz="1200" b="0" i="0" u="none" strike="noStrike" kern="1200" baseline="0" dirty="0">
-                <a:solidFill>
-                  <a:schemeClr val="tx1"/>
-                </a:solidFill>
-                <a:latin typeface="+mn-lt"/>
-                <a:ea typeface="+mn-ea"/>
-                <a:cs typeface="+mn-cs"/>
-              </a:rPr>
-              <a:t>For this task, most of our skill-based models make very similar predictions and the first order Markov model also</a:t>
-            </a:r>
-          </a:p>
-          <a:p>
-            <a:r>
-              <a:rPr lang="en-US" altLang="zh-CN" sz="1200" b="0" i="0" u="none" strike="noStrike" kern="1200" baseline="0" dirty="0">
-                <a:solidFill>
-                  <a:schemeClr val="tx1"/>
-                </a:solidFill>
-                <a:latin typeface="+mn-lt"/>
-                <a:ea typeface="+mn-ea"/>
-                <a:cs typeface="+mn-cs"/>
-              </a:rPr>
-              <a:t>performs well. In particular, the first order Markov model performs much worse than the skill-based models at the beginning because it has no information about the heterogeneity of team scoring abilities.</a:t>
-            </a:r>
+            <a:endParaRPr lang="en-US" altLang="zh-CN" sz="1200" b="0" i="0" u="none" strike="noStrike" kern="1200" baseline="0" dirty="0">
+              <a:solidFill>
+                <a:schemeClr val="tx1"/>
+              </a:solidFill>
+              <a:latin typeface="+mn-lt"/>
+              <a:ea typeface="+mn-ea"/>
+              <a:cs typeface="+mn-cs"/>
+            </a:endParaRPr>
           </a:p>
         </p:txBody>
       </p:sp>
@@ -6088,127 +6151,30 @@
           <a:bodyPr/>
           <a:lstStyle/>
           <a:p>
-            <a:pPr marL="0" marR="0" lvl="0" indent="0" algn="l" defTabSz="914400" rtl="0" eaLnBrk="1" fontAlgn="auto" latinLnBrk="0" hangingPunct="1">
-              <a:lnSpc>
-                <a:spcPct val="100000"/>
-              </a:lnSpc>
-              <a:spcBef>
-                <a:spcPts val="0"/>
-              </a:spcBef>
-              <a:spcAft>
-                <a:spcPts val="0"/>
-              </a:spcAft>
-              <a:buClrTx/>
-              <a:buSzTx/>
-              <a:buFontTx/>
-              <a:buNone/>
-              <a:tabLst/>
-              <a:defRPr/>
-            </a:pPr>
-            <a:r>
-              <a:rPr lang="en-US" altLang="zh-CN" sz="1200" kern="1200" dirty="0">
-                <a:solidFill>
-                  <a:schemeClr val="tx1"/>
-                </a:solidFill>
-                <a:effectLst/>
-                <a:latin typeface="+mn-lt"/>
-                <a:ea typeface="+mn-ea"/>
-                <a:cs typeface="+mn-cs"/>
-              </a:rPr>
-              <a:t>Using a random walk through a state space whose states represent the in-game events of interest. The main idea of our approach is to extend the state description to capture the current context in the progression of a game. Apart from the in-game event label, the extended state description also includes game time, the points difference, and the opposing teams ‘characteristics. By doing so, the model’s transition probabilities become conditional on a broader game context (and not solely on the current in-game event), which brings several advantages: it provides a means to infer the teams ‘specific behavior in relation to their characteristics, and to mitigate the intrinsic non-homogeneity of the progression of a basketball game (which is especially evident near the end of the game). To simplify the modeling of the transition distribution, we factorize it into terms that can be estimated with separate models.</a:t>
-            </a:r>
+            <a:r>
+              <a:rPr lang="en-US" altLang="zh-CN" dirty="0" smtClean="0"/>
+              <a:t>Play-by-play </a:t>
+            </a:r>
+            <a:r>
+              <a:rPr lang="zh-CN" altLang="en-US" dirty="0" smtClean="0"/>
+              <a:t>详细记录比赛每个时间点发生的事件</a:t>
+            </a:r>
+            <a:endParaRPr lang="en-US" altLang="zh-CN" dirty="0" smtClean="0"/>
           </a:p>
           <a:p>
-            <a:pPr marL="0" marR="0" lvl="0" indent="0" algn="l" defTabSz="914400" rtl="0" eaLnBrk="1" fontAlgn="auto" latinLnBrk="0" hangingPunct="1">
-              <a:lnSpc>
-                <a:spcPct val="100000"/>
-              </a:lnSpc>
-              <a:spcBef>
-                <a:spcPts val="0"/>
-              </a:spcBef>
-              <a:spcAft>
-                <a:spcPts val="0"/>
-              </a:spcAft>
-              <a:buClrTx/>
-              <a:buSzTx/>
-              <a:buFontTx/>
-              <a:buNone/>
-              <a:tabLst/>
-              <a:defRPr/>
-            </a:pPr>
-            <a:endParaRPr lang="en-US" altLang="zh-CN" sz="1200" kern="1200" dirty="0">
-              <a:solidFill>
-                <a:schemeClr val="tx1"/>
-              </a:solidFill>
-              <a:effectLst/>
-              <a:latin typeface="+mn-lt"/>
-              <a:ea typeface="+mn-ea"/>
-              <a:cs typeface="+mn-cs"/>
-            </a:endParaRPr>
-          </a:p>
-          <a:p>
-            <a:pPr marL="0" marR="0" lvl="0" indent="0" algn="l" defTabSz="914400" rtl="0" eaLnBrk="1" fontAlgn="auto" latinLnBrk="0" hangingPunct="1">
-              <a:lnSpc>
-                <a:spcPct val="100000"/>
-              </a:lnSpc>
-              <a:spcBef>
-                <a:spcPts val="0"/>
-              </a:spcBef>
-              <a:spcAft>
-                <a:spcPts val="0"/>
-              </a:spcAft>
-              <a:buClrTx/>
-              <a:buSzTx/>
-              <a:buFontTx/>
-              <a:buNone/>
-              <a:tabLst/>
-              <a:defRPr/>
-            </a:pPr>
-            <a:r>
-              <a:rPr lang="en-US" altLang="zh-CN" sz="1200" kern="1200" dirty="0">
-                <a:solidFill>
-                  <a:schemeClr val="tx1"/>
-                </a:solidFill>
-                <a:effectLst/>
-                <a:latin typeface="+mn-lt"/>
-                <a:ea typeface="+mn-ea"/>
-                <a:cs typeface="+mn-cs"/>
-              </a:rPr>
-              <a:t>deal with non-homogeneity of the progression of a basketball game by incorporating relevant variables(</a:t>
-            </a:r>
-            <a:r>
-              <a:rPr lang="en-US" altLang="zh-CN" sz="1200" kern="1200" dirty="0" err="1">
-                <a:solidFill>
-                  <a:schemeClr val="tx1"/>
-                </a:solidFill>
-                <a:effectLst/>
-                <a:latin typeface="+mn-lt"/>
-                <a:ea typeface="+mn-ea"/>
-                <a:cs typeface="+mn-cs"/>
-              </a:rPr>
-              <a:t>time,point</a:t>
-            </a:r>
-            <a:r>
-              <a:rPr lang="en-US" altLang="zh-CN" sz="1200" kern="1200" dirty="0">
-                <a:solidFill>
-                  <a:schemeClr val="tx1"/>
-                </a:solidFill>
-                <a:effectLst/>
-                <a:latin typeface="+mn-lt"/>
-                <a:ea typeface="+mn-ea"/>
-                <a:cs typeface="+mn-cs"/>
-              </a:rPr>
-              <a:t> difference,…) into the state space of the model.</a:t>
-            </a:r>
-            <a:endParaRPr lang="zh-CN" altLang="zh-CN" sz="1200" kern="1200" dirty="0">
-              <a:solidFill>
-                <a:schemeClr val="tx1"/>
-              </a:solidFill>
-              <a:effectLst/>
-              <a:latin typeface="+mn-lt"/>
-              <a:ea typeface="+mn-ea"/>
-              <a:cs typeface="+mn-cs"/>
-            </a:endParaRPr>
+            <a:r>
+              <a:rPr lang="zh-CN" altLang="en-US" dirty="0" smtClean="0"/>
+              <a:t>考虑了比赛当前的</a:t>
+            </a:r>
+            <a:r>
+              <a:rPr lang="en-US" altLang="zh-CN" dirty="0" smtClean="0"/>
+              <a:t>context</a:t>
+            </a:r>
+            <a:r>
+              <a:rPr lang="zh-CN" altLang="en-US" dirty="0" smtClean="0"/>
+              <a:t>，利用加上了马尔科夫属性和状态转移的逻辑斯蒂回归模型，并且考虑到不同比赛的非同质性，把时间、分差等因素也包括到模型的状态当中。</a:t>
+            </a:r>
+            <a:endParaRPr lang="en-US" altLang="zh-CN" dirty="0" smtClean="0"/>
           </a:p>
           <a:p>
             <a:endParaRPr lang="en-US" altLang="zh-CN" dirty="0"/>
@@ -6296,67 +6262,33 @@
           <a:lstStyle/>
           <a:p>
             <a:r>
-              <a:rPr lang="en-US" altLang="zh-CN" sz="1200" b="0" i="0" u="none" strike="noStrike" kern="1200" baseline="0" dirty="0">
-                <a:solidFill>
-                  <a:schemeClr val="tx1"/>
-                </a:solidFill>
-                <a:latin typeface="+mn-lt"/>
-                <a:ea typeface="+mn-ea"/>
-                <a:cs typeface="+mn-cs"/>
-              </a:rPr>
-              <a:t>We learned all models using the games from one season and evaluated them with respect to how well they can predict the winners of the games in the following season.</a:t>
-            </a:r>
+              <a:rPr lang="zh-CN" altLang="en-US" dirty="0" smtClean="0"/>
+              <a:t>一个赛季学 预测下一个赛季</a:t>
+            </a:r>
+            <a:endParaRPr lang="en-US" altLang="zh-CN" dirty="0" smtClean="0"/>
           </a:p>
           <a:p>
-            <a:endParaRPr lang="en-US" altLang="zh-CN" sz="1200" b="0" i="0" u="none" strike="noStrike" kern="1200" baseline="0" dirty="0">
-              <a:solidFill>
-                <a:schemeClr val="tx1"/>
-              </a:solidFill>
-              <a:latin typeface="+mn-lt"/>
-              <a:ea typeface="+mn-ea"/>
-              <a:cs typeface="+mn-cs"/>
-            </a:endParaRPr>
-          </a:p>
-          <a:p>
-            <a:r>
-              <a:rPr lang="en-US" altLang="zh-CN" sz="1200" b="0" i="0" u="none" strike="noStrike" kern="1200" baseline="0" dirty="0">
-                <a:solidFill>
-                  <a:schemeClr val="tx1"/>
-                </a:solidFill>
-                <a:latin typeface="+mn-lt"/>
-                <a:ea typeface="+mn-ea"/>
-                <a:cs typeface="+mn-cs"/>
-              </a:rPr>
-              <a:t>Mean Brier score (with standard error in parentheses) for the home team’s win probability forecasts, measured on 2009/10 and 2010/11 NBA regular seasons, starting from the beginning of the game(Q1), from the actual result at the half-time(Q3), and from the actual result at the start of the fourth quarter(Q4). The best model is shown in bold (</a:t>
-            </a:r>
-            <a:r>
-              <a:rPr lang="en-US" altLang="zh-CN" sz="1200" b="0" i="1" u="none" strike="noStrike" kern="1200" baseline="0" dirty="0">
-                <a:solidFill>
-                  <a:schemeClr val="tx1"/>
-                </a:solidFill>
-                <a:latin typeface="+mn-lt"/>
-                <a:ea typeface="+mn-ea"/>
-                <a:cs typeface="+mn-cs"/>
-              </a:rPr>
-              <a:t>N </a:t>
-            </a:r>
-            <a:r>
-              <a:rPr lang="en-US" altLang="zh-CN" sz="1200" b="0" i="0" u="none" strike="noStrike" kern="1200" baseline="0" dirty="0">
-                <a:solidFill>
-                  <a:schemeClr val="tx1"/>
-                </a:solidFill>
-                <a:latin typeface="+mn-lt"/>
-                <a:ea typeface="+mn-ea"/>
-                <a:cs typeface="+mn-cs"/>
-              </a:rPr>
-              <a:t>= 1190). </a:t>
-            </a:r>
-          </a:p>
-          <a:p>
-            <a:r>
-              <a:rPr lang="en-US" altLang="zh-CN" dirty="0"/>
-              <a:t>PROPOSED model is the best forecaster</a:t>
-            </a:r>
+            <a:r>
+              <a:rPr lang="en-US" altLang="zh-CN" dirty="0" smtClean="0"/>
+              <a:t>Mean brier score</a:t>
+            </a:r>
+            <a:r>
+              <a:rPr lang="zh-CN" altLang="en-US" dirty="0" smtClean="0"/>
+              <a:t>：</a:t>
+            </a:r>
+            <a:r>
+              <a:rPr lang="en-US" altLang="zh-CN" dirty="0" smtClean="0"/>
+              <a:t>verify the accuracy of a probability forecast</a:t>
+            </a:r>
+            <a:r>
+              <a:rPr lang="zh-CN" altLang="en-US" dirty="0" smtClean="0"/>
+              <a:t>，</a:t>
+            </a:r>
+            <a:r>
+              <a:rPr lang="en-US" altLang="zh-CN" dirty="0" smtClean="0"/>
+              <a:t> The score can only be used for binary outcomes, The best possible Brier score is 0, for total accuracy.</a:t>
+            </a:r>
+            <a:endParaRPr lang="en-US" altLang="zh-CN" dirty="0"/>
           </a:p>
         </p:txBody>
       </p:sp>
@@ -6443,55 +6375,55 @@
               <a:lstStyle/>
               <a:p>
                 <a:r>
-                  <a:rPr lang="zh-CN" altLang="en-US" dirty="0" smtClean="0"/>
+                  <a:rPr lang="zh-CN" altLang="en-US" dirty="0"/>
                   <a:t>这篇论文也是讲技能和运气这</a:t>
                 </a:r>
                 <a:r>
-                  <a:rPr lang="en-US" altLang="zh-CN" dirty="0" smtClean="0"/>
+                  <a:rPr lang="en-US" altLang="zh-CN" dirty="0"/>
                   <a:t>2</a:t>
                 </a:r>
                 <a:r>
-                  <a:rPr lang="zh-CN" altLang="en-US" dirty="0" smtClean="0"/>
+                  <a:rPr lang="zh-CN" altLang="en-US" dirty="0"/>
                   <a:t>个因素对比赛结果的影响</a:t>
                 </a:r>
                 <a:r>
-                  <a:rPr lang="en-US" altLang="zh-CN" dirty="0" smtClean="0"/>
+                  <a:rPr lang="en-US" altLang="zh-CN" dirty="0"/>
                   <a:t>,</a:t>
                 </a:r>
                 <a:r>
-                  <a:rPr lang="zh-CN" altLang="en-US" dirty="0" smtClean="0"/>
+                  <a:rPr lang="zh-CN" altLang="en-US" dirty="0"/>
                   <a:t>相比于前</a:t>
                 </a:r>
                 <a:r>
-                  <a:rPr lang="en-US" altLang="zh-CN" dirty="0" smtClean="0"/>
+                  <a:rPr lang="en-US" altLang="zh-CN" dirty="0"/>
                   <a:t>2</a:t>
                 </a:r>
                 <a:r>
-                  <a:rPr lang="zh-CN" altLang="en-US" dirty="0" smtClean="0"/>
+                  <a:rPr lang="zh-CN" altLang="en-US" dirty="0"/>
                   <a:t>篇文章</a:t>
                 </a:r>
                 <a:r>
-                  <a:rPr lang="en-US" altLang="zh-CN" dirty="0" smtClean="0"/>
+                  <a:rPr lang="en-US" altLang="zh-CN" dirty="0"/>
                   <a:t>,</a:t>
                 </a:r>
                 <a:r>
-                  <a:rPr lang="zh-CN" altLang="en-US" dirty="0" smtClean="0"/>
+                  <a:rPr lang="zh-CN" altLang="en-US" dirty="0"/>
                   <a:t>本文突出的地方在于加入了运气因素用来预测比赛结果</a:t>
                 </a:r>
                 <a:r>
-                  <a:rPr lang="en-US" altLang="zh-CN" dirty="0" smtClean="0"/>
+                  <a:rPr lang="en-US" altLang="zh-CN" dirty="0"/>
                   <a:t>,</a:t>
                 </a:r>
                 <a:r>
-                  <a:rPr lang="zh-CN" altLang="en-US" dirty="0" smtClean="0"/>
+                  <a:rPr lang="zh-CN" altLang="en-US" dirty="0"/>
                   <a:t>加入运气因素的原因在于体育比赛的不确定性因素难以避免</a:t>
                 </a:r>
                 <a:r>
-                  <a:rPr lang="en-US" altLang="zh-CN" dirty="0" smtClean="0"/>
+                  <a:rPr lang="en-US" altLang="zh-CN" dirty="0"/>
                   <a:t>.</a:t>
                 </a:r>
                 <a:r>
-                  <a:rPr lang="zh-CN" altLang="en-US" dirty="0" smtClean="0"/>
+                  <a:rPr lang="zh-CN" altLang="en-US" dirty="0"/>
                   <a:t>运气用</a:t>
                 </a:r>
                 <a14:m>
@@ -6508,39 +6440,39 @@
                   </m:oMath>
                 </a14:m>
                 <a:r>
-                  <a:rPr lang="zh-CN" altLang="en-US" dirty="0" smtClean="0"/>
+                  <a:rPr lang="zh-CN" altLang="en-US" dirty="0"/>
                   <a:t>符号表示</a:t>
                 </a:r>
                 <a:r>
-                  <a:rPr lang="en-US" altLang="zh-CN" dirty="0" smtClean="0"/>
+                  <a:rPr lang="en-US" altLang="zh-CN" dirty="0"/>
                   <a:t>,</a:t>
                 </a:r>
                 <a:r>
-                  <a:rPr lang="zh-CN" altLang="en-US" dirty="0" smtClean="0"/>
+                  <a:rPr lang="zh-CN" altLang="en-US" dirty="0"/>
                   <a:t>公式如</a:t>
                 </a:r>
                 <a:r>
-                  <a:rPr lang="en-US" altLang="zh-CN" dirty="0" smtClean="0"/>
+                  <a:rPr lang="en-US" altLang="zh-CN" dirty="0"/>
                   <a:t>….,</a:t>
                 </a:r>
                 <a:r>
-                  <a:rPr lang="zh-CN" altLang="en-US" dirty="0" smtClean="0"/>
+                  <a:rPr lang="zh-CN" altLang="en-US" dirty="0"/>
                   <a:t>基本含义</a:t>
                 </a:r>
                 <a:r>
-                  <a:rPr lang="en-US" altLang="zh-CN" dirty="0" smtClean="0"/>
+                  <a:rPr lang="en-US" altLang="zh-CN" dirty="0"/>
                   <a:t>[S</a:t>
                 </a:r>
                 <a:r>
-                  <a:rPr lang="zh-CN" altLang="en-US" dirty="0" smtClean="0"/>
+                  <a:rPr lang="zh-CN" altLang="en-US" dirty="0"/>
                   <a:t>代表比赛结果历史数据的方差</a:t>
                 </a:r>
                 <a:r>
-                  <a:rPr lang="en-US" altLang="zh-CN" dirty="0" smtClean="0"/>
+                  <a:rPr lang="en-US" altLang="zh-CN" dirty="0"/>
                   <a:t>,</a:t>
                 </a:r>
                 <a:r>
-                  <a:rPr lang="en-US" altLang="zh-CN" sz="1200" b="0" dirty="0" smtClean="0"/>
+                  <a:rPr lang="en-US" altLang="zh-CN" sz="1200" b="0" dirty="0"/>
                   <a:t> </a:t>
                 </a:r>
                 <a14:m>
@@ -6587,15 +6519,15 @@
                   </m:oMath>
                 </a14:m>
                 <a:r>
-                  <a:rPr lang="zh-CN" altLang="en-US" dirty="0" smtClean="0"/>
+                  <a:rPr lang="zh-CN" altLang="en-US" dirty="0"/>
                   <a:t>表示理想情况下正态分布的方差</a:t>
                 </a:r>
                 <a:r>
-                  <a:rPr lang="en-US" altLang="zh-CN" dirty="0" smtClean="0"/>
+                  <a:rPr lang="en-US" altLang="zh-CN" dirty="0"/>
                   <a:t>,</a:t>
                 </a:r>
                 <a:r>
-                  <a:rPr lang="en-US" altLang="zh-CN" sz="1200" dirty="0" smtClean="0"/>
+                  <a:rPr lang="en-US" altLang="zh-CN" sz="1200" dirty="0"/>
                   <a:t> </a:t>
                 </a:r>
                 <a14:m>
@@ -6612,91 +6544,91 @@
                   </m:oMath>
                 </a14:m>
                 <a:r>
-                  <a:rPr lang="zh-CN" altLang="en-US" dirty="0" smtClean="0"/>
+                  <a:rPr lang="zh-CN" altLang="en-US" dirty="0"/>
                   <a:t>是</a:t>
                 </a:r>
                 <a:r>
-                  <a:rPr lang="en-US" altLang="zh-CN" dirty="0" smtClean="0"/>
+                  <a:rPr lang="en-US" altLang="zh-CN" dirty="0"/>
                   <a:t>2</a:t>
                 </a:r>
                 <a:r>
-                  <a:rPr lang="zh-CN" altLang="en-US" dirty="0" smtClean="0"/>
+                  <a:rPr lang="zh-CN" altLang="en-US" dirty="0"/>
                   <a:t>者之间的差除以历史数据的方差</a:t>
                 </a:r>
                 <a:r>
-                  <a:rPr lang="en-US" altLang="zh-CN" dirty="0" smtClean="0"/>
+                  <a:rPr lang="en-US" altLang="zh-CN" dirty="0"/>
                   <a:t>,</a:t>
                 </a:r>
                 <a:r>
-                  <a:rPr lang="zh-CN" altLang="en-US" dirty="0" smtClean="0"/>
+                  <a:rPr lang="zh-CN" altLang="en-US" dirty="0"/>
                   <a:t>直观上来理解代表</a:t>
                 </a:r>
                 <a:r>
-                  <a:rPr lang="en-US" altLang="zh-CN" dirty="0" smtClean="0"/>
+                  <a:rPr lang="en-US" altLang="zh-CN" dirty="0"/>
                   <a:t>2</a:t>
                 </a:r>
                 <a:r>
-                  <a:rPr lang="zh-CN" altLang="en-US" dirty="0" smtClean="0"/>
+                  <a:rPr lang="zh-CN" altLang="en-US" dirty="0"/>
                   <a:t>者之间的偏差值</a:t>
                 </a:r>
                 <a:r>
-                  <a:rPr lang="en-US" altLang="zh-CN" dirty="0" smtClean="0"/>
+                  <a:rPr lang="en-US" altLang="zh-CN" dirty="0"/>
                   <a:t>],</a:t>
                 </a:r>
                 <a:r>
-                  <a:rPr lang="zh-CN" altLang="en-US" dirty="0" smtClean="0"/>
+                  <a:rPr lang="zh-CN" altLang="en-US" dirty="0"/>
                   <a:t>系数的范围是负无穷大到</a:t>
                 </a:r>
                 <a:r>
-                  <a:rPr lang="en-US" altLang="zh-CN" dirty="0" smtClean="0"/>
+                  <a:rPr lang="en-US" altLang="zh-CN" dirty="0"/>
                   <a:t>1,</a:t>
                 </a:r>
                 <a:r>
-                  <a:rPr lang="zh-CN" altLang="en-US" dirty="0" smtClean="0"/>
+                  <a:rPr lang="zh-CN" altLang="en-US" dirty="0"/>
                   <a:t>用于衡量随机比赛模型和实际比赛模型观察值的差异</a:t>
                 </a:r>
                 <a:r>
-                  <a:rPr lang="en-US" altLang="zh-CN" dirty="0" smtClean="0"/>
+                  <a:rPr lang="en-US" altLang="zh-CN" dirty="0"/>
                   <a:t>.[</a:t>
                 </a:r>
                 <a:r>
-                  <a:rPr lang="zh-CN" altLang="en-US" dirty="0" smtClean="0"/>
+                  <a:rPr lang="zh-CN" altLang="en-US" dirty="0"/>
                   <a:t>解释</a:t>
                 </a:r>
                 <a:r>
-                  <a:rPr lang="en-US" altLang="zh-CN" dirty="0" smtClean="0"/>
+                  <a:rPr lang="en-US" altLang="zh-CN" dirty="0"/>
                   <a:t>S</a:t>
                 </a:r>
                 <a:r>
-                  <a:rPr lang="zh-CN" altLang="en-US" dirty="0" smtClean="0"/>
+                  <a:rPr lang="zh-CN" altLang="en-US" dirty="0"/>
                   <a:t>的含义</a:t>
                 </a:r>
                 <a:r>
-                  <a:rPr lang="en-US" altLang="zh-CN" dirty="0" smtClean="0"/>
+                  <a:rPr lang="en-US" altLang="zh-CN" dirty="0"/>
                   <a:t>,\sigma</a:t>
                 </a:r>
                 <a:r>
-                  <a:rPr lang="zh-CN" altLang="en-US" dirty="0" smtClean="0"/>
+                  <a:rPr lang="zh-CN" altLang="en-US" dirty="0"/>
                   <a:t>的含义</a:t>
                 </a:r>
                 <a:r>
-                  <a:rPr lang="en-US" altLang="zh-CN" dirty="0" smtClean="0"/>
+                  <a:rPr lang="en-US" altLang="zh-CN" dirty="0"/>
                   <a:t>,</a:t>
                 </a:r>
                 <a:r>
-                  <a:rPr lang="zh-CN" altLang="en-US" dirty="0" smtClean="0"/>
+                  <a:rPr lang="zh-CN" altLang="en-US" dirty="0"/>
                   <a:t>公式计算的过程</a:t>
                 </a:r>
                 <a:r>
-                  <a:rPr lang="en-US" altLang="zh-CN" dirty="0" smtClean="0"/>
+                  <a:rPr lang="en-US" altLang="zh-CN" dirty="0"/>
                   <a:t>\</a:t>
                 </a:r>
                 <a:r>
-                  <a:rPr lang="zh-CN" altLang="en-US" dirty="0" smtClean="0"/>
+                  <a:rPr lang="zh-CN" altLang="en-US" dirty="0"/>
                   <a:t>含义</a:t>
                 </a:r>
                 <a:r>
-                  <a:rPr lang="en-US" altLang="zh-CN" dirty="0" smtClean="0"/>
+                  <a:rPr lang="en-US" altLang="zh-CN" dirty="0"/>
                   <a:t>]</a:t>
                 </a:r>
                 <a:endParaRPr lang="en-US" altLang="zh-CN" dirty="0">
@@ -6946,7 +6878,7 @@
               <a:lstStyle/>
               <a:p>
                 <a:r>
-                  <a:rPr lang="zh-CN" altLang="en-US" dirty="0" smtClean="0"/>
+                  <a:rPr lang="zh-CN" altLang="en-US" dirty="0"/>
                   <a:t>这张图直观的展示了</a:t>
                 </a:r>
                 <a14:m>
@@ -6963,15 +6895,15 @@
                   </m:oMath>
                 </a14:m>
                 <a:r>
-                  <a:rPr lang="zh-CN" altLang="en-US" dirty="0" smtClean="0"/>
+                  <a:rPr lang="zh-CN" altLang="en-US" dirty="0"/>
                   <a:t>的不同取值的含义</a:t>
                 </a:r>
                 <a:r>
-                  <a:rPr lang="en-US" altLang="zh-CN" dirty="0" smtClean="0"/>
+                  <a:rPr lang="en-US" altLang="zh-CN" dirty="0"/>
                   <a:t>,</a:t>
                 </a:r>
                 <a:r>
-                  <a:rPr lang="en-US" altLang="zh-CN" sz="1200" dirty="0" smtClean="0"/>
+                  <a:rPr lang="en-US" altLang="zh-CN" sz="1200" dirty="0"/>
                   <a:t> </a:t>
                 </a:r>
                 <a14:m>
@@ -6988,23 +6920,23 @@
                   </m:oMath>
                 </a14:m>
                 <a:r>
-                  <a:rPr lang="zh-CN" altLang="en-US" dirty="0" smtClean="0"/>
+                  <a:rPr lang="zh-CN" altLang="en-US" dirty="0"/>
                   <a:t>的值接近</a:t>
                 </a:r>
                 <a:r>
-                  <a:rPr lang="en-US" altLang="zh-CN" dirty="0" smtClean="0"/>
+                  <a:rPr lang="en-US" altLang="zh-CN" dirty="0"/>
                   <a:t>1</a:t>
                 </a:r>
                 <a:r>
-                  <a:rPr lang="zh-CN" altLang="en-US" dirty="0" smtClean="0"/>
+                  <a:rPr lang="zh-CN" altLang="en-US" dirty="0"/>
                   <a:t>表示技能因素影响比赛结果的程度最高</a:t>
                 </a:r>
                 <a:r>
-                  <a:rPr lang="en-US" altLang="zh-CN" dirty="0" smtClean="0"/>
+                  <a:rPr lang="en-US" altLang="zh-CN" dirty="0"/>
                   <a:t>,</a:t>
                 </a:r>
                 <a:r>
-                  <a:rPr lang="en-US" altLang="zh-CN" sz="1200" dirty="0" smtClean="0"/>
+                  <a:rPr lang="en-US" altLang="zh-CN" sz="1200" dirty="0"/>
                   <a:t> </a:t>
                 </a:r>
                 <a14:m>
@@ -7021,23 +6953,23 @@
                   </m:oMath>
                 </a14:m>
                 <a:r>
-                  <a:rPr lang="zh-CN" altLang="en-US" dirty="0" smtClean="0"/>
+                  <a:rPr lang="zh-CN" altLang="en-US" dirty="0"/>
                   <a:t>的值接近</a:t>
                 </a:r>
                 <a:r>
-                  <a:rPr lang="en-US" altLang="zh-CN" dirty="0" smtClean="0"/>
+                  <a:rPr lang="en-US" altLang="zh-CN" dirty="0"/>
                   <a:t>0</a:t>
                 </a:r>
                 <a:r>
-                  <a:rPr lang="zh-CN" altLang="en-US" dirty="0" smtClean="0"/>
+                  <a:rPr lang="zh-CN" altLang="en-US" dirty="0"/>
                   <a:t>表示运气因素影响比赛结果的程度最高</a:t>
                 </a:r>
                 <a:r>
-                  <a:rPr lang="en-US" altLang="zh-CN" dirty="0" smtClean="0"/>
+                  <a:rPr lang="en-US" altLang="zh-CN" dirty="0"/>
                   <a:t>,</a:t>
                 </a:r>
                 <a:r>
-                  <a:rPr lang="en-US" altLang="zh-CN" sz="1200" dirty="0" smtClean="0"/>
+                  <a:rPr lang="en-US" altLang="zh-CN" sz="1200" dirty="0"/>
                   <a:t> </a:t>
                 </a:r>
                 <a14:m>
@@ -7054,23 +6986,23 @@
                   </m:oMath>
                 </a14:m>
                 <a:r>
-                  <a:rPr lang="zh-CN" altLang="en-US" dirty="0" smtClean="0"/>
+                  <a:rPr lang="zh-CN" altLang="en-US" dirty="0"/>
                   <a:t>的值接近</a:t>
                 </a:r>
                 <a:r>
-                  <a:rPr lang="en-US" altLang="zh-CN" dirty="0" smtClean="0"/>
+                  <a:rPr lang="en-US" altLang="zh-CN" dirty="0"/>
                   <a:t>0,</a:t>
                 </a:r>
                 <a:r>
-                  <a:rPr lang="zh-CN" altLang="en-US" dirty="0" smtClean="0"/>
+                  <a:rPr lang="zh-CN" altLang="en-US" dirty="0"/>
                   <a:t>从公式看比赛结果接近于正态分布</a:t>
                 </a:r>
                 <a:r>
-                  <a:rPr lang="en-US" altLang="zh-CN" dirty="0" smtClean="0"/>
+                  <a:rPr lang="en-US" altLang="zh-CN" dirty="0"/>
                   <a:t>,</a:t>
                 </a:r>
                 <a:r>
-                  <a:rPr lang="zh-CN" altLang="en-US" dirty="0" smtClean="0"/>
+                  <a:rPr lang="zh-CN" altLang="en-US" dirty="0"/>
                   <a:t>当</a:t>
                 </a:r>
                 <a14:m>
@@ -7148,51 +7080,51 @@
                   </m:oMath>
                 </a14:m>
                 <a:r>
-                  <a:rPr lang="en-US" altLang="zh-CN" dirty="0" smtClean="0"/>
+                  <a:rPr lang="en-US" altLang="zh-CN" dirty="0"/>
                   <a:t>,</a:t>
                 </a:r>
                 <a:r>
-                  <a:rPr lang="zh-CN" altLang="en-US" dirty="0" smtClean="0"/>
+                  <a:rPr lang="zh-CN" altLang="en-US" dirty="0"/>
                   <a:t>比赛结果属于完全随机过程</a:t>
                 </a:r>
                 <a:r>
-                  <a:rPr lang="en-US" altLang="zh-CN" dirty="0" smtClean="0"/>
+                  <a:rPr lang="en-US" altLang="zh-CN" dirty="0"/>
                   <a:t>.</a:t>
                 </a:r>
                 <a:r>
-                  <a:rPr lang="zh-CN" altLang="en-US" dirty="0" smtClean="0"/>
+                  <a:rPr lang="zh-CN" altLang="en-US" dirty="0"/>
                   <a:t>如果重大的异常事件</a:t>
                 </a:r>
                 <a:r>
-                  <a:rPr lang="en-US" altLang="zh-CN" dirty="0" smtClean="0"/>
+                  <a:rPr lang="en-US" altLang="zh-CN" dirty="0"/>
                   <a:t>,</a:t>
                 </a:r>
                 <a:r>
-                  <a:rPr lang="zh-CN" altLang="en-US" dirty="0" smtClean="0"/>
+                  <a:rPr lang="zh-CN" altLang="en-US" dirty="0"/>
                   <a:t>会导致某一赛季比赛结果异常接近</a:t>
                 </a:r>
                 <a:r>
-                  <a:rPr lang="en-US" altLang="zh-CN" dirty="0" smtClean="0"/>
+                  <a:rPr lang="en-US" altLang="zh-CN" dirty="0"/>
                   <a:t>,</a:t>
                 </a:r>
                 <a:r>
-                  <a:rPr lang="zh-CN" altLang="en-US" dirty="0" smtClean="0"/>
+                  <a:rPr lang="zh-CN" altLang="en-US" dirty="0"/>
                   <a:t>在理想情况下</a:t>
                 </a:r>
                 <a:r>
-                  <a:rPr lang="en-US" altLang="zh-CN" dirty="0" smtClean="0"/>
+                  <a:rPr lang="en-US" altLang="zh-CN" dirty="0"/>
                   <a:t>,S</a:t>
                 </a:r>
                 <a:r>
-                  <a:rPr lang="zh-CN" altLang="en-US" dirty="0" smtClean="0"/>
+                  <a:rPr lang="zh-CN" altLang="en-US" dirty="0"/>
                   <a:t>平方接近于</a:t>
                 </a:r>
                 <a:r>
-                  <a:rPr lang="en-US" altLang="zh-CN" dirty="0" smtClean="0"/>
+                  <a:rPr lang="en-US" altLang="zh-CN" dirty="0"/>
                   <a:t>0,</a:t>
                 </a:r>
                 <a:r>
-                  <a:rPr lang="zh-CN" altLang="en-US" dirty="0" smtClean="0"/>
+                  <a:rPr lang="zh-CN" altLang="en-US" dirty="0"/>
                   <a:t>从而导致</a:t>
                 </a:r>
                 <a14:m>
@@ -7209,14 +7141,10 @@
                   </m:oMath>
                 </a14:m>
                 <a:r>
-                  <a:rPr lang="zh-CN" altLang="en-US" dirty="0" smtClean="0"/>
-                  <a:t>为</a:t>
-                </a:r>
-                <a:r>
-                  <a:rPr lang="zh-CN" altLang="en-US" dirty="0" smtClean="0"/>
-                  <a:t>负数</a:t>
-                </a:r>
-                <a:endParaRPr lang="en-US" altLang="zh-CN" dirty="0" smtClean="0"/>
+                  <a:rPr lang="zh-CN" altLang="en-US" dirty="0"/>
+                  <a:t>为负数</a:t>
+                </a:r>
+                <a:endParaRPr lang="en-US" altLang="zh-CN" dirty="0"/>
               </a:p>
             </p:txBody>
           </p:sp>
@@ -7460,15 +7388,15 @@
                   <a:defRPr/>
                 </a:pPr>
                 <a:r>
-                  <a:rPr lang="zh-CN" altLang="en-US" dirty="0" smtClean="0"/>
+                  <a:rPr lang="zh-CN" altLang="en-US" dirty="0"/>
                   <a:t>展示数据集</a:t>
                 </a:r>
                 <a:r>
-                  <a:rPr lang="en-US" altLang="zh-CN" dirty="0" smtClean="0"/>
+                  <a:rPr lang="en-US" altLang="zh-CN" dirty="0"/>
                   <a:t>[….</a:t>
                 </a:r>
                 <a:r>
-                  <a:rPr lang="zh-CN" altLang="zh-CN" sz="1200" kern="1200" dirty="0" smtClean="0">
+                  <a:rPr lang="zh-CN" altLang="zh-CN" sz="1200" kern="1200" dirty="0">
                     <a:solidFill>
                       <a:schemeClr val="tx1"/>
                     </a:solidFill>
@@ -7480,7 +7408,7 @@
                   <a:t>本文第一部分研究的</a:t>
                 </a:r>
                 <a:r>
-                  <a:rPr lang="en-US" altLang="zh-CN" sz="1200" kern="1200" dirty="0" smtClean="0">
+                  <a:rPr lang="en-US" altLang="zh-CN" sz="1200" kern="1200" dirty="0">
                     <a:solidFill>
                       <a:schemeClr val="tx1"/>
                     </a:solidFill>
@@ -7492,7 +7420,7 @@
                   <a:t>1503</a:t>
                 </a:r>
                 <a:r>
-                  <a:rPr lang="zh-CN" altLang="zh-CN" sz="1200" kern="1200" dirty="0" smtClean="0">
+                  <a:rPr lang="zh-CN" altLang="zh-CN" sz="1200" kern="1200" dirty="0">
                     <a:solidFill>
                       <a:schemeClr val="tx1"/>
                     </a:solidFill>
@@ -7504,7 +7432,7 @@
                   <a:t>个赛季</a:t>
                 </a:r>
                 <a:r>
-                  <a:rPr lang="en-US" altLang="zh-CN" sz="1200" kern="1200" dirty="0" smtClean="0">
+                  <a:rPr lang="en-US" altLang="zh-CN" sz="1200" kern="1200" dirty="0">
                     <a:solidFill>
                       <a:schemeClr val="tx1"/>
                     </a:solidFill>
@@ -7516,7 +7444,7 @@
                   <a:t>,</a:t>
                 </a:r>
                 <a:r>
-                  <a:rPr lang="zh-CN" altLang="zh-CN" sz="1200" kern="1200" dirty="0" smtClean="0">
+                  <a:rPr lang="zh-CN" altLang="zh-CN" sz="1200" kern="1200" dirty="0">
                     <a:solidFill>
                       <a:schemeClr val="tx1"/>
                     </a:solidFill>
@@ -7528,7 +7456,7 @@
                   <a:t> </a:t>
                 </a:r>
                 <a:r>
-                  <a:rPr lang="en-US" altLang="zh-CN" sz="1200" kern="1200" dirty="0" smtClean="0">
+                  <a:rPr lang="en-US" altLang="zh-CN" sz="1200" kern="1200" dirty="0">
                     <a:solidFill>
                       <a:schemeClr val="tx1"/>
                     </a:solidFill>
@@ -7540,7 +7468,7 @@
                   <a:t>2007</a:t>
                 </a:r>
                 <a:r>
-                  <a:rPr lang="zh-CN" altLang="zh-CN" sz="1200" kern="1200" dirty="0" smtClean="0">
+                  <a:rPr lang="zh-CN" altLang="zh-CN" sz="1200" kern="1200" dirty="0">
                     <a:solidFill>
                       <a:schemeClr val="tx1"/>
                     </a:solidFill>
@@ -7552,7 +7480,7 @@
                   <a:t>年</a:t>
                 </a:r>
                 <a:r>
-                  <a:rPr lang="en-US" altLang="zh-CN" sz="1200" kern="1200" dirty="0" smtClean="0">
+                  <a:rPr lang="en-US" altLang="zh-CN" sz="1200" kern="1200" dirty="0">
                     <a:solidFill>
                       <a:schemeClr val="tx1"/>
                     </a:solidFill>
@@ -7564,7 +7492,7 @@
                   <a:t>1</a:t>
                 </a:r>
                 <a:r>
-                  <a:rPr lang="zh-CN" altLang="zh-CN" sz="1200" kern="1200" dirty="0" smtClean="0">
+                  <a:rPr lang="zh-CN" altLang="zh-CN" sz="1200" kern="1200" dirty="0">
                     <a:solidFill>
                       <a:schemeClr val="tx1"/>
                     </a:solidFill>
@@ -7576,7 +7504,7 @@
                   <a:t>月至</a:t>
                 </a:r>
                 <a:r>
-                  <a:rPr lang="en-US" altLang="zh-CN" sz="1200" kern="1200" dirty="0" smtClean="0">
+                  <a:rPr lang="en-US" altLang="zh-CN" sz="1200" kern="1200" dirty="0">
                     <a:solidFill>
                       <a:schemeClr val="tx1"/>
                     </a:solidFill>
@@ -7588,7 +7516,7 @@
                   <a:t>2016</a:t>
                 </a:r>
                 <a:r>
-                  <a:rPr lang="zh-CN" altLang="zh-CN" sz="1200" kern="1200" dirty="0" smtClean="0">
+                  <a:rPr lang="zh-CN" altLang="zh-CN" sz="1200" kern="1200" dirty="0">
                     <a:solidFill>
                       <a:schemeClr val="tx1"/>
                     </a:solidFill>
@@ -7600,7 +7528,7 @@
                   <a:t>年</a:t>
                 </a:r>
                 <a:r>
-                  <a:rPr lang="en-US" altLang="zh-CN" sz="1200" kern="1200" dirty="0" smtClean="0">
+                  <a:rPr lang="en-US" altLang="zh-CN" sz="1200" kern="1200" dirty="0">
                     <a:solidFill>
                       <a:schemeClr val="tx1"/>
                     </a:solidFill>
@@ -7612,7 +7540,7 @@
                   <a:t>7</a:t>
                 </a:r>
                 <a:r>
-                  <a:rPr lang="zh-CN" altLang="zh-CN" sz="1200" kern="1200" dirty="0" smtClean="0">
+                  <a:rPr lang="zh-CN" altLang="zh-CN" sz="1200" kern="1200" dirty="0">
                     <a:solidFill>
                       <a:schemeClr val="tx1"/>
                     </a:solidFill>
@@ -7624,7 +7552,7 @@
                   <a:t>月共发生</a:t>
                 </a:r>
                 <a:r>
-                  <a:rPr lang="en-US" altLang="zh-CN" sz="1200" kern="1200" dirty="0" smtClean="0">
+                  <a:rPr lang="en-US" altLang="zh-CN" sz="1200" kern="1200" dirty="0">
                     <a:solidFill>
                       <a:schemeClr val="tx1"/>
                     </a:solidFill>
@@ -7636,7 +7564,7 @@
                   <a:t>198</a:t>
                 </a:r>
                 <a:r>
-                  <a:rPr lang="zh-CN" altLang="zh-CN" sz="1200" kern="1200" dirty="0" smtClean="0">
+                  <a:rPr lang="zh-CN" altLang="zh-CN" sz="1200" kern="1200" dirty="0">
                     <a:solidFill>
                       <a:schemeClr val="tx1"/>
                     </a:solidFill>
@@ -7648,7 +7576,7 @@
                   <a:t>个联赛</a:t>
                 </a:r>
                 <a:r>
-                  <a:rPr lang="en-US" altLang="zh-CN" sz="1200" kern="1200" dirty="0" smtClean="0">
+                  <a:rPr lang="en-US" altLang="zh-CN" sz="1200" kern="1200" dirty="0">
                     <a:solidFill>
                       <a:schemeClr val="tx1"/>
                     </a:solidFill>
@@ -7660,7 +7588,7 @@
                   <a:t>270713</a:t>
                 </a:r>
                 <a:r>
-                  <a:rPr lang="zh-CN" altLang="zh-CN" sz="1200" kern="1200" dirty="0" smtClean="0">
+                  <a:rPr lang="zh-CN" altLang="zh-CN" sz="1200" kern="1200" dirty="0">
                     <a:solidFill>
                       <a:schemeClr val="tx1"/>
                     </a:solidFill>
@@ -7672,7 +7600,7 @@
                   <a:t>场比赛。比赛发生在来自美国，欧洲，亚洲，非洲和大洋洲的</a:t>
                 </a:r>
                 <a:r>
-                  <a:rPr lang="en-US" altLang="zh-CN" sz="1200" kern="1200" dirty="0" smtClean="0">
+                  <a:rPr lang="en-US" altLang="zh-CN" sz="1200" kern="1200" dirty="0">
                     <a:solidFill>
                       <a:schemeClr val="tx1"/>
                     </a:solidFill>
@@ -7684,7 +7612,7 @@
                   <a:t>84</a:t>
                 </a:r>
                 <a:r>
-                  <a:rPr lang="zh-CN" altLang="zh-CN" sz="1200" kern="1200" dirty="0" smtClean="0">
+                  <a:rPr lang="zh-CN" altLang="zh-CN" sz="1200" kern="1200" dirty="0">
                     <a:solidFill>
                       <a:schemeClr val="tx1"/>
                     </a:solidFill>
@@ -7696,12 +7624,12 @@
                   <a:t>个国家。</a:t>
                 </a:r>
                 <a:r>
-                  <a:rPr lang="en-US" altLang="zh-CN" dirty="0" smtClean="0"/>
+                  <a:rPr lang="en-US" altLang="zh-CN" dirty="0"/>
                   <a:t>]</a:t>
                 </a:r>
               </a:p>
               <a:p>
-                <a:endParaRPr lang="en-US" altLang="zh-CN" sz="1200" kern="1200" dirty="0" smtClean="0">
+                <a:endParaRPr lang="en-US" altLang="zh-CN" sz="1200" kern="1200" dirty="0">
                   <a:solidFill>
                     <a:schemeClr val="tx1"/>
                   </a:solidFill>
@@ -7726,7 +7654,7 @@
                   </m:oMath>
                 </a14:m>
                 <a:r>
-                  <a:rPr lang="zh-CN" altLang="en-US" sz="1200" kern="1200" dirty="0" smtClean="0">
+                  <a:rPr lang="zh-CN" altLang="en-US" sz="1200" kern="1200" dirty="0">
                     <a:solidFill>
                       <a:schemeClr val="tx1"/>
                     </a:solidFill>
@@ -7736,54 +7664,6 @@
                     <a:cs typeface="+mn-cs"/>
                   </a:rPr>
                   <a:t>值</a:t>
-                </a:r>
-                <a:r>
-                  <a:rPr lang="zh-CN" altLang="zh-CN" sz="1200" kern="1200" dirty="0" smtClean="0">
-                    <a:solidFill>
-                      <a:schemeClr val="tx1"/>
-                    </a:solidFill>
-                    <a:effectLst/>
-                    <a:latin typeface="+mn-lt"/>
-                    <a:ea typeface="+mn-ea"/>
-                    <a:cs typeface="+mn-cs"/>
-                  </a:rPr>
-                  <a:t>越接近</a:t>
-                </a:r>
-                <a:r>
-                  <a:rPr lang="zh-CN" altLang="en-US" sz="1200" kern="1200" dirty="0" smtClean="0">
-                    <a:solidFill>
-                      <a:schemeClr val="tx1"/>
-                    </a:solidFill>
-                    <a:effectLst/>
-                    <a:latin typeface="+mn-lt"/>
-                    <a:ea typeface="+mn-ea"/>
-                    <a:cs typeface="+mn-cs"/>
-                  </a:rPr>
-                  <a:t>下限</a:t>
-                </a:r>
-                <a:r>
-                  <a:rPr lang="en-US" altLang="zh-CN" sz="1200" kern="1200" dirty="0" smtClean="0">
-                    <a:solidFill>
-                      <a:schemeClr val="tx1"/>
-                    </a:solidFill>
-                    <a:effectLst/>
-                    <a:latin typeface="+mn-lt"/>
-                    <a:ea typeface="+mn-ea"/>
-                    <a:cs typeface="+mn-cs"/>
-                  </a:rPr>
-                  <a:t>0</a:t>
-                </a:r>
-                <a:r>
-                  <a:rPr lang="zh-CN" altLang="zh-CN" sz="1200" kern="1200" dirty="0" smtClean="0">
-                    <a:solidFill>
-                      <a:schemeClr val="tx1"/>
-                    </a:solidFill>
-                    <a:effectLst/>
-                    <a:latin typeface="+mn-lt"/>
-                    <a:ea typeface="+mn-ea"/>
-                    <a:cs typeface="+mn-cs"/>
-                  </a:rPr>
-                  <a:t>，</a:t>
                 </a:r>
                 <a:r>
                   <a:rPr lang="zh-CN" altLang="zh-CN" sz="1200" kern="1200" dirty="0">
@@ -7795,10 +7675,10 @@
                     <a:ea typeface="+mn-ea"/>
                     <a:cs typeface="+mn-cs"/>
                   </a:rPr>
-                  <a:t>越接近随机模型</a:t>
-                </a:r>
-                <a:r>
-                  <a:rPr lang="zh-CN" altLang="zh-CN" sz="1200" kern="1200" dirty="0" smtClean="0">
+                  <a:t>越接近</a:t>
+                </a:r>
+                <a:r>
+                  <a:rPr lang="zh-CN" altLang="en-US" sz="1200" kern="1200" dirty="0">
                     <a:solidFill>
                       <a:schemeClr val="tx1"/>
                     </a:solidFill>
@@ -7807,10 +7687,10 @@
                     <a:ea typeface="+mn-ea"/>
                     <a:cs typeface="+mn-cs"/>
                   </a:rPr>
-                  <a:t>，</a:t>
-                </a:r>
-                <a:r>
-                  <a:rPr lang="zh-CN" altLang="en-US" sz="1200" kern="1200" dirty="0" smtClean="0">
+                  <a:t>下限</a:t>
+                </a:r>
+                <a:r>
+                  <a:rPr lang="en-US" altLang="zh-CN" sz="1200" kern="1200" dirty="0">
                     <a:solidFill>
                       <a:schemeClr val="tx1"/>
                     </a:solidFill>
@@ -7819,10 +7699,10 @@
                     <a:ea typeface="+mn-ea"/>
                     <a:cs typeface="+mn-cs"/>
                   </a:rPr>
-                  <a:t>越接近上限</a:t>
-                </a:r>
-                <a:r>
-                  <a:rPr lang="en-US" altLang="zh-CN" sz="1200" kern="1200" dirty="0" smtClean="0">
+                  <a:t>0</a:t>
+                </a:r>
+                <a:r>
+                  <a:rPr lang="zh-CN" altLang="zh-CN" sz="1200" kern="1200" dirty="0">
                     <a:solidFill>
                       <a:schemeClr val="tx1"/>
                     </a:solidFill>
@@ -7831,10 +7711,10 @@
                     <a:ea typeface="+mn-ea"/>
                     <a:cs typeface="+mn-cs"/>
                   </a:rPr>
-                  <a:t>1,</a:t>
-                </a:r>
-                <a:r>
-                  <a:rPr lang="zh-CN" altLang="en-US" sz="1200" kern="1200" dirty="0" smtClean="0">
+                  <a:t>，越接近随机模型，</a:t>
+                </a:r>
+                <a:r>
+                  <a:rPr lang="zh-CN" altLang="en-US" sz="1200" kern="1200" dirty="0">
                     <a:solidFill>
                       <a:schemeClr val="tx1"/>
                     </a:solidFill>
@@ -7843,10 +7723,10 @@
                     <a:ea typeface="+mn-ea"/>
                     <a:cs typeface="+mn-cs"/>
                   </a:rPr>
-                  <a:t>表示离随机结果越远</a:t>
-                </a:r>
-                <a:r>
-                  <a:rPr lang="en-US" altLang="zh-CN" sz="1200" kern="1200" dirty="0" smtClean="0">
+                  <a:t>越接近上限</a:t>
+                </a:r>
+                <a:r>
+                  <a:rPr lang="en-US" altLang="zh-CN" sz="1200" kern="1200" dirty="0">
                     <a:solidFill>
                       <a:schemeClr val="tx1"/>
                     </a:solidFill>
@@ -7855,10 +7735,10 @@
                     <a:ea typeface="+mn-ea"/>
                     <a:cs typeface="+mn-cs"/>
                   </a:rPr>
-                  <a:t>,</a:t>
-                </a:r>
-                <a:r>
-                  <a:rPr lang="zh-CN" altLang="en-US" sz="1200" kern="1200" dirty="0" smtClean="0">
+                  <a:t>1,</a:t>
+                </a:r>
+                <a:r>
+                  <a:rPr lang="zh-CN" altLang="en-US" sz="1200" kern="1200" dirty="0">
                     <a:solidFill>
                       <a:schemeClr val="tx1"/>
                     </a:solidFill>
@@ -7867,10 +7747,10 @@
                     <a:ea typeface="+mn-ea"/>
                     <a:cs typeface="+mn-cs"/>
                   </a:rPr>
-                  <a:t>表明技能因素主要影响着比赛结果</a:t>
-                </a:r>
-                <a:r>
-                  <a:rPr lang="zh-CN" altLang="zh-CN" sz="1200" kern="1200" dirty="0" smtClean="0">
+                  <a:t>表示离随机结果越远</a:t>
+                </a:r>
+                <a:r>
+                  <a:rPr lang="en-US" altLang="zh-CN" sz="1200" kern="1200" dirty="0">
                     <a:solidFill>
                       <a:schemeClr val="tx1"/>
                     </a:solidFill>
@@ -7879,10 +7759,10 @@
                     <a:ea typeface="+mn-ea"/>
                     <a:cs typeface="+mn-cs"/>
                   </a:rPr>
-                  <a:t>。</a:t>
-                </a:r>
-                <a:r>
-                  <a:rPr lang="zh-CN" altLang="en-US" sz="1200" kern="1200" dirty="0" smtClean="0">
+                  <a:t>,</a:t>
+                </a:r>
+                <a:r>
+                  <a:rPr lang="zh-CN" altLang="en-US" sz="1200" kern="1200" dirty="0">
                     <a:solidFill>
                       <a:schemeClr val="tx1"/>
                     </a:solidFill>
@@ -7891,10 +7771,10 @@
                     <a:ea typeface="+mn-ea"/>
                     <a:cs typeface="+mn-cs"/>
                   </a:rPr>
-                  <a:t>该论文比较了</a:t>
-                </a:r>
-                <a:r>
-                  <a:rPr lang="en-US" altLang="zh-CN" sz="1200" kern="1200" dirty="0" smtClean="0">
+                  <a:t>表明技能因素主要影响着比赛结果</a:t>
+                </a:r>
+                <a:r>
+                  <a:rPr lang="zh-CN" altLang="zh-CN" sz="1200" kern="1200" dirty="0">
                     <a:solidFill>
                       <a:schemeClr val="tx1"/>
                     </a:solidFill>
@@ -7903,10 +7783,10 @@
                     <a:ea typeface="+mn-ea"/>
                     <a:cs typeface="+mn-cs"/>
                   </a:rPr>
-                  <a:t>4</a:t>
-                </a:r>
-                <a:r>
-                  <a:rPr lang="zh-CN" altLang="en-US" sz="1200" kern="1200" dirty="0" smtClean="0">
+                  <a:t>。</a:t>
+                </a:r>
+                <a:r>
+                  <a:rPr lang="zh-CN" altLang="en-US" sz="1200" kern="1200" dirty="0">
                     <a:solidFill>
                       <a:schemeClr val="tx1"/>
                     </a:solidFill>
@@ -7915,10 +7795,10 @@
                     <a:ea typeface="+mn-ea"/>
                     <a:cs typeface="+mn-cs"/>
                   </a:rPr>
-                  <a:t>个不同运动领域运气和技能因素的影响</a:t>
-                </a:r>
-                <a:r>
-                  <a:rPr lang="en-US" altLang="zh-CN" sz="1200" kern="1200" dirty="0" smtClean="0">
+                  <a:t>该论文比较了</a:t>
+                </a:r>
+                <a:r>
+                  <a:rPr lang="en-US" altLang="zh-CN" sz="1200" kern="1200" dirty="0">
                     <a:solidFill>
                       <a:schemeClr val="tx1"/>
                     </a:solidFill>
@@ -7927,10 +7807,10 @@
                     <a:ea typeface="+mn-ea"/>
                     <a:cs typeface="+mn-cs"/>
                   </a:rPr>
-                  <a:t>,</a:t>
-                </a:r>
-                <a:r>
-                  <a:rPr lang="zh-CN" altLang="en-US" sz="1200" kern="1200" dirty="0" smtClean="0">
+                  <a:t>4</a:t>
+                </a:r>
+                <a:r>
+                  <a:rPr lang="zh-CN" altLang="en-US" sz="1200" kern="1200" dirty="0">
                     <a:solidFill>
                       <a:schemeClr val="tx1"/>
                     </a:solidFill>
@@ -7939,10 +7819,10 @@
                     <a:ea typeface="+mn-ea"/>
                     <a:cs typeface="+mn-cs"/>
                   </a:rPr>
-                  <a:t>对</a:t>
-                </a:r>
-                <a:r>
-                  <a:rPr lang="zh-CN" altLang="zh-CN" sz="1200" kern="1200" dirty="0" smtClean="0">
+                  <a:t>个不同运动领域运气和技能因素的影响</a:t>
+                </a:r>
+                <a:r>
+                  <a:rPr lang="en-US" altLang="zh-CN" sz="1200" kern="1200" dirty="0">
                     <a:solidFill>
                       <a:schemeClr val="tx1"/>
                     </a:solidFill>
@@ -7951,10 +7831,10 @@
                     <a:ea typeface="+mn-ea"/>
                     <a:cs typeface="+mn-cs"/>
                   </a:rPr>
-                  <a:t>篮球</a:t>
-                </a:r>
-                <a:r>
-                  <a:rPr lang="zh-CN" altLang="en-US" sz="1200" kern="1200" dirty="0" smtClean="0">
+                  <a:t>,</a:t>
+                </a:r>
+                <a:r>
+                  <a:rPr lang="zh-CN" altLang="en-US" sz="1200" kern="1200" dirty="0">
                     <a:solidFill>
                       <a:schemeClr val="tx1"/>
                     </a:solidFill>
@@ -7963,10 +7843,10 @@
                     <a:ea typeface="+mn-ea"/>
                     <a:cs typeface="+mn-cs"/>
                   </a:rPr>
-                  <a:t>和排球</a:t>
-                </a:r>
-                <a:r>
-                  <a:rPr lang="zh-CN" altLang="zh-CN" sz="1200" kern="1200" dirty="0" smtClean="0">
+                  <a:t>对</a:t>
+                </a:r>
+                <a:r>
+                  <a:rPr lang="zh-CN" altLang="zh-CN" sz="1200" kern="1200" dirty="0">
                     <a:solidFill>
                       <a:schemeClr val="tx1"/>
                     </a:solidFill>
@@ -7975,10 +7855,10 @@
                     <a:ea typeface="+mn-ea"/>
                     <a:cs typeface="+mn-cs"/>
                   </a:rPr>
-                  <a:t>运动</a:t>
-                </a:r>
-                <a:r>
-                  <a:rPr lang="zh-CN" altLang="en-US" sz="1200" kern="1200" dirty="0" smtClean="0">
+                  <a:t>篮球</a:t>
+                </a:r>
+                <a:r>
+                  <a:rPr lang="zh-CN" altLang="en-US" sz="1200" kern="1200" dirty="0">
                     <a:solidFill>
                       <a:schemeClr val="tx1"/>
                     </a:solidFill>
@@ -7987,10 +7867,10 @@
                     <a:ea typeface="+mn-ea"/>
                     <a:cs typeface="+mn-cs"/>
                   </a:rPr>
-                  <a:t>来说技能因素占主导因素</a:t>
-                </a:r>
-                <a:r>
-                  <a:rPr lang="en-US" altLang="zh-CN" sz="1200" kern="1200" dirty="0" smtClean="0">
+                  <a:t>和排球</a:t>
+                </a:r>
+                <a:r>
+                  <a:rPr lang="zh-CN" altLang="zh-CN" sz="1200" kern="1200" dirty="0">
                     <a:solidFill>
                       <a:schemeClr val="tx1"/>
                     </a:solidFill>
@@ -7999,10 +7879,10 @@
                     <a:ea typeface="+mn-ea"/>
                     <a:cs typeface="+mn-cs"/>
                   </a:rPr>
-                  <a:t>,</a:t>
-                </a:r>
-                <a:r>
-                  <a:rPr lang="zh-CN" altLang="en-US" sz="1200" kern="1200" dirty="0" smtClean="0">
+                  <a:t>运动</a:t>
+                </a:r>
+                <a:r>
+                  <a:rPr lang="zh-CN" altLang="en-US" sz="1200" kern="1200" dirty="0">
                     <a:solidFill>
                       <a:schemeClr val="tx1"/>
                     </a:solidFill>
@@ -8011,10 +7891,10 @@
                     <a:ea typeface="+mn-ea"/>
                     <a:cs typeface="+mn-cs"/>
                   </a:rPr>
-                  <a:t>而在足球和手球运动中运气占运气因素</a:t>
-                </a:r>
-                <a:r>
-                  <a:rPr lang="en-US" altLang="zh-CN" sz="1200" kern="1200" dirty="0" smtClean="0">
+                  <a:t>来说技能因素占主导因素</a:t>
+                </a:r>
+                <a:r>
+                  <a:rPr lang="en-US" altLang="zh-CN" sz="1200" kern="1200" dirty="0">
                     <a:solidFill>
                       <a:schemeClr val="tx1"/>
                     </a:solidFill>
@@ -8026,7 +7906,7 @@
                   <a:t>,</a:t>
                 </a:r>
                 <a:r>
-                  <a:rPr lang="zh-CN" altLang="en-US" sz="1200" kern="1200" dirty="0" smtClean="0">
+                  <a:rPr lang="zh-CN" altLang="en-US" sz="1200" kern="1200" dirty="0">
                     <a:solidFill>
                       <a:schemeClr val="tx1"/>
                     </a:solidFill>
@@ -8035,10 +7915,10 @@
                     <a:ea typeface="+mn-ea"/>
                     <a:cs typeface="+mn-cs"/>
                   </a:rPr>
-                  <a:t>直观理解篮球的排球一场比赛得分很高疯狂进球</a:t>
-                </a:r>
-                <a:r>
-                  <a:rPr lang="en-US" altLang="zh-CN" sz="1200" kern="1200" dirty="0" smtClean="0">
+                  <a:t>而在足球和手球运动中运气占运气因素</a:t>
+                </a:r>
+                <a:r>
+                  <a:rPr lang="en-US" altLang="zh-CN" sz="1200" kern="1200" dirty="0">
                     <a:solidFill>
                       <a:schemeClr val="tx1"/>
                     </a:solidFill>
@@ -8050,7 +7930,7 @@
                   <a:t>,</a:t>
                 </a:r>
                 <a:r>
-                  <a:rPr lang="zh-CN" altLang="en-US" sz="1200" kern="1200" dirty="0" smtClean="0">
+                  <a:rPr lang="zh-CN" altLang="en-US" sz="1200" kern="1200" dirty="0">
                     <a:solidFill>
                       <a:schemeClr val="tx1"/>
                     </a:solidFill>
@@ -8059,10 +7939,10 @@
                     <a:ea typeface="+mn-ea"/>
                     <a:cs typeface="+mn-cs"/>
                   </a:rPr>
-                  <a:t>而足球和手球比赛中往往</a:t>
-                </a:r>
-                <a:r>
-                  <a:rPr lang="en-US" altLang="zh-CN" sz="1200" kern="1200" dirty="0" smtClean="0">
+                  <a:t>直观理解篮球的排球一场比赛得分很高疯狂进球</a:t>
+                </a:r>
+                <a:r>
+                  <a:rPr lang="en-US" altLang="zh-CN" sz="1200" kern="1200" dirty="0">
                     <a:solidFill>
                       <a:schemeClr val="tx1"/>
                     </a:solidFill>
@@ -8071,10 +7951,10 @@
                     <a:ea typeface="+mn-ea"/>
                     <a:cs typeface="+mn-cs"/>
                   </a:rPr>
-                  <a:t>1</a:t>
-                </a:r>
-                <a:r>
-                  <a:rPr lang="zh-CN" altLang="en-US" sz="1200" kern="1200" dirty="0" smtClean="0">
+                  <a:t>,</a:t>
+                </a:r>
+                <a:r>
+                  <a:rPr lang="zh-CN" altLang="en-US" sz="1200" kern="1200" dirty="0">
                     <a:solidFill>
                       <a:schemeClr val="tx1"/>
                     </a:solidFill>
@@ -8083,10 +7963,10 @@
                     <a:ea typeface="+mn-ea"/>
                     <a:cs typeface="+mn-cs"/>
                   </a:rPr>
-                  <a:t>到</a:t>
-                </a:r>
-                <a:r>
-                  <a:rPr lang="en-US" altLang="zh-CN" sz="1200" kern="1200" dirty="0" smtClean="0">
+                  <a:t>而足球和手球比赛中往往</a:t>
+                </a:r>
+                <a:r>
+                  <a:rPr lang="en-US" altLang="zh-CN" sz="1200" kern="1200" dirty="0">
                     <a:solidFill>
                       <a:schemeClr val="tx1"/>
                     </a:solidFill>
@@ -8095,10 +7975,10 @@
                     <a:ea typeface="+mn-ea"/>
                     <a:cs typeface="+mn-cs"/>
                   </a:rPr>
-                  <a:t>2</a:t>
-                </a:r>
-                <a:r>
-                  <a:rPr lang="zh-CN" altLang="en-US" sz="1200" kern="1200" dirty="0" smtClean="0">
+                  <a:t>1</a:t>
+                </a:r>
+                <a:r>
+                  <a:rPr lang="zh-CN" altLang="en-US" sz="1200" kern="1200" dirty="0">
                     <a:solidFill>
                       <a:schemeClr val="tx1"/>
                     </a:solidFill>
@@ -8107,10 +7987,10 @@
                     <a:ea typeface="+mn-ea"/>
                     <a:cs typeface="+mn-cs"/>
                   </a:rPr>
-                  <a:t>个球就能改变比赛结果</a:t>
-                </a:r>
-                <a:r>
-                  <a:rPr lang="zh-CN" altLang="zh-CN" sz="1200" kern="1200" dirty="0" smtClean="0">
+                  <a:t>到</a:t>
+                </a:r>
+                <a:r>
+                  <a:rPr lang="en-US" altLang="zh-CN" sz="1200" kern="1200" dirty="0">
                     <a:solidFill>
                       <a:schemeClr val="tx1"/>
                     </a:solidFill>
@@ -8119,9 +7999,33 @@
                     <a:ea typeface="+mn-ea"/>
                     <a:cs typeface="+mn-cs"/>
                   </a:rPr>
+                  <a:t>2</a:t>
+                </a:r>
+                <a:r>
+                  <a:rPr lang="zh-CN" altLang="en-US" sz="1200" kern="1200" dirty="0">
+                    <a:solidFill>
+                      <a:schemeClr val="tx1"/>
+                    </a:solidFill>
+                    <a:effectLst/>
+                    <a:latin typeface="+mn-lt"/>
+                    <a:ea typeface="+mn-ea"/>
+                    <a:cs typeface="+mn-cs"/>
+                  </a:rPr>
+                  <a:t>个球就能改变比赛结果</a:t>
+                </a:r>
+                <a:r>
+                  <a:rPr lang="zh-CN" altLang="zh-CN" sz="1200" kern="1200" dirty="0">
+                    <a:solidFill>
+                      <a:schemeClr val="tx1"/>
+                    </a:solidFill>
+                    <a:effectLst/>
+                    <a:latin typeface="+mn-lt"/>
+                    <a:ea typeface="+mn-ea"/>
+                    <a:cs typeface="+mn-cs"/>
+                  </a:rPr>
                   <a:t>。</a:t>
                 </a:r>
-                <a:endParaRPr lang="en-US" altLang="zh-CN" sz="1200" kern="1200" dirty="0" smtClean="0">
+                <a:endParaRPr lang="en-US" altLang="zh-CN" sz="1200" kern="1200" dirty="0">
                   <a:solidFill>
                     <a:schemeClr val="tx1"/>
                   </a:solidFill>
@@ -8132,7 +8036,7 @@
                 </a:endParaRPr>
               </a:p>
               <a:p>
-                <a:endParaRPr lang="en-US" altLang="zh-CN" sz="1200" kern="1200" dirty="0" smtClean="0">
+                <a:endParaRPr lang="en-US" altLang="zh-CN" sz="1200" kern="1200" dirty="0">
                   <a:solidFill>
                     <a:schemeClr val="tx1"/>
                   </a:solidFill>
@@ -8144,7 +8048,7 @@
               </a:p>
               <a:p>
                 <a:r>
-                  <a:rPr lang="zh-CN" altLang="en-US" sz="1200" kern="1200" dirty="0" smtClean="0">
+                  <a:rPr lang="zh-CN" altLang="en-US" sz="1200" kern="1200" dirty="0">
                     <a:solidFill>
                       <a:schemeClr val="tx1"/>
                     </a:solidFill>
@@ -8156,7 +8060,7 @@
                   <a:t>在图上有</a:t>
                 </a:r>
                 <a:r>
-                  <a:rPr lang="en-US" altLang="zh-CN" sz="1200" kern="1200" dirty="0" smtClean="0">
+                  <a:rPr lang="en-US" altLang="zh-CN" sz="1200" kern="1200" dirty="0">
                     <a:solidFill>
                       <a:schemeClr val="tx1"/>
                     </a:solidFill>
@@ -8168,7 +8072,7 @@
                   <a:t>2</a:t>
                 </a:r>
                 <a:r>
-                  <a:rPr lang="zh-CN" altLang="en-US" sz="1200" kern="1200" dirty="0" smtClean="0">
+                  <a:rPr lang="zh-CN" altLang="en-US" sz="1200" kern="1200" dirty="0">
                     <a:solidFill>
                       <a:schemeClr val="tx1"/>
                     </a:solidFill>
@@ -8180,7 +8084,7 @@
                   <a:t>个异常点</a:t>
                 </a:r>
                 <a:r>
-                  <a:rPr lang="en-US" altLang="zh-CN" sz="1200" kern="1200" dirty="0" smtClean="0">
+                  <a:rPr lang="en-US" altLang="zh-CN" sz="1200" kern="1200" dirty="0">
                     <a:solidFill>
                       <a:schemeClr val="tx1"/>
                     </a:solidFill>
@@ -8192,7 +8096,7 @@
                   <a:t>,</a:t>
                 </a:r>
                 <a:r>
-                  <a:rPr lang="zh-CN" altLang="en-US" sz="1200" kern="1200" dirty="0" smtClean="0">
+                  <a:rPr lang="zh-CN" altLang="en-US" sz="1200" kern="1200" dirty="0">
                     <a:solidFill>
                       <a:schemeClr val="tx1"/>
                     </a:solidFill>
@@ -8204,7 +8108,7 @@
                   <a:t>出现的原因是这两年加纳和阿尔及利亚足球联赛出现了球员伤亡的事件</a:t>
                 </a:r>
                 <a:r>
-                  <a:rPr lang="en-US" altLang="zh-CN" sz="1200" kern="1200" dirty="0" smtClean="0">
+                  <a:rPr lang="en-US" altLang="zh-CN" sz="1200" kern="1200" dirty="0">
                     <a:solidFill>
                       <a:schemeClr val="tx1"/>
                     </a:solidFill>
@@ -8216,7 +8120,7 @@
                   <a:t>,</a:t>
                 </a:r>
                 <a:r>
-                  <a:rPr lang="zh-CN" altLang="en-US" sz="1200" kern="1200" dirty="0" smtClean="0">
+                  <a:rPr lang="zh-CN" altLang="en-US" sz="1200" kern="1200" dirty="0">
                     <a:solidFill>
                       <a:schemeClr val="tx1"/>
                     </a:solidFill>
@@ -8228,7 +8132,7 @@
                   <a:t>导致整个赛季的比赛结果异常</a:t>
                 </a:r>
                 <a:r>
-                  <a:rPr lang="en-US" altLang="zh-CN" sz="1200" kern="1200" dirty="0" smtClean="0">
+                  <a:rPr lang="en-US" altLang="zh-CN" sz="1200" kern="1200" dirty="0">
                     <a:solidFill>
                       <a:schemeClr val="tx1"/>
                     </a:solidFill>
@@ -8240,7 +8144,7 @@
                   <a:t>,</a:t>
                 </a:r>
                 <a:r>
-                  <a:rPr lang="zh-CN" altLang="en-US" sz="1200" kern="1200" dirty="0" smtClean="0">
+                  <a:rPr lang="zh-CN" altLang="en-US" sz="1200" kern="1200" dirty="0">
                     <a:solidFill>
                       <a:schemeClr val="tx1"/>
                     </a:solidFill>
@@ -8252,7 +8156,7 @@
                   <a:t>各个球队的比赛结果非常接近</a:t>
                 </a:r>
                 <a:r>
-                  <a:rPr lang="en-US" altLang="zh-CN" sz="1200" kern="1200" dirty="0" smtClean="0">
+                  <a:rPr lang="en-US" altLang="zh-CN" sz="1200" kern="1200" dirty="0">
                     <a:solidFill>
                       <a:schemeClr val="tx1"/>
                     </a:solidFill>
@@ -8264,7 +8168,7 @@
                   <a:t>,S</a:t>
                 </a:r>
                 <a:r>
-                  <a:rPr lang="zh-CN" altLang="en-US" sz="1200" kern="1200" dirty="0" smtClean="0">
+                  <a:rPr lang="zh-CN" altLang="en-US" sz="1200" kern="1200" dirty="0">
                     <a:solidFill>
                       <a:schemeClr val="tx1"/>
                     </a:solidFill>
@@ -8276,7 +8180,7 @@
                   <a:t>的方差非常小</a:t>
                 </a:r>
                 <a:r>
-                  <a:rPr lang="en-US" altLang="zh-CN" sz="1200" kern="1200" dirty="0" smtClean="0">
+                  <a:rPr lang="en-US" altLang="zh-CN" sz="1200" kern="1200" dirty="0">
                     <a:solidFill>
                       <a:schemeClr val="tx1"/>
                     </a:solidFill>
@@ -8288,7 +8192,7 @@
                   <a:t>,</a:t>
                 </a:r>
                 <a:r>
-                  <a:rPr lang="zh-CN" altLang="en-US" sz="1200" kern="1200" dirty="0" smtClean="0">
+                  <a:rPr lang="zh-CN" altLang="en-US" sz="1200" kern="1200" dirty="0">
                     <a:solidFill>
                       <a:schemeClr val="tx1"/>
                     </a:solidFill>
@@ -8313,7 +8217,7 @@
                   </m:oMath>
                 </a14:m>
                 <a:r>
-                  <a:rPr lang="zh-CN" altLang="en-US" sz="1200" kern="1200" dirty="0" smtClean="0">
+                  <a:rPr lang="zh-CN" altLang="en-US" sz="1200" kern="1200" dirty="0">
                     <a:solidFill>
                       <a:schemeClr val="tx1"/>
                     </a:solidFill>
@@ -8325,7 +8229,7 @@
                   <a:t>小于</a:t>
                 </a:r>
                 <a:r>
-                  <a:rPr lang="en-US" altLang="zh-CN" sz="1200" kern="1200" dirty="0" smtClean="0">
+                  <a:rPr lang="en-US" altLang="zh-CN" sz="1200" kern="1200" dirty="0">
                     <a:solidFill>
                       <a:schemeClr val="tx1"/>
                     </a:solidFill>
@@ -13481,25 +13385,11 @@
           <a:lstStyle/>
           <a:p>
             <a:r>
-              <a:rPr lang="en-US" altLang="zh-CN" sz="4400" dirty="0" smtClean="0">
-                <a:latin typeface="微软雅黑" panose="020B0503020204020204" pitchFamily="34" charset="-122"/>
-                <a:ea typeface="微软雅黑" panose="020B0503020204020204" pitchFamily="34" charset="-122"/>
-              </a:rPr>
-              <a:t>Teams are removed </a:t>
-            </a:r>
-            <a:r>
               <a:rPr lang="en-US" altLang="zh-CN" sz="4400" dirty="0">
                 <a:latin typeface="微软雅黑" panose="020B0503020204020204" pitchFamily="34" charset="-122"/>
                 <a:ea typeface="微软雅黑" panose="020B0503020204020204" pitchFamily="34" charset="-122"/>
               </a:rPr>
-              <a:t>to make it </a:t>
-            </a:r>
-            <a:r>
-              <a:rPr lang="en-US" altLang="zh-CN" sz="4400" dirty="0" smtClean="0">
-                <a:latin typeface="微软雅黑" panose="020B0503020204020204" pitchFamily="34" charset="-122"/>
-                <a:ea typeface="微软雅黑" panose="020B0503020204020204" pitchFamily="34" charset="-122"/>
-              </a:rPr>
-              <a:t>random</a:t>
+              <a:t>Teams are removed to make it random</a:t>
             </a:r>
             <a:endParaRPr lang="zh-CN" altLang="en-US" sz="4400" dirty="0">
               <a:latin typeface="微软雅黑" panose="020B0503020204020204" pitchFamily="34" charset="-122"/>
@@ -14776,38 +14666,31 @@
           <a:lstStyle/>
           <a:p>
             <a:r>
-              <a:rPr lang="zh-CN" altLang="en-US" sz="4400" dirty="0" smtClean="0">
+              <a:rPr lang="zh-CN" altLang="en-US" sz="4400" dirty="0">
                 <a:latin typeface="微软雅黑" panose="020B0503020204020204" pitchFamily="34" charset="-122"/>
                 <a:ea typeface="微软雅黑" panose="020B0503020204020204" pitchFamily="34" charset="-122"/>
               </a:rPr>
               <a:t>附录</a:t>
             </a:r>
             <a:r>
-              <a:rPr lang="en-US" altLang="zh-CN" sz="4400" dirty="0" smtClean="0">
+              <a:rPr lang="en-US" altLang="zh-CN" sz="4400" dirty="0">
                 <a:latin typeface="微软雅黑" panose="020B0503020204020204" pitchFamily="34" charset="-122"/>
                 <a:ea typeface="微软雅黑" panose="020B0503020204020204" pitchFamily="34" charset="-122"/>
               </a:rPr>
               <a:t>:</a:t>
             </a:r>
             <a:br>
-              <a:rPr lang="en-US" altLang="zh-CN" sz="4400" dirty="0" smtClean="0">
+              <a:rPr lang="en-US" altLang="zh-CN" sz="4400" dirty="0">
                 <a:latin typeface="微软雅黑" panose="020B0503020204020204" pitchFamily="34" charset="-122"/>
                 <a:ea typeface="微软雅黑" panose="020B0503020204020204" pitchFamily="34" charset="-122"/>
               </a:rPr>
             </a:br>
             <a:r>
-              <a:rPr lang="en-US" altLang="zh-CN" sz="4400" dirty="0" smtClean="0">
-                <a:latin typeface="微软雅黑" panose="020B0503020204020204" pitchFamily="34" charset="-122"/>
-                <a:ea typeface="微软雅黑" panose="020B0503020204020204" pitchFamily="34" charset="-122"/>
-              </a:rPr>
-              <a:t>Skill </a:t>
-            </a:r>
-            <a:r>
               <a:rPr lang="en-US" altLang="zh-CN" sz="4400" dirty="0">
                 <a:latin typeface="微软雅黑" panose="020B0503020204020204" pitchFamily="34" charset="-122"/>
                 <a:ea typeface="微软雅黑" panose="020B0503020204020204" pitchFamily="34" charset="-122"/>
               </a:rPr>
-              <a:t>estimation</a:t>
+              <a:t>Skill estimation</a:t>
             </a:r>
             <a:endParaRPr lang="zh-CN" altLang="en-US" sz="4400" dirty="0">
               <a:latin typeface="微软雅黑" panose="020B0503020204020204" pitchFamily="34" charset="-122"/>
@@ -15097,7 +14980,7 @@
                   <a:buNone/>
                 </a:pPr>
                 <a:r>
-                  <a:rPr lang="en-US" altLang="zh-CN" sz="2800" dirty="0" smtClean="0">
+                  <a:rPr lang="en-US" altLang="zh-CN" sz="2800" dirty="0">
                     <a:latin typeface="微软雅黑" panose="020B0503020204020204" pitchFamily="34" charset="-122"/>
                     <a:ea typeface="微软雅黑" panose="020B0503020204020204" pitchFamily="34" charset="-122"/>
                     <a:cs typeface="Times New Roman" panose="02020603050405020304" pitchFamily="18" charset="0"/>
@@ -15236,18 +15119,13 @@
                   </m:oMath>
                 </a14:m>
                 <a:r>
-                  <a:rPr lang="en-US" altLang="zh-CN" sz="2800" dirty="0" smtClean="0">
+                  <a:rPr lang="en-US" altLang="zh-CN" sz="2800" dirty="0">
                     <a:latin typeface="微软雅黑" panose="020B0503020204020204" pitchFamily="34" charset="-122"/>
                     <a:ea typeface="微软雅黑" panose="020B0503020204020204" pitchFamily="34" charset="-122"/>
                     <a:cs typeface="Times New Roman" panose="02020603050405020304" pitchFamily="18" charset="0"/>
                   </a:rPr>
                   <a:t> positive real numbers</a:t>
                 </a:r>
-                <a:endParaRPr lang="en-US" altLang="zh-CN" sz="2800" dirty="0">
-                  <a:latin typeface="微软雅黑" panose="020B0503020204020204" pitchFamily="34" charset="-122"/>
-                  <a:ea typeface="微软雅黑" panose="020B0503020204020204" pitchFamily="34" charset="-122"/>
-                  <a:cs typeface="Times New Roman" panose="02020603050405020304" pitchFamily="18" charset="0"/>
-                </a:endParaRPr>
               </a:p>
               <a:p>
                 <a:pPr marL="0" indent="0">
@@ -15257,7 +15135,7 @@
                   <a:buNone/>
                 </a:pPr>
                 <a:r>
-                  <a:rPr lang="en-US" altLang="zh-CN" sz="2800" dirty="0" smtClean="0">
+                  <a:rPr lang="en-US" altLang="zh-CN" sz="2800" dirty="0">
                     <a:latin typeface="微软雅黑" panose="020B0503020204020204" pitchFamily="34" charset="-122"/>
                     <a:ea typeface="微软雅黑" panose="020B0503020204020204" pitchFamily="34" charset="-122"/>
                     <a:cs typeface="Times New Roman" panose="02020603050405020304" pitchFamily="18" charset="0"/>
@@ -15265,7 +15143,7 @@
                   <a:t>Bradley-Terry: probability of team </a:t>
                 </a:r>
                 <a:r>
-                  <a:rPr lang="en-US" altLang="zh-CN" sz="2800" dirty="0" err="1" smtClean="0">
+                  <a:rPr lang="en-US" altLang="zh-CN" sz="2800" dirty="0" err="1">
                     <a:latin typeface="微软雅黑" panose="020B0503020204020204" pitchFamily="34" charset="-122"/>
                     <a:ea typeface="微软雅黑" panose="020B0503020204020204" pitchFamily="34" charset="-122"/>
                     <a:cs typeface="Times New Roman" panose="02020603050405020304" pitchFamily="18" charset="0"/>
@@ -15273,7 +15151,7 @@
                   <a:t>i</a:t>
                 </a:r>
                 <a:r>
-                  <a:rPr lang="en-US" altLang="zh-CN" sz="2800" dirty="0" smtClean="0">
+                  <a:rPr lang="en-US" altLang="zh-CN" sz="2800" dirty="0">
                     <a:latin typeface="微软雅黑" panose="020B0503020204020204" pitchFamily="34" charset="-122"/>
                     <a:ea typeface="微软雅黑" panose="020B0503020204020204" pitchFamily="34" charset="-122"/>
                     <a:cs typeface="Times New Roman" panose="02020603050405020304" pitchFamily="18" charset="0"/>
@@ -15454,7 +15332,7 @@
                     </m:f>
                   </m:oMath>
                 </a14:m>
-                <a:endParaRPr lang="en-US" altLang="zh-CN" sz="2800" dirty="0" smtClean="0">
+                <a:endParaRPr lang="en-US" altLang="zh-CN" sz="2800" dirty="0">
                   <a:latin typeface="微软雅黑" panose="020B0503020204020204" pitchFamily="34" charset="-122"/>
                   <a:ea typeface="微软雅黑" panose="020B0503020204020204" pitchFamily="34" charset="-122"/>
                   <a:cs typeface="Times New Roman" panose="02020603050405020304" pitchFamily="18" charset="0"/>
@@ -15474,7 +15352,7 @@
                   <a:buNone/>
                 </a:pPr>
                 <a:r>
-                  <a:rPr lang="en-US" altLang="zh-CN" sz="2800" dirty="0" smtClean="0">
+                  <a:rPr lang="en-US" altLang="zh-CN" sz="2800" dirty="0">
                     <a:latin typeface="微软雅黑" panose="020B0503020204020204" pitchFamily="34" charset="-122"/>
                     <a:ea typeface="微软雅黑" panose="020B0503020204020204" pitchFamily="34" charset="-122"/>
                     <a:cs typeface="Times New Roman" panose="02020603050405020304" pitchFamily="18" charset="0"/>
@@ -15494,28 +15372,12 @@
                   </m:oMath>
                 </a14:m>
                 <a:r>
-                  <a:rPr lang="en-US" altLang="zh-CN" sz="2800" dirty="0" smtClean="0">
-                    <a:latin typeface="微软雅黑" panose="020B0503020204020204" pitchFamily="34" charset="-122"/>
-                    <a:ea typeface="微软雅黑" panose="020B0503020204020204" pitchFamily="34" charset="-122"/>
-                    <a:cs typeface="Times New Roman" panose="02020603050405020304" pitchFamily="18" charset="0"/>
-                  </a:rPr>
-                  <a:t> values log-linearly depend on </a:t>
-                </a:r>
-                <a:r>
                   <a:rPr lang="en-US" altLang="zh-CN" sz="2800" dirty="0">
                     <a:latin typeface="微软雅黑" panose="020B0503020204020204" pitchFamily="34" charset="-122"/>
                     <a:ea typeface="微软雅黑" panose="020B0503020204020204" pitchFamily="34" charset="-122"/>
                     <a:cs typeface="Times New Roman" panose="02020603050405020304" pitchFamily="18" charset="0"/>
                   </a:rPr>
-                  <a:t>f</a:t>
-                </a:r>
-                <a:r>
-                  <a:rPr lang="en-US" altLang="zh-CN" sz="2800" dirty="0" smtClean="0">
-                    <a:latin typeface="微软雅黑" panose="020B0503020204020204" pitchFamily="34" charset="-122"/>
-                    <a:ea typeface="微软雅黑" panose="020B0503020204020204" pitchFamily="34" charset="-122"/>
-                    <a:cs typeface="Times New Roman" panose="02020603050405020304" pitchFamily="18" charset="0"/>
-                  </a:rPr>
-                  <a:t>eatures:</a:t>
+                  <a:t> values log-linearly depend on features:</a:t>
                 </a:r>
               </a:p>
               <a:p>
@@ -15801,7 +15663,7 @@
                     </m:sSub>
                   </m:oMath>
                 </a14:m>
-                <a:endParaRPr lang="en-US" altLang="zh-CN" sz="2800" b="0" dirty="0" smtClean="0">
+                <a:endParaRPr lang="en-US" altLang="zh-CN" sz="2800" b="0" dirty="0">
                   <a:latin typeface="微软雅黑" panose="020B0503020204020204" pitchFamily="34" charset="-122"/>
                   <a:ea typeface="微软雅黑" panose="020B0503020204020204" pitchFamily="34" charset="-122"/>
                   <a:cs typeface="Times New Roman" panose="02020603050405020304" pitchFamily="18" charset="0"/>
@@ -15857,7 +15719,7 @@
                   </m:oMath>
                 </a14:m>
                 <a:r>
-                  <a:rPr lang="en-US" altLang="zh-CN" sz="2800" b="0" dirty="0" smtClean="0">
+                  <a:rPr lang="en-US" altLang="zh-CN" sz="2800" b="0" dirty="0">
                     <a:latin typeface="微软雅黑" panose="020B0503020204020204" pitchFamily="34" charset="-122"/>
                     <a:ea typeface="微软雅黑" panose="020B0503020204020204" pitchFamily="34" charset="-122"/>
                     <a:cs typeface="Times New Roman" panose="02020603050405020304" pitchFamily="18" charset="0"/>
@@ -15892,7 +15754,7 @@
                   </m:oMath>
                 </a14:m>
                 <a:r>
-                  <a:rPr lang="en-US" altLang="zh-CN" sz="2800" b="0" dirty="0" smtClean="0">
+                  <a:rPr lang="en-US" altLang="zh-CN" sz="2800" b="0" dirty="0">
                     <a:latin typeface="微软雅黑" panose="020B0503020204020204" pitchFamily="34" charset="-122"/>
                     <a:ea typeface="微软雅黑" panose="020B0503020204020204" pitchFamily="34" charset="-122"/>
                     <a:cs typeface="Times New Roman" panose="02020603050405020304" pitchFamily="18" charset="0"/>
@@ -15934,7 +15796,7 @@
                     </m:sSub>
                   </m:oMath>
                 </a14:m>
-                <a:endParaRPr lang="en-US" altLang="zh-CN" sz="2800" b="0" dirty="0" smtClean="0">
+                <a:endParaRPr lang="en-US" altLang="zh-CN" sz="2800" b="0" dirty="0">
                   <a:latin typeface="微软雅黑" panose="020B0503020204020204" pitchFamily="34" charset="-122"/>
                   <a:ea typeface="微软雅黑" panose="020B0503020204020204" pitchFamily="34" charset="-122"/>
                   <a:cs typeface="Times New Roman" panose="02020603050405020304" pitchFamily="18" charset="0"/>
@@ -15953,7 +15815,7 @@
                   </a:spcAft>
                   <a:buNone/>
                 </a:pPr>
-                <a:endParaRPr lang="en-US" altLang="zh-CN" sz="2800" dirty="0" smtClean="0">
+                <a:endParaRPr lang="en-US" altLang="zh-CN" sz="2800" dirty="0">
                   <a:latin typeface="微软雅黑" panose="020B0503020204020204" pitchFamily="34" charset="-122"/>
                   <a:ea typeface="微软雅黑" panose="020B0503020204020204" pitchFamily="34" charset="-122"/>
                   <a:cs typeface="Times New Roman" panose="02020603050405020304" pitchFamily="18" charset="0"/>
@@ -16109,11 +15971,11 @@
   <p:clrMapOvr>
     <a:masterClrMapping/>
   </p:clrMapOvr>
-  <mc:AlternateContent xmlns:mc="http://schemas.openxmlformats.org/markup-compatibility/2006" xmlns:p14="http://schemas.microsoft.com/office/powerpoint/2010/main">
-    <mc:Choice Requires="p14">
+  <mc:AlternateContent xmlns:mc="http://schemas.openxmlformats.org/markup-compatibility/2006">
+    <mc:Choice xmlns:p14="http://schemas.microsoft.com/office/powerpoint/2010/main" Requires="p14">
       <p:transition spd="slow" p14:dur="2000"/>
     </mc:Choice>
-    <mc:Fallback xmlns="">
+    <mc:Fallback>
       <p:transition spd="slow"/>
     </mc:Fallback>
   </mc:AlternateContent>
@@ -16155,38 +16017,31 @@
           <a:lstStyle/>
           <a:p>
             <a:r>
-              <a:rPr lang="zh-CN" altLang="en-US" sz="4400" dirty="0" smtClean="0">
+              <a:rPr lang="zh-CN" altLang="en-US" sz="4400" dirty="0">
                 <a:latin typeface="微软雅黑" panose="020B0503020204020204" pitchFamily="34" charset="-122"/>
                 <a:ea typeface="微软雅黑" panose="020B0503020204020204" pitchFamily="34" charset="-122"/>
               </a:rPr>
               <a:t>附录</a:t>
             </a:r>
             <a:r>
-              <a:rPr lang="en-US" altLang="zh-CN" sz="4400" dirty="0" smtClean="0">
+              <a:rPr lang="en-US" altLang="zh-CN" sz="4400" dirty="0">
                 <a:latin typeface="微软雅黑" panose="020B0503020204020204" pitchFamily="34" charset="-122"/>
                 <a:ea typeface="微软雅黑" panose="020B0503020204020204" pitchFamily="34" charset="-122"/>
               </a:rPr>
               <a:t>:</a:t>
             </a:r>
             <a:br>
-              <a:rPr lang="en-US" altLang="zh-CN" sz="4400" dirty="0" smtClean="0">
+              <a:rPr lang="en-US" altLang="zh-CN" sz="4400" dirty="0">
                 <a:latin typeface="微软雅黑" panose="020B0503020204020204" pitchFamily="34" charset="-122"/>
                 <a:ea typeface="微软雅黑" panose="020B0503020204020204" pitchFamily="34" charset="-122"/>
               </a:rPr>
             </a:br>
             <a:r>
-              <a:rPr lang="en-US" altLang="zh-CN" sz="4400" dirty="0" smtClean="0">
-                <a:latin typeface="微软雅黑" panose="020B0503020204020204" pitchFamily="34" charset="-122"/>
-                <a:ea typeface="微软雅黑" panose="020B0503020204020204" pitchFamily="34" charset="-122"/>
-              </a:rPr>
-              <a:t>Skill </a:t>
-            </a:r>
-            <a:r>
               <a:rPr lang="en-US" altLang="zh-CN" sz="4400" dirty="0">
                 <a:latin typeface="微软雅黑" panose="020B0503020204020204" pitchFamily="34" charset="-122"/>
                 <a:ea typeface="微软雅黑" panose="020B0503020204020204" pitchFamily="34" charset="-122"/>
               </a:rPr>
-              <a:t>estimation</a:t>
+              <a:t>Skill estimation</a:t>
             </a:r>
             <a:endParaRPr lang="zh-CN" altLang="en-US" sz="4400" dirty="0">
               <a:latin typeface="微软雅黑" panose="020B0503020204020204" pitchFamily="34" charset="-122"/>
@@ -16476,7 +16331,7 @@
                   <a:buNone/>
                 </a:pPr>
                 <a:r>
-                  <a:rPr lang="en-US" altLang="zh-CN" sz="2800" dirty="0" smtClean="0">
+                  <a:rPr lang="en-US" altLang="zh-CN" sz="2800" dirty="0">
                     <a:latin typeface="微软雅黑" panose="020B0503020204020204" pitchFamily="34" charset="-122"/>
                     <a:ea typeface="微软雅黑" panose="020B0503020204020204" pitchFamily="34" charset="-122"/>
                     <a:cs typeface="Times New Roman" panose="02020603050405020304" pitchFamily="18" charset="0"/>
@@ -16534,7 +16389,7 @@
                   </m:oMath>
                 </a14:m>
                 <a:r>
-                  <a:rPr lang="en-US" altLang="zh-CN" sz="2800" dirty="0" smtClean="0">
+                  <a:rPr lang="en-US" altLang="zh-CN" sz="2800" dirty="0">
                     <a:latin typeface="微软雅黑" panose="020B0503020204020204" pitchFamily="34" charset="-122"/>
                     <a:ea typeface="微软雅黑" panose="020B0503020204020204" pitchFamily="34" charset="-122"/>
                     <a:cs typeface="Times New Roman" panose="02020603050405020304" pitchFamily="18" charset="0"/>
@@ -16557,18 +16412,13 @@
                   <a:buChar char="Ø"/>
                 </a:pPr>
                 <a:r>
-                  <a:rPr lang="en-US" altLang="zh-CN" sz="2600" dirty="0" smtClean="0">
+                  <a:rPr lang="en-US" altLang="zh-CN" sz="2600" dirty="0">
                     <a:latin typeface="微软雅黑" panose="020B0503020204020204" pitchFamily="34" charset="-122"/>
                     <a:ea typeface="微软雅黑" panose="020B0503020204020204" pitchFamily="34" charset="-122"/>
                     <a:cs typeface="Times New Roman" panose="02020603050405020304" pitchFamily="18" charset="0"/>
                   </a:rPr>
                   <a:t>Computationally intractable</a:t>
                 </a:r>
-                <a:endParaRPr lang="en-US" altLang="zh-CN" sz="2600" dirty="0">
-                  <a:latin typeface="微软雅黑" panose="020B0503020204020204" pitchFamily="34" charset="-122"/>
-                  <a:ea typeface="微软雅黑" panose="020B0503020204020204" pitchFamily="34" charset="-122"/>
-                  <a:cs typeface="Times New Roman" panose="02020603050405020304" pitchFamily="18" charset="0"/>
-                </a:endParaRPr>
               </a:p>
               <a:p>
                 <a:pPr marL="0" indent="0">
@@ -16578,7 +16428,7 @@
                   <a:buNone/>
                 </a:pPr>
                 <a:r>
-                  <a:rPr lang="en-US" altLang="zh-CN" sz="2800" dirty="0" smtClean="0">
+                  <a:rPr lang="en-US" altLang="zh-CN" sz="2800" dirty="0">
                     <a:latin typeface="微软雅黑" panose="020B0503020204020204" pitchFamily="34" charset="-122"/>
                     <a:ea typeface="微软雅黑" panose="020B0503020204020204" pitchFamily="34" charset="-122"/>
                     <a:cs typeface="Times New Roman" panose="02020603050405020304" pitchFamily="18" charset="0"/>
@@ -16928,7 +16778,7 @@
                     </m:oMath>
                   </m:oMathPara>
                 </a14:m>
-                <a:endParaRPr lang="en-US" altLang="zh-CN" sz="2800" dirty="0" smtClean="0">
+                <a:endParaRPr lang="en-US" altLang="zh-CN" sz="2800" dirty="0">
                   <a:latin typeface="微软雅黑" panose="020B0503020204020204" pitchFamily="34" charset="-122"/>
                   <a:ea typeface="微软雅黑" panose="020B0503020204020204" pitchFamily="34" charset="-122"/>
                   <a:cs typeface="Times New Roman" panose="02020603050405020304" pitchFamily="18" charset="0"/>
@@ -16949,20 +16799,12 @@
                   <a:buChar char="Ø"/>
                 </a:pPr>
                 <a:r>
-                  <a:rPr lang="en-US" altLang="zh-CN" sz="2800" dirty="0" smtClean="0">
-                    <a:latin typeface="微软雅黑" panose="020B0503020204020204" pitchFamily="34" charset="-122"/>
-                    <a:ea typeface="微软雅黑" panose="020B0503020204020204" pitchFamily="34" charset="-122"/>
-                    <a:cs typeface="Times New Roman" panose="02020603050405020304" pitchFamily="18" charset="0"/>
-                  </a:rPr>
-                  <a:t>Random </a:t>
-                </a:r>
-                <a:r>
                   <a:rPr lang="en-US" altLang="zh-CN" sz="2800" dirty="0">
                     <a:latin typeface="微软雅黑" panose="020B0503020204020204" pitchFamily="34" charset="-122"/>
                     <a:ea typeface="微软雅黑" panose="020B0503020204020204" pitchFamily="34" charset="-122"/>
                     <a:cs typeface="Times New Roman" panose="02020603050405020304" pitchFamily="18" charset="0"/>
                   </a:rPr>
-                  <a:t>effect </a:t>
+                  <a:t>Random effect </a:t>
                 </a:r>
                 <a14:m>
                   <m:oMath xmlns:m="http://schemas.openxmlformats.org/officeDocument/2006/math">
@@ -17005,37 +16847,8 @@
                     <a:ea typeface="微软雅黑" panose="020B0503020204020204" pitchFamily="34" charset="-122"/>
                     <a:cs typeface="Times New Roman" panose="02020603050405020304" pitchFamily="18" charset="0"/>
                   </a:rPr>
-                  <a:t> </a:t>
-                </a:r>
-                <a:r>
-                  <a:rPr lang="en-US" altLang="zh-CN" sz="2800" dirty="0" smtClean="0">
-                    <a:latin typeface="微软雅黑" panose="020B0503020204020204" pitchFamily="34" charset="-122"/>
-                    <a:ea typeface="微软雅黑" panose="020B0503020204020204" pitchFamily="34" charset="-122"/>
-                    <a:cs typeface="Times New Roman" panose="02020603050405020304" pitchFamily="18" charset="0"/>
-                  </a:rPr>
-                  <a:t>in </a:t>
-                </a:r>
-                <a:r>
-                  <a:rPr lang="en-US" altLang="zh-CN" sz="2800" dirty="0">
-                    <a:latin typeface="微软雅黑" panose="020B0503020204020204" pitchFamily="34" charset="-122"/>
-                    <a:ea typeface="微软雅黑" panose="020B0503020204020204" pitchFamily="34" charset="-122"/>
-                    <a:cs typeface="Times New Roman" panose="02020603050405020304" pitchFamily="18" charset="0"/>
-                  </a:rPr>
-                  <a:t>each </a:t>
-                </a:r>
-                <a:r>
-                  <a:rPr lang="en-US" altLang="zh-CN" sz="2800" dirty="0" smtClean="0">
-                    <a:latin typeface="微软雅黑" panose="020B0503020204020204" pitchFamily="34" charset="-122"/>
-                    <a:ea typeface="微软雅黑" panose="020B0503020204020204" pitchFamily="34" charset="-122"/>
-                    <a:cs typeface="Times New Roman" panose="02020603050405020304" pitchFamily="18" charset="0"/>
-                  </a:rPr>
-                  <a:t>game</a:t>
-                </a:r>
-                <a:endParaRPr lang="en-US" altLang="zh-CN" sz="2800" dirty="0">
-                  <a:latin typeface="微软雅黑" panose="020B0503020204020204" pitchFamily="34" charset="-122"/>
-                  <a:ea typeface="微软雅黑" panose="020B0503020204020204" pitchFamily="34" charset="-122"/>
-                  <a:cs typeface="Times New Roman" panose="02020603050405020304" pitchFamily="18" charset="0"/>
-                </a:endParaRPr>
+                  <a:t> in each game</a:t>
+                </a:r>
               </a:p>
             </p:txBody>
           </p:sp>
@@ -17187,11 +17000,11 @@
   <p:clrMapOvr>
     <a:masterClrMapping/>
   </p:clrMapOvr>
-  <mc:AlternateContent xmlns:mc="http://schemas.openxmlformats.org/markup-compatibility/2006" xmlns:p14="http://schemas.microsoft.com/office/powerpoint/2010/main">
-    <mc:Choice Requires="p14">
+  <mc:AlternateContent xmlns:mc="http://schemas.openxmlformats.org/markup-compatibility/2006">
+    <mc:Choice xmlns:p14="http://schemas.microsoft.com/office/powerpoint/2010/main" Requires="p14">
       <p:transition spd="slow" p14:dur="2000"/>
     </mc:Choice>
-    <mc:Fallback xmlns="">
+    <mc:Fallback>
       <p:transition spd="slow"/>
     </mc:Fallback>
   </mc:AlternateContent>
@@ -17233,25 +17046,18 @@
           <a:lstStyle/>
           <a:p>
             <a:r>
-              <a:rPr lang="zh-CN" altLang="en-US" sz="4400" dirty="0" smtClean="0">
+              <a:rPr lang="zh-CN" altLang="en-US" sz="4400" dirty="0">
                 <a:latin typeface="微软雅黑" panose="020B0503020204020204" pitchFamily="34" charset="-122"/>
                 <a:ea typeface="微软雅黑" panose="020B0503020204020204" pitchFamily="34" charset="-122"/>
               </a:rPr>
               <a:t>附录</a:t>
             </a:r>
             <a:r>
-              <a:rPr lang="en-US" altLang="zh-CN" sz="4400" dirty="0" smtClean="0">
+              <a:rPr lang="en-US" altLang="zh-CN" sz="4400" dirty="0">
                 <a:latin typeface="微软雅黑" panose="020B0503020204020204" pitchFamily="34" charset="-122"/>
                 <a:ea typeface="微软雅黑" panose="020B0503020204020204" pitchFamily="34" charset="-122"/>
               </a:rPr>
               <a:t>:</a:t>
-            </a:r>
-            <a:r>
-              <a:rPr lang="en-US" altLang="zh-CN" sz="4400" dirty="0">
-                <a:latin typeface="微软雅黑" panose="020B0503020204020204" pitchFamily="34" charset="-122"/>
-                <a:ea typeface="微软雅黑" panose="020B0503020204020204" pitchFamily="34" charset="-122"/>
-              </a:rPr>
-              <a:t/>
             </a:r>
             <a:br>
               <a:rPr lang="en-US" altLang="zh-CN" sz="4400" dirty="0">
@@ -17264,14 +17070,7 @@
                 <a:latin typeface="微软雅黑" panose="020B0503020204020204" pitchFamily="34" charset="-122"/>
                 <a:ea typeface="微软雅黑" panose="020B0503020204020204" pitchFamily="34" charset="-122"/>
               </a:rPr>
-              <a:t>Skill </a:t>
-            </a:r>
-            <a:r>
-              <a:rPr lang="en-US" altLang="zh-CN" sz="4400" dirty="0" smtClean="0">
-                <a:latin typeface="微软雅黑" panose="020B0503020204020204" pitchFamily="34" charset="-122"/>
-                <a:ea typeface="微软雅黑" panose="020B0503020204020204" pitchFamily="34" charset="-122"/>
-              </a:rPr>
-              <a:t>estimation</a:t>
+              <a:t>Skill estimation</a:t>
             </a:r>
             <a:endParaRPr lang="zh-CN" altLang="en-US" sz="4400" dirty="0"/>
           </a:p>
@@ -18829,35 +18628,7 @@
                 <a:latin typeface="微软雅黑" panose="020B0503020204020204" pitchFamily="34" charset="-122"/>
                 <a:ea typeface="微软雅黑" panose="020B0503020204020204" pitchFamily="34" charset="-122"/>
               </a:rPr>
-              <a:t>Probabilistic Graphical Model for the </a:t>
-            </a:r>
-            <a:r>
-              <a:rPr lang="en-US" altLang="zh-CN" dirty="0" smtClean="0">
-                <a:latin typeface="微软雅黑" panose="020B0503020204020204" pitchFamily="34" charset="-122"/>
-                <a:ea typeface="微软雅黑" panose="020B0503020204020204" pitchFamily="34" charset="-122"/>
-              </a:rPr>
-              <a:t>Bayesian skills </a:t>
-            </a:r>
-            <a:r>
-              <a:rPr lang="en-US" altLang="zh-CN" dirty="0">
-                <a:latin typeface="微软雅黑" panose="020B0503020204020204" pitchFamily="34" charset="-122"/>
-                <a:ea typeface="微软雅黑" panose="020B0503020204020204" pitchFamily="34" charset="-122"/>
-              </a:rPr>
-              <a:t>model. The number of teams is n and K is the </a:t>
-            </a:r>
-            <a:r>
-              <a:rPr lang="en-US" altLang="zh-CN" dirty="0" smtClean="0">
-                <a:latin typeface="微软雅黑" panose="020B0503020204020204" pitchFamily="34" charset="-122"/>
-                <a:ea typeface="微软雅黑" panose="020B0503020204020204" pitchFamily="34" charset="-122"/>
-              </a:rPr>
-              <a:t>total number </a:t>
-            </a:r>
-            <a:r>
-              <a:rPr lang="en-US" altLang="zh-CN" dirty="0">
-                <a:latin typeface="微软雅黑" panose="020B0503020204020204" pitchFamily="34" charset="-122"/>
-                <a:ea typeface="微软雅黑" panose="020B0503020204020204" pitchFamily="34" charset="-122"/>
-              </a:rPr>
-              <a:t>of matches in the season.</a:t>
+              <a:t>Probabilistic Graphical Model for the Bayesian skills model. The number of teams is n and K is the total number of matches in the season.</a:t>
             </a:r>
             <a:endParaRPr lang="zh-CN" altLang="en-US" dirty="0">
               <a:latin typeface="微软雅黑" panose="020B0503020204020204" pitchFamily="34" charset="-122"/>
@@ -19100,14 +18871,7 @@
                 <a:latin typeface="微软雅黑" panose="020B0503020204020204" pitchFamily="34" charset="-122"/>
                 <a:ea typeface="微软雅黑" panose="020B0503020204020204" pitchFamily="34" charset="-122"/>
               </a:rPr>
-              <a:t>Skill </a:t>
-            </a:r>
-            <a:r>
-              <a:rPr lang="en-US" altLang="zh-CN" dirty="0" smtClean="0">
-                <a:latin typeface="微软雅黑" panose="020B0503020204020204" pitchFamily="34" charset="-122"/>
-                <a:ea typeface="微软雅黑" panose="020B0503020204020204" pitchFamily="34" charset="-122"/>
-              </a:rPr>
-              <a:t>estimation Improvement</a:t>
+              <a:t>Skill estimation Improvement</a:t>
             </a:r>
             <a:endParaRPr lang="zh-CN" altLang="en-US" dirty="0"/>
           </a:p>
@@ -19423,7 +19187,7 @@
                   <a:buChar char="Ø"/>
                 </a:pPr>
                 <a:r>
-                  <a:rPr lang="zh-CN" altLang="en-US" sz="2800" dirty="0" smtClean="0">
+                  <a:rPr lang="zh-CN" altLang="en-US" sz="2800" dirty="0">
                     <a:latin typeface="微软雅黑" panose="020B0503020204020204" pitchFamily="34" charset="-122"/>
                     <a:ea typeface="微软雅黑" panose="020B0503020204020204" pitchFamily="34" charset="-122"/>
                     <a:cs typeface="Times New Roman" panose="02020603050405020304" pitchFamily="18" charset="0"/>
@@ -19446,7 +19210,7 @@
                   </m:oMath>
                 </a14:m>
                 <a:r>
-                  <a:rPr lang="zh-CN" altLang="en-US" sz="2800" dirty="0" smtClean="0">
+                  <a:rPr lang="zh-CN" altLang="en-US" sz="2800" dirty="0">
                     <a:latin typeface="微软雅黑" panose="020B0503020204020204" pitchFamily="34" charset="-122"/>
                     <a:ea typeface="微软雅黑" panose="020B0503020204020204" pitchFamily="34" charset="-122"/>
                     <a:cs typeface="Times New Roman" panose="02020603050405020304" pitchFamily="18" charset="0"/>
@@ -19489,7 +19253,7 @@
                   </m:oMath>
                 </a14:m>
                 <a:r>
-                  <a:rPr lang="en-US" altLang="zh-CN" sz="2800" dirty="0" smtClean="0">
+                  <a:rPr lang="en-US" altLang="zh-CN" sz="2800" dirty="0">
                     <a:latin typeface="微软雅黑" panose="020B0503020204020204" pitchFamily="34" charset="-122"/>
                     <a:ea typeface="微软雅黑" panose="020B0503020204020204" pitchFamily="34" charset="-122"/>
                     <a:cs typeface="Times New Roman" panose="02020603050405020304" pitchFamily="18" charset="0"/>
@@ -19502,58 +19266,50 @@
                     <a:ea typeface="微软雅黑" panose="020B0503020204020204" pitchFamily="34" charset="-122"/>
                     <a:cs typeface="Times New Roman" panose="02020603050405020304" pitchFamily="18" charset="0"/>
                   </a:rPr>
-                  <a:t>考虑</a:t>
-                </a:r>
-                <a:r>
-                  <a:rPr lang="zh-CN" altLang="en-US" sz="2800" dirty="0" smtClean="0">
+                  <a:t>考虑到存在丰富的比赛历史数据</a:t>
+                </a:r>
+                <a:r>
+                  <a:rPr lang="en-US" altLang="zh-CN" sz="2800" dirty="0">
                     <a:latin typeface="微软雅黑" panose="020B0503020204020204" pitchFamily="34" charset="-122"/>
                     <a:ea typeface="微软雅黑" panose="020B0503020204020204" pitchFamily="34" charset="-122"/>
                     <a:cs typeface="Times New Roman" panose="02020603050405020304" pitchFamily="18" charset="0"/>
                   </a:rPr>
-                  <a:t>到存在丰富的比赛历史数据</a:t>
-                </a:r>
-                <a:r>
-                  <a:rPr lang="en-US" altLang="zh-CN" sz="2800" dirty="0" smtClean="0">
+                  <a:t>(</a:t>
+                </a:r>
+                <a:r>
+                  <a:rPr lang="zh-CN" altLang="en-US" sz="2800" dirty="0">
                     <a:latin typeface="微软雅黑" panose="020B0503020204020204" pitchFamily="34" charset="-122"/>
                     <a:ea typeface="微软雅黑" panose="020B0503020204020204" pitchFamily="34" charset="-122"/>
                     <a:cs typeface="Times New Roman" panose="02020603050405020304" pitchFamily="18" charset="0"/>
                   </a:rPr>
-                  <a:t>(</a:t>
-                </a:r>
-                <a:r>
-                  <a:rPr lang="zh-CN" altLang="en-US" sz="2800" dirty="0" smtClean="0">
+                  <a:t>论文中提到超过</a:t>
+                </a:r>
+                <a:r>
+                  <a:rPr lang="en-US" altLang="zh-CN" sz="2800" dirty="0">
                     <a:latin typeface="微软雅黑" panose="020B0503020204020204" pitchFamily="34" charset="-122"/>
                     <a:ea typeface="微软雅黑" panose="020B0503020204020204" pitchFamily="34" charset="-122"/>
                     <a:cs typeface="Times New Roman" panose="02020603050405020304" pitchFamily="18" charset="0"/>
                   </a:rPr>
-                  <a:t>论文中提到超过</a:t>
-                </a:r>
-                <a:r>
-                  <a:rPr lang="en-US" altLang="zh-CN" sz="2800" dirty="0" smtClean="0">
+                  <a:t>27</a:t>
+                </a:r>
+                <a:r>
+                  <a:rPr lang="zh-CN" altLang="en-US" sz="2800" dirty="0">
                     <a:latin typeface="微软雅黑" panose="020B0503020204020204" pitchFamily="34" charset="-122"/>
                     <a:ea typeface="微软雅黑" panose="020B0503020204020204" pitchFamily="34" charset="-122"/>
                     <a:cs typeface="Times New Roman" panose="02020603050405020304" pitchFamily="18" charset="0"/>
                   </a:rPr>
-                  <a:t>27</a:t>
-                </a:r>
-                <a:r>
-                  <a:rPr lang="zh-CN" altLang="en-US" sz="2800" dirty="0" smtClean="0">
+                  <a:t>万场比赛</a:t>
+                </a:r>
+                <a:r>
+                  <a:rPr lang="en-US" altLang="zh-CN" sz="2800" dirty="0">
                     <a:latin typeface="微软雅黑" panose="020B0503020204020204" pitchFamily="34" charset="-122"/>
                     <a:ea typeface="微软雅黑" panose="020B0503020204020204" pitchFamily="34" charset="-122"/>
                     <a:cs typeface="Times New Roman" panose="02020603050405020304" pitchFamily="18" charset="0"/>
                   </a:rPr>
-                  <a:t>万场比赛</a:t>
-                </a:r>
-                <a:r>
-                  <a:rPr lang="en-US" altLang="zh-CN" sz="2800" dirty="0" smtClean="0">
-                    <a:latin typeface="微软雅黑" panose="020B0503020204020204" pitchFamily="34" charset="-122"/>
-                    <a:ea typeface="微软雅黑" panose="020B0503020204020204" pitchFamily="34" charset="-122"/>
-                    <a:cs typeface="Times New Roman" panose="02020603050405020304" pitchFamily="18" charset="0"/>
-                  </a:rPr>
                   <a:t>),</a:t>
                 </a:r>
                 <a:r>
-                  <a:rPr lang="zh-CN" altLang="en-US" sz="2800" dirty="0" smtClean="0">
+                  <a:rPr lang="zh-CN" altLang="en-US" sz="2800" dirty="0">
                     <a:latin typeface="微软雅黑" panose="020B0503020204020204" pitchFamily="34" charset="-122"/>
                     <a:ea typeface="微软雅黑" panose="020B0503020204020204" pitchFamily="34" charset="-122"/>
                     <a:cs typeface="Times New Roman" panose="02020603050405020304" pitchFamily="18" charset="0"/>
@@ -19619,7 +19375,7 @@
                   </m:oMath>
                 </a14:m>
                 <a:r>
-                  <a:rPr lang="en-US" altLang="zh-CN" sz="2800" dirty="0" smtClean="0">
+                  <a:rPr lang="en-US" altLang="zh-CN" sz="2800" dirty="0">
                     <a:latin typeface="微软雅黑" panose="020B0503020204020204" pitchFamily="34" charset="-122"/>
                     <a:ea typeface="微软雅黑" panose="020B0503020204020204" pitchFamily="34" charset="-122"/>
                     <a:cs typeface="Times New Roman" panose="02020603050405020304" pitchFamily="18" charset="0"/>
@@ -19627,14 +19383,14 @@
                   <a:t>,</a:t>
                 </a:r>
                 <a:r>
-                  <a:rPr lang="zh-CN" altLang="en-US" sz="2800" dirty="0" smtClean="0">
+                  <a:rPr lang="zh-CN" altLang="en-US" sz="2800" dirty="0">
                     <a:latin typeface="微软雅黑" panose="020B0503020204020204" pitchFamily="34" charset="-122"/>
                     <a:ea typeface="微软雅黑" panose="020B0503020204020204" pitchFamily="34" charset="-122"/>
                     <a:cs typeface="Times New Roman" panose="02020603050405020304" pitchFamily="18" charset="0"/>
                   </a:rPr>
                   <a:t>以提高模型的准确率</a:t>
                 </a:r>
-                <a:endParaRPr lang="en-US" altLang="zh-CN" sz="2800" dirty="0" smtClean="0">
+                <a:endParaRPr lang="en-US" altLang="zh-CN" sz="2800" dirty="0">
                   <a:latin typeface="微软雅黑" panose="020B0503020204020204" pitchFamily="34" charset="-122"/>
                   <a:ea typeface="微软雅黑" panose="020B0503020204020204" pitchFamily="34" charset="-122"/>
                   <a:cs typeface="Times New Roman" panose="02020603050405020304" pitchFamily="18" charset="0"/>
@@ -19714,35 +19470,7 @@
                 <a:latin typeface="微软雅黑" panose="020B0503020204020204" pitchFamily="34" charset="-122"/>
                 <a:ea typeface="微软雅黑" panose="020B0503020204020204" pitchFamily="34" charset="-122"/>
               </a:rPr>
-              <a:t>Probabilistic Graphical Model for the </a:t>
-            </a:r>
-            <a:r>
-              <a:rPr lang="en-US" altLang="zh-CN" dirty="0" smtClean="0">
-                <a:latin typeface="微软雅黑" panose="020B0503020204020204" pitchFamily="34" charset="-122"/>
-                <a:ea typeface="微软雅黑" panose="020B0503020204020204" pitchFamily="34" charset="-122"/>
-              </a:rPr>
-              <a:t>Bayesian skills </a:t>
-            </a:r>
-            <a:r>
-              <a:rPr lang="en-US" altLang="zh-CN" dirty="0">
-                <a:latin typeface="微软雅黑" panose="020B0503020204020204" pitchFamily="34" charset="-122"/>
-                <a:ea typeface="微软雅黑" panose="020B0503020204020204" pitchFamily="34" charset="-122"/>
-              </a:rPr>
-              <a:t>model. The number of teams is n and K is the </a:t>
-            </a:r>
-            <a:r>
-              <a:rPr lang="en-US" altLang="zh-CN" dirty="0" smtClean="0">
-                <a:latin typeface="微软雅黑" panose="020B0503020204020204" pitchFamily="34" charset="-122"/>
-                <a:ea typeface="微软雅黑" panose="020B0503020204020204" pitchFamily="34" charset="-122"/>
-              </a:rPr>
-              <a:t>total number </a:t>
-            </a:r>
-            <a:r>
-              <a:rPr lang="en-US" altLang="zh-CN" dirty="0">
-                <a:latin typeface="微软雅黑" panose="020B0503020204020204" pitchFamily="34" charset="-122"/>
-                <a:ea typeface="微软雅黑" panose="020B0503020204020204" pitchFamily="34" charset="-122"/>
-              </a:rPr>
-              <a:t>of matches in the season.</a:t>
+              <a:t>Probabilistic Graphical Model for the Bayesian skills model. The number of teams is n and K is the total number of matches in the season.</a:t>
             </a:r>
             <a:endParaRPr lang="zh-CN" altLang="en-US" dirty="0">
               <a:latin typeface="微软雅黑" panose="020B0503020204020204" pitchFamily="34" charset="-122"/>
@@ -19810,21 +19538,7 @@
                 <a:latin typeface="微软雅黑" panose="020B0503020204020204" pitchFamily="34" charset="-122"/>
                 <a:ea typeface="微软雅黑" panose="020B0503020204020204" pitchFamily="34" charset="-122"/>
               </a:rPr>
-              <a:t>: </a:t>
-            </a:r>
-            <a:r>
-              <a:rPr lang="en-US" altLang="zh-CN" sz="4400" dirty="0" smtClean="0">
-                <a:latin typeface="微软雅黑" panose="020B0503020204020204" pitchFamily="34" charset="-122"/>
-                <a:ea typeface="微软雅黑" panose="020B0503020204020204" pitchFamily="34" charset="-122"/>
-              </a:rPr>
-              <a:t>Paper4 Predicting </a:t>
-            </a:r>
-            <a:r>
-              <a:rPr lang="en-US" altLang="zh-CN" sz="4400" dirty="0">
-                <a:latin typeface="微软雅黑" panose="020B0503020204020204" pitchFamily="34" charset="-122"/>
-                <a:ea typeface="微软雅黑" panose="020B0503020204020204" pitchFamily="34" charset="-122"/>
-              </a:rPr>
-              <a:t>matchups and preferences in context</a:t>
+              <a:t>: Paper4 Predicting matchups and preferences in context</a:t>
             </a:r>
             <a:endParaRPr lang="zh-CN" altLang="en-US" sz="4400" dirty="0">
               <a:latin typeface="微软雅黑" panose="020B0503020204020204" pitchFamily="34" charset="-122"/>
@@ -19891,39 +19605,7 @@
                   <a:schemeClr val="bg1"/>
                 </a:solidFill>
               </a:rPr>
-              <a:t>. 2016. Predicting matchups and </a:t>
-            </a:r>
-            <a:r>
-              <a:rPr lang="en-US" altLang="zh-CN" sz="1600" dirty="0" smtClean="0">
-                <a:solidFill>
-                  <a:schemeClr val="bg1"/>
-                </a:solidFill>
-              </a:rPr>
-              <a:t>preferences in </a:t>
-            </a:r>
-            <a:r>
-              <a:rPr lang="en-US" altLang="zh-CN" sz="1600" dirty="0">
-                <a:solidFill>
-                  <a:schemeClr val="bg1"/>
-                </a:solidFill>
-              </a:rPr>
-              <a:t>context. In Proceedings of the 22nd ACM SIGKDD International Conference </a:t>
-            </a:r>
-            <a:r>
-              <a:rPr lang="en-US" altLang="zh-CN" sz="1600" dirty="0" smtClean="0">
-                <a:solidFill>
-                  <a:schemeClr val="bg1"/>
-                </a:solidFill>
-              </a:rPr>
-              <a:t>on Knowledge </a:t>
-            </a:r>
-            <a:r>
-              <a:rPr lang="en-US" altLang="zh-CN" sz="1600" dirty="0">
-                <a:solidFill>
-                  <a:schemeClr val="bg1"/>
-                </a:solidFill>
-              </a:rPr>
-              <a:t>Discovery and Data Mining. ACM, ACM, USA, 775–784.</a:t>
+              <a:t>. 2016. Predicting matchups and preferences in context. In Proceedings of the 22nd ACM SIGKDD International Conference on Knowledge Discovery and Data Mining. ACM, ACM, USA, 775–784.</a:t>
             </a:r>
             <a:endParaRPr lang="zh-CN" altLang="en-US" sz="1600" dirty="0">
               <a:solidFill>
@@ -20280,28 +19962,12 @@
                   <a:buChar char="Ø"/>
                 </a:pPr>
                 <a:r>
-                  <a:rPr lang="en-US" altLang="zh-CN" sz="2800" dirty="0" smtClean="0">
-                    <a:latin typeface="微软雅黑" panose="020B0503020204020204" pitchFamily="34" charset="-122"/>
-                    <a:ea typeface="微软雅黑" panose="020B0503020204020204" pitchFamily="34" charset="-122"/>
-                    <a:cs typeface="Times New Roman" panose="02020603050405020304" pitchFamily="18" charset="0"/>
-                  </a:rPr>
-                  <a:t>features </a:t>
-                </a:r>
-                <a:r>
                   <a:rPr lang="en-US" altLang="zh-CN" sz="2800" dirty="0">
                     <a:latin typeface="微软雅黑" panose="020B0503020204020204" pitchFamily="34" charset="-122"/>
                     <a:ea typeface="微软雅黑" panose="020B0503020204020204" pitchFamily="34" charset="-122"/>
                     <a:cs typeface="Times New Roman" panose="02020603050405020304" pitchFamily="18" charset="0"/>
                   </a:rPr>
-                  <a:t>of </a:t>
-                </a:r>
-                <a:r>
-                  <a:rPr lang="en-US" altLang="zh-CN" sz="2800" dirty="0" smtClean="0">
-                    <a:latin typeface="微软雅黑" panose="020B0503020204020204" pitchFamily="34" charset="-122"/>
-                    <a:ea typeface="微软雅黑" panose="020B0503020204020204" pitchFamily="34" charset="-122"/>
-                    <a:cs typeface="Times New Roman" panose="02020603050405020304" pitchFamily="18" charset="0"/>
-                  </a:rPr>
-                  <a:t>objects</a:t>
+                  <a:t>features of objects</a:t>
                 </a:r>
               </a:p>
               <a:p>
@@ -20545,7 +20211,7 @@
                     </m:oMath>
                   </m:oMathPara>
                 </a14:m>
-                <a:endParaRPr lang="en-US" altLang="zh-CN" sz="2800" dirty="0" smtClean="0">
+                <a:endParaRPr lang="en-US" altLang="zh-CN" sz="2800" dirty="0">
                   <a:latin typeface="微软雅黑" panose="020B0503020204020204" pitchFamily="34" charset="-122"/>
                   <a:ea typeface="微软雅黑" panose="020B0503020204020204" pitchFamily="34" charset="-122"/>
                   <a:cs typeface="Times New Roman" panose="02020603050405020304" pitchFamily="18" charset="0"/>
@@ -20674,7 +20340,7 @@
                     </m:oMath>
                   </m:oMathPara>
                 </a14:m>
-                <a:endParaRPr lang="en-US" altLang="zh-CN" sz="2800" dirty="0" smtClean="0">
+                <a:endParaRPr lang="en-US" altLang="zh-CN" sz="2800" dirty="0">
                   <a:latin typeface="微软雅黑" panose="020B0503020204020204" pitchFamily="34" charset="-122"/>
                   <a:ea typeface="微软雅黑" panose="020B0503020204020204" pitchFamily="34" charset="-122"/>
                   <a:cs typeface="Times New Roman" panose="02020603050405020304" pitchFamily="18" charset="0"/>
@@ -20693,7 +20359,7 @@
                   </a:spcAft>
                   <a:buNone/>
                 </a:pPr>
-                <a:endParaRPr lang="en-US" altLang="zh-CN" sz="2800" dirty="0" smtClean="0">
+                <a:endParaRPr lang="en-US" altLang="zh-CN" sz="2800" dirty="0">
                   <a:latin typeface="微软雅黑" panose="020B0503020204020204" pitchFamily="34" charset="-122"/>
                   <a:ea typeface="微软雅黑" panose="020B0503020204020204" pitchFamily="34" charset="-122"/>
                   <a:cs typeface="Times New Roman" panose="02020603050405020304" pitchFamily="18" charset="0"/>
@@ -20714,28 +20380,12 @@
                   <a:buChar char="Ø"/>
                 </a:pPr>
                 <a:r>
-                  <a:rPr lang="en-US" altLang="zh-CN" sz="2800" dirty="0" smtClean="0">
-                    <a:latin typeface="微软雅黑" panose="020B0503020204020204" pitchFamily="34" charset="-122"/>
-                    <a:ea typeface="微软雅黑" panose="020B0503020204020204" pitchFamily="34" charset="-122"/>
-                    <a:cs typeface="Times New Roman" panose="02020603050405020304" pitchFamily="18" charset="0"/>
-                  </a:rPr>
-                  <a:t>features </a:t>
-                </a:r>
-                <a:r>
                   <a:rPr lang="en-US" altLang="zh-CN" sz="2800" dirty="0">
                     <a:latin typeface="微软雅黑" panose="020B0503020204020204" pitchFamily="34" charset="-122"/>
                     <a:ea typeface="微软雅黑" panose="020B0503020204020204" pitchFamily="34" charset="-122"/>
                     <a:cs typeface="Times New Roman" panose="02020603050405020304" pitchFamily="18" charset="0"/>
                   </a:rPr>
-                  <a:t>of the </a:t>
-                </a:r>
-                <a:r>
-                  <a:rPr lang="en-US" altLang="zh-CN" sz="2800" dirty="0" smtClean="0">
-                    <a:latin typeface="微软雅黑" panose="020B0503020204020204" pitchFamily="34" charset="-122"/>
-                    <a:ea typeface="微软雅黑" panose="020B0503020204020204" pitchFamily="34" charset="-122"/>
-                    <a:cs typeface="Times New Roman" panose="02020603050405020304" pitchFamily="18" charset="0"/>
-                  </a:rPr>
-                  <a:t>context</a:t>
+                  <a:t>features of the context</a:t>
                 </a:r>
               </a:p>
               <a:p>
@@ -21033,7 +20683,7 @@
                     </m:oMath>
                   </m:oMathPara>
                 </a14:m>
-                <a:endParaRPr lang="en-US" altLang="zh-CN" sz="2600" b="0" dirty="0" smtClean="0">
+                <a:endParaRPr lang="en-US" altLang="zh-CN" sz="2600" b="0" dirty="0">
                   <a:latin typeface="微软雅黑" panose="020B0503020204020204" pitchFamily="34" charset="-122"/>
                   <a:ea typeface="微软雅黑" panose="020B0503020204020204" pitchFamily="34" charset="-122"/>
                   <a:cs typeface="Times New Roman" panose="02020603050405020304" pitchFamily="18" charset="0"/>
@@ -22051,7 +21701,7 @@
                 <a:latin typeface="微软雅黑" panose="020B0503020204020204" pitchFamily="34" charset="-122"/>
                 <a:ea typeface="微软雅黑" panose="020B0503020204020204" pitchFamily="34" charset="-122"/>
               </a:rPr>
-              <a:t>Paper 1</a:t>
+              <a:t>Predicting Sports Scoring Dynamics</a:t>
             </a:r>
             <a:endParaRPr lang="zh-CN" altLang="en-US" sz="4400" dirty="0">
               <a:latin typeface="微软雅黑" panose="020B0503020204020204" pitchFamily="34" charset="-122"/>
@@ -22353,8 +22003,8 @@
         </p:nvSpPr>
         <p:spPr>
           <a:xfrm>
-            <a:off x="1097280" y="1991075"/>
-            <a:ext cx="10556838" cy="3129566"/>
+            <a:off x="1097280" y="1991074"/>
+            <a:ext cx="10556838" cy="3977239"/>
           </a:xfrm>
           <a:prstGeom prst="rect">
             <a:avLst/>
@@ -22615,35 +22265,40 @@
             </a:pPr>
             <a:r>
               <a:rPr lang="en-US" altLang="zh-CN" sz="2400" dirty="0">
-                <a:latin typeface="Times New Roman" panose="02020603050405020304" pitchFamily="18" charset="0"/>
+                <a:latin typeface="微软雅黑" panose="020B0503020204020204" pitchFamily="34" charset="-122"/>
+                <a:ea typeface="微软雅黑" panose="020B0503020204020204" pitchFamily="34" charset="-122"/>
                 <a:cs typeface="Times New Roman" panose="02020603050405020304" pitchFamily="18" charset="0"/>
               </a:rPr>
               <a:t>Goals: To predict </a:t>
             </a:r>
             <a:r>
-              <a:rPr lang="en-US" altLang="zh-CN" sz="2400" i="1" dirty="0">
-                <a:latin typeface="Times New Roman" panose="02020603050405020304" pitchFamily="18" charset="0"/>
+              <a:rPr lang="en-US" altLang="zh-CN" sz="2400" b="1" i="1" dirty="0">
+                <a:latin typeface="微软雅黑" panose="020B0503020204020204" pitchFamily="34" charset="-122"/>
+                <a:ea typeface="微软雅黑" panose="020B0503020204020204" pitchFamily="34" charset="-122"/>
                 <a:cs typeface="Times New Roman" panose="02020603050405020304" pitchFamily="18" charset="0"/>
               </a:rPr>
               <a:t>Who will score next? </a:t>
             </a:r>
             <a:r>
-              <a:rPr lang="en-US" altLang="zh-CN" sz="2400" dirty="0">
-                <a:latin typeface="Times New Roman" panose="02020603050405020304" pitchFamily="18" charset="0"/>
+              <a:rPr lang="en-US" altLang="zh-CN" sz="2400" b="1" dirty="0">
+                <a:latin typeface="微软雅黑" panose="020B0503020204020204" pitchFamily="34" charset="-122"/>
+                <a:ea typeface="微软雅黑" panose="020B0503020204020204" pitchFamily="34" charset="-122"/>
                 <a:cs typeface="Times New Roman" panose="02020603050405020304" pitchFamily="18" charset="0"/>
               </a:rPr>
               <a:t>and </a:t>
             </a:r>
             <a:r>
-              <a:rPr lang="en-US" altLang="zh-CN" sz="2400" i="1" dirty="0">
-                <a:latin typeface="Times New Roman" panose="02020603050405020304" pitchFamily="18" charset="0"/>
+              <a:rPr lang="en-US" altLang="zh-CN" sz="2400" b="1" i="1" dirty="0">
+                <a:latin typeface="微软雅黑" panose="020B0503020204020204" pitchFamily="34" charset="-122"/>
+                <a:ea typeface="微软雅黑" panose="020B0503020204020204" pitchFamily="34" charset="-122"/>
                 <a:cs typeface="Times New Roman" panose="02020603050405020304" pitchFamily="18" charset="0"/>
               </a:rPr>
               <a:t>Who will win? </a:t>
             </a:r>
             <a:r>
               <a:rPr lang="en-US" altLang="zh-CN" sz="2400" dirty="0">
-                <a:latin typeface="Times New Roman" panose="02020603050405020304" pitchFamily="18" charset="0"/>
+                <a:latin typeface="微软雅黑" panose="020B0503020204020204" pitchFamily="34" charset="-122"/>
+                <a:ea typeface="微软雅黑" panose="020B0503020204020204" pitchFamily="34" charset="-122"/>
                 <a:cs typeface="Times New Roman" panose="02020603050405020304" pitchFamily="18" charset="0"/>
               </a:rPr>
               <a:t>in a game</a:t>
@@ -22656,21 +22311,24 @@
             </a:pPr>
             <a:r>
               <a:rPr lang="en-US" altLang="zh-CN" sz="2400" dirty="0">
-                <a:latin typeface="Times New Roman" panose="02020603050405020304" pitchFamily="18" charset="0"/>
+                <a:latin typeface="微软雅黑" panose="020B0503020204020204" pitchFamily="34" charset="-122"/>
+                <a:ea typeface="微软雅黑" panose="020B0503020204020204" pitchFamily="34" charset="-122"/>
                 <a:cs typeface="Times New Roman" panose="02020603050405020304" pitchFamily="18" charset="0"/>
               </a:rPr>
               <a:t>Models: Based on specific underlying mechanisms for sports scoring dynamics, generate 4 skill-based probabilistic models: (</a:t>
             </a:r>
             <a:r>
               <a:rPr lang="en-US" altLang="zh-CN" sz="2400" dirty="0" err="1">
-                <a:latin typeface="Times New Roman" panose="02020603050405020304" pitchFamily="18" charset="0"/>
+                <a:latin typeface="微软雅黑" panose="020B0503020204020204" pitchFamily="34" charset="-122"/>
+                <a:ea typeface="微软雅黑" panose="020B0503020204020204" pitchFamily="34" charset="-122"/>
                 <a:cs typeface="Times New Roman" panose="02020603050405020304" pitchFamily="18" charset="0"/>
               </a:rPr>
               <a:t>i</a:t>
             </a:r>
             <a:r>
               <a:rPr lang="en-US" altLang="zh-CN" sz="2400" dirty="0">
-                <a:latin typeface="Times New Roman" panose="02020603050405020304" pitchFamily="18" charset="0"/>
+                <a:latin typeface="微软雅黑" panose="020B0503020204020204" pitchFamily="34" charset="-122"/>
+                <a:ea typeface="微软雅黑" panose="020B0503020204020204" pitchFamily="34" charset="-122"/>
                 <a:cs typeface="Times New Roman" panose="02020603050405020304" pitchFamily="18" charset="0"/>
               </a:rPr>
               <a:t>) independent, (ii) restorative, (iii) independent anti-persistent, and (iv) restorative anti-persistent models</a:t>
@@ -22683,7 +22341,7 @@
             </a:pPr>
             <a:r>
               <a:rPr lang="en-US" altLang="zh-CN" sz="2400" dirty="0">
-                <a:latin typeface="Times New Roman" panose="02020603050405020304" pitchFamily="18" charset="0"/>
+                <a:latin typeface="微软雅黑" panose="020B0503020204020204" pitchFamily="34" charset="-122"/>
                 <a:ea typeface="微软雅黑" panose="020B0503020204020204" pitchFamily="34" charset="-122"/>
                 <a:cs typeface="Times New Roman" panose="02020603050405020304" pitchFamily="18" charset="0"/>
               </a:rPr>
@@ -22804,7 +22462,7 @@
                 <a:latin typeface="微软雅黑" panose="020B0503020204020204" pitchFamily="34" charset="-122"/>
                 <a:ea typeface="微软雅黑" panose="020B0503020204020204" pitchFamily="34" charset="-122"/>
               </a:rPr>
-              <a:t>Paper 1</a:t>
+              <a:t>Results</a:t>
             </a:r>
             <a:endParaRPr lang="zh-CN" altLang="en-US" sz="4400" dirty="0">
               <a:latin typeface="微软雅黑" panose="020B0503020204020204" pitchFamily="34" charset="-122"/>
@@ -23196,7 +22854,7 @@
         <p:spPr>
           <a:xfrm>
             <a:off x="1098000" y="1990800"/>
-            <a:ext cx="3667773" cy="1746435"/>
+            <a:ext cx="3667773" cy="2148714"/>
           </a:xfrm>
           <a:prstGeom prst="rect">
             <a:avLst/>
@@ -23457,10 +23115,11 @@
             </a:pPr>
             <a:r>
               <a:rPr lang="en-US" altLang="zh-CN" sz="2400" dirty="0">
-                <a:latin typeface="Times New Roman" panose="02020603050405020304" pitchFamily="18" charset="0"/>
+                <a:latin typeface="微软雅黑" panose="020B0503020204020204" pitchFamily="34" charset="-122"/>
+                <a:ea typeface="微软雅黑" panose="020B0503020204020204" pitchFamily="34" charset="-122"/>
                 <a:cs typeface="Times New Roman" panose="02020603050405020304" pitchFamily="18" charset="0"/>
               </a:rPr>
-              <a:t>Result 1: </a:t>
+              <a:t>Probability of accurately predicting which team will score next (AUC)</a:t>
             </a:r>
           </a:p>
           <a:p>
@@ -23469,32 +23128,23 @@
             </a:pPr>
             <a:r>
               <a:rPr lang="en-US" altLang="zh-CN" sz="2400" dirty="0">
-                <a:latin typeface="Times New Roman" panose="02020603050405020304" pitchFamily="18" charset="0"/>
-                <a:cs typeface="Times New Roman" panose="02020603050405020304" pitchFamily="18" charset="0"/>
-              </a:rPr>
-              <a:t>Probability of accurately predicting which team will score next (AUC)</a:t>
-            </a:r>
-          </a:p>
-          <a:p>
-            <a:pPr marL="0" indent="0">
-              <a:buNone/>
-            </a:pPr>
-            <a:r>
-              <a:rPr lang="en-US" altLang="zh-CN" sz="2400" dirty="0">
-                <a:latin typeface="Times New Roman" panose="02020603050405020304" pitchFamily="18" charset="0"/>
+                <a:latin typeface="微软雅黑" panose="020B0503020204020204" pitchFamily="34" charset="-122"/>
+                <a:ea typeface="微软雅黑" panose="020B0503020204020204" pitchFamily="34" charset="-122"/>
                 <a:cs typeface="Times New Roman" panose="02020603050405020304" pitchFamily="18" charset="0"/>
               </a:rPr>
               <a:t> </a:t>
             </a:r>
             <a:r>
               <a:rPr lang="zh-CN" altLang="en-US" sz="2400" dirty="0">
-                <a:latin typeface="Times New Roman" panose="02020603050405020304" pitchFamily="18" charset="0"/>
+                <a:latin typeface="微软雅黑" panose="020B0503020204020204" pitchFamily="34" charset="-122"/>
+                <a:ea typeface="微软雅黑" panose="020B0503020204020204" pitchFamily="34" charset="-122"/>
                 <a:cs typeface="Times New Roman" panose="02020603050405020304" pitchFamily="18" charset="0"/>
               </a:rPr>
               <a:t> </a:t>
             </a:r>
             <a:endParaRPr lang="en-US" altLang="zh-CN" sz="2400" dirty="0">
-              <a:latin typeface="Times New Roman" panose="02020603050405020304" pitchFamily="18" charset="0"/>
+              <a:latin typeface="微软雅黑" panose="020B0503020204020204" pitchFamily="34" charset="-122"/>
+              <a:ea typeface="微软雅黑" panose="020B0503020204020204" pitchFamily="34" charset="-122"/>
               <a:cs typeface="Times New Roman" panose="02020603050405020304" pitchFamily="18" charset="0"/>
             </a:endParaRPr>
           </a:p>
@@ -23510,6 +23160,13 @@
   <p:clrMapOvr>
     <a:masterClrMapping/>
   </p:clrMapOvr>
+  <p:timing>
+    <p:tnLst>
+      <p:par>
+        <p:cTn id="1" dur="indefinite" restart="never" nodeType="tmRoot"/>
+      </p:par>
+    </p:tnLst>
+  </p:timing>
 </p:sld>
 </file>
 
@@ -23552,7 +23209,7 @@
                 <a:latin typeface="微软雅黑" panose="020B0503020204020204" pitchFamily="34" charset="-122"/>
                 <a:ea typeface="微软雅黑" panose="020B0503020204020204" pitchFamily="34" charset="-122"/>
               </a:rPr>
-              <a:t>Paper 1</a:t>
+              <a:t>Results</a:t>
             </a:r>
             <a:endParaRPr lang="zh-CN" altLang="en-US" sz="4400" dirty="0">
               <a:latin typeface="微软雅黑" panose="020B0503020204020204" pitchFamily="34" charset="-122"/>
@@ -24209,18 +23866,6 @@
                 <a:latin typeface="Times New Roman" panose="02020603050405020304" pitchFamily="18" charset="0"/>
                 <a:cs typeface="Times New Roman" panose="02020603050405020304" pitchFamily="18" charset="0"/>
               </a:rPr>
-              <a:t>Result 2: </a:t>
-            </a:r>
-          </a:p>
-          <a:p>
-            <a:pPr marL="0" indent="0">
-              <a:buNone/>
-            </a:pPr>
-            <a:r>
-              <a:rPr lang="en-US" altLang="zh-CN" sz="2400" dirty="0">
-                <a:latin typeface="Times New Roman" panose="02020603050405020304" pitchFamily="18" charset="0"/>
-                <a:cs typeface="Times New Roman" panose="02020603050405020304" pitchFamily="18" charset="0"/>
-              </a:rPr>
               <a:t>AUC scores for predicting which team will win given the current state of the game</a:t>
             </a:r>
           </a:p>
@@ -24269,6 +23914,13 @@
   <p:clrMapOvr>
     <a:masterClrMapping/>
   </p:clrMapOvr>
+  <p:timing>
+    <p:tnLst>
+      <p:par>
+        <p:cTn id="1" dur="indefinite" restart="never" nodeType="tmRoot"/>
+      </p:par>
+    </p:tnLst>
+  </p:timing>
 </p:sld>
 </file>
 
@@ -24299,7 +23951,12 @@
             <p:ph type="title"/>
           </p:nvPr>
         </p:nvSpPr>
-        <p:spPr/>
+        <p:spPr>
+          <a:xfrm>
+            <a:off x="1097279" y="286603"/>
+            <a:ext cx="10678709" cy="1450757"/>
+          </a:xfrm>
+        </p:spPr>
         <p:txBody>
           <a:bodyPr>
             <a:normAutofit/>
@@ -24311,7 +23968,7 @@
                 <a:latin typeface="微软雅黑" panose="020B0503020204020204" pitchFamily="34" charset="-122"/>
                 <a:ea typeface="微软雅黑" panose="020B0503020204020204" pitchFamily="34" charset="-122"/>
               </a:rPr>
-              <a:t>Paper 2</a:t>
+              <a:t>Modeling basketball play-by-play data</a:t>
             </a:r>
             <a:endParaRPr lang="zh-CN" altLang="en-US" sz="4400" dirty="0">
               <a:latin typeface="微软雅黑" panose="020B0503020204020204" pitchFamily="34" charset="-122"/>
@@ -24613,7 +24270,7 @@
         </p:nvSpPr>
         <p:spPr>
           <a:xfrm>
-            <a:off x="1097280" y="1991075"/>
+            <a:off x="1097279" y="1928272"/>
             <a:ext cx="10556838" cy="4189008"/>
           </a:xfrm>
           <a:prstGeom prst="rect">
@@ -24875,7 +24532,8 @@
             </a:pPr>
             <a:r>
               <a:rPr lang="en-US" altLang="zh-CN" sz="2400" dirty="0">
-                <a:latin typeface="Times New Roman" panose="02020603050405020304" pitchFamily="18" charset="0"/>
+                <a:latin typeface="微软雅黑" panose="020B0503020204020204" pitchFamily="34" charset="-122"/>
+                <a:ea typeface="微软雅黑" panose="020B0503020204020204" pitchFamily="34" charset="-122"/>
                 <a:cs typeface="Times New Roman" panose="02020603050405020304" pitchFamily="18" charset="0"/>
               </a:rPr>
               <a:t>Goals: Simulate the basketball match between two distinct teams as a sequence of team-level play-by-play in-game events</a:t>
@@ -24888,21 +24546,24 @@
             </a:pPr>
             <a:r>
               <a:rPr lang="en-US" altLang="zh-CN" sz="2400" dirty="0">
-                <a:latin typeface="Times New Roman" panose="02020603050405020304" pitchFamily="18" charset="0"/>
+                <a:latin typeface="微软雅黑" panose="020B0503020204020204" pitchFamily="34" charset="-122"/>
+                <a:ea typeface="微软雅黑" panose="020B0503020204020204" pitchFamily="34" charset="-122"/>
                 <a:cs typeface="Times New Roman" panose="02020603050405020304" pitchFamily="18" charset="0"/>
               </a:rPr>
               <a:t>Methodology: Assume the Markov property and model state transitions with a Logistic regression model,</a:t>
             </a:r>
             <a:r>
               <a:rPr lang="zh-CN" altLang="en-US" sz="2400" dirty="0">
-                <a:latin typeface="Times New Roman" panose="02020603050405020304" pitchFamily="18" charset="0"/>
+                <a:latin typeface="微软雅黑" panose="020B0503020204020204" pitchFamily="34" charset="-122"/>
+                <a:ea typeface="微软雅黑" panose="020B0503020204020204" pitchFamily="34" charset="-122"/>
                 <a:cs typeface="Times New Roman" panose="02020603050405020304" pitchFamily="18" charset="0"/>
               </a:rPr>
               <a:t> </a:t>
             </a:r>
             <a:r>
               <a:rPr lang="en-US" altLang="zh-CN" sz="2400" dirty="0">
-                <a:latin typeface="Times New Roman" panose="02020603050405020304" pitchFamily="18" charset="0"/>
+                <a:latin typeface="微软雅黑" panose="020B0503020204020204" pitchFamily="34" charset="-122"/>
+                <a:ea typeface="微软雅黑" panose="020B0503020204020204" pitchFamily="34" charset="-122"/>
                 <a:cs typeface="Times New Roman" panose="02020603050405020304" pitchFamily="18" charset="0"/>
               </a:rPr>
               <a:t>extend the model state description to capture the current context in the progression of a game</a:t>
@@ -24915,7 +24576,7 @@
             </a:pPr>
             <a:r>
               <a:rPr lang="en-US" altLang="zh-CN" sz="2400" dirty="0">
-                <a:latin typeface="Times New Roman" panose="02020603050405020304" pitchFamily="18" charset="0"/>
+                <a:latin typeface="微软雅黑" panose="020B0503020204020204" pitchFamily="34" charset="-122"/>
                 <a:ea typeface="微软雅黑" panose="020B0503020204020204" pitchFamily="34" charset="-122"/>
                 <a:cs typeface="Times New Roman" panose="02020603050405020304" pitchFamily="18" charset="0"/>
               </a:rPr>
@@ -24929,7 +24590,7 @@
             </a:pPr>
             <a:r>
               <a:rPr lang="en-US" altLang="zh-CN" sz="2400" dirty="0">
-                <a:latin typeface="Times New Roman" panose="02020603050405020304" pitchFamily="18" charset="0"/>
+                <a:latin typeface="微软雅黑" panose="020B0503020204020204" pitchFamily="34" charset="-122"/>
                 <a:ea typeface="微软雅黑" panose="020B0503020204020204" pitchFamily="34" charset="-122"/>
                 <a:cs typeface="Times New Roman" panose="02020603050405020304" pitchFamily="18" charset="0"/>
               </a:rPr>
@@ -25048,6 +24709,13 @@
   <p:clrMapOvr>
     <a:masterClrMapping/>
   </p:clrMapOvr>
+  <p:timing>
+    <p:tnLst>
+      <p:par>
+        <p:cTn id="1" dur="indefinite" restart="never" nodeType="tmRoot"/>
+      </p:par>
+    </p:tnLst>
+  </p:timing>
 </p:sld>
 </file>
 
@@ -25086,11 +24754,11 @@
           <a:lstStyle/>
           <a:p>
             <a:r>
-              <a:rPr lang="en-US" altLang="zh-CN" sz="4400" dirty="0">
+              <a:rPr lang="en-US" altLang="zh-CN" sz="4400">
                 <a:latin typeface="微软雅黑" panose="020B0503020204020204" pitchFamily="34" charset="-122"/>
                 <a:ea typeface="微软雅黑" panose="020B0503020204020204" pitchFamily="34" charset="-122"/>
               </a:rPr>
-              <a:t>Paper 2</a:t>
+              <a:t>Results</a:t>
             </a:r>
             <a:endParaRPr lang="zh-CN" altLang="en-US" sz="4400" dirty="0">
               <a:latin typeface="微软雅黑" panose="020B0503020204020204" pitchFamily="34" charset="-122"/>
@@ -25651,18 +25319,6 @@
             <a:pPr>
               <a:buFont typeface="Wingdings" panose="05000000000000000000" pitchFamily="2" charset="2"/>
               <a:buChar char="Ø"/>
-            </a:pPr>
-            <a:r>
-              <a:rPr lang="en-US" altLang="zh-CN" sz="2400" dirty="0">
-                <a:latin typeface="Times New Roman" panose="02020603050405020304" pitchFamily="18" charset="0"/>
-                <a:cs typeface="Times New Roman" panose="02020603050405020304" pitchFamily="18" charset="0"/>
-              </a:rPr>
-              <a:t>Result : </a:t>
-            </a:r>
-          </a:p>
-          <a:p>
-            <a:pPr marL="0" indent="0">
-              <a:buNone/>
             </a:pPr>
             <a:r>
               <a:rPr lang="en-US" altLang="zh-CN" sz="2400" dirty="0">
@@ -26665,8 +26321,8 @@
           </mc:Fallback>
         </mc:AlternateContent>
       </p:grpSp>
-      <mc:AlternateContent xmlns:mc="http://schemas.openxmlformats.org/markup-compatibility/2006">
-        <mc:Choice xmlns:a14="http://schemas.microsoft.com/office/drawing/2010/main" Requires="a14">
+      <mc:AlternateContent xmlns:mc="http://schemas.openxmlformats.org/markup-compatibility/2006" xmlns:a14="http://schemas.microsoft.com/office/drawing/2010/main">
+        <mc:Choice Requires="a14">
           <p:sp>
             <p:nvSpPr>
               <p:cNvPr id="8" name="文本框 7"/>
@@ -26822,14 +26478,14 @@
                     </m:oMath>
                   </m:oMathPara>
                 </a14:m>
-                <a:endParaRPr lang="en-US" altLang="zh-CN" sz="2400" dirty="0" smtClean="0"/>
+                <a:endParaRPr lang="en-US" altLang="zh-CN" sz="2400" dirty="0"/>
               </a:p>
               <a:p>
                 <a:endParaRPr lang="en-US" altLang="zh-CN" sz="2400" dirty="0"/>
               </a:p>
               <a:p>
                 <a:r>
-                  <a:rPr lang="en-US" altLang="zh-CN" sz="2400" dirty="0" smtClean="0"/>
+                  <a:rPr lang="en-US" altLang="zh-CN" sz="2400" dirty="0"/>
                   <a:t>Range:</a:t>
                 </a:r>
                 <a14:m>
@@ -26854,26 +26510,26 @@
                     </m:d>
                   </m:oMath>
                 </a14:m>
-                <a:endParaRPr lang="en-US" altLang="zh-CN" sz="2400" b="0" dirty="0" smtClean="0"/>
+                <a:endParaRPr lang="en-US" altLang="zh-CN" sz="2400" b="0" dirty="0"/>
               </a:p>
               <a:p>
-                <a:endParaRPr lang="en-US" altLang="zh-CN" sz="2400" dirty="0" smtClean="0"/>
+                <a:endParaRPr lang="en-US" altLang="zh-CN" sz="2400" dirty="0"/>
               </a:p>
               <a:p>
                 <a:r>
-                  <a:rPr lang="en-US" altLang="zh-CN" sz="2400" dirty="0" smtClean="0"/>
+                  <a:rPr lang="en-US" altLang="zh-CN" sz="2400" dirty="0"/>
                   <a:t>Measures the discrepancy between </a:t>
                 </a:r>
               </a:p>
               <a:p>
                 <a:r>
-                  <a:rPr lang="en-US" altLang="zh-CN" sz="2400" dirty="0" smtClean="0"/>
+                  <a:rPr lang="en-US" altLang="zh-CN" sz="2400" dirty="0"/>
                   <a:t>the random model variance and the </a:t>
                 </a:r>
               </a:p>
               <a:p>
                 <a:r>
-                  <a:rPr lang="en-US" altLang="zh-CN" sz="2400" dirty="0" smtClean="0"/>
+                  <a:rPr lang="en-US" altLang="zh-CN" sz="2400" dirty="0"/>
                   <a:t>observed variance</a:t>
                 </a:r>
                 <a:endParaRPr lang="zh-CN" altLang="en-US" sz="2400" dirty="0"/>
@@ -26881,7 +26537,7 @@
             </p:txBody>
           </p:sp>
         </mc:Choice>
-        <mc:Fallback>
+        <mc:Fallback xmlns="">
           <p:sp>
             <p:nvSpPr>
               <p:cNvPr id="8" name="文本框 7"/>
@@ -27404,15 +27060,7 @@
                 <a:ea typeface="微软雅黑" panose="020B0503020204020204" pitchFamily="34" charset="-122"/>
                 <a:cs typeface="Times New Roman" panose="02020603050405020304" pitchFamily="18" charset="0"/>
               </a:rPr>
-              <a:t>Close to 1: skill factor has more </a:t>
-            </a:r>
-            <a:r>
-              <a:rPr lang="en-US" altLang="zh-CN" sz="3200" dirty="0" smtClean="0">
-                <a:latin typeface="微软雅黑" panose="020B0503020204020204" pitchFamily="34" charset="-122"/>
-                <a:ea typeface="微软雅黑" panose="020B0503020204020204" pitchFamily="34" charset="-122"/>
-                <a:cs typeface="Times New Roman" panose="02020603050405020304" pitchFamily="18" charset="0"/>
-              </a:rPr>
-              <a:t>influence</a:t>
+              <a:t>Close to 1: skill factor has more influence</a:t>
             </a:r>
           </a:p>
           <a:p>
@@ -30149,7 +29797,7 @@
               <a:buChar char="Ø"/>
             </a:pPr>
             <a:r>
-              <a:rPr lang="en-US" altLang="zh-CN" sz="3200" dirty="0" smtClean="0">
+              <a:rPr lang="en-US" altLang="zh-CN" sz="3200" dirty="0">
                 <a:latin typeface="微软雅黑" panose="020B0503020204020204" pitchFamily="34" charset="-122"/>
                 <a:ea typeface="微软雅黑" panose="020B0503020204020204" pitchFamily="34" charset="-122"/>
                 <a:cs typeface="Times New Roman" panose="02020603050405020304" pitchFamily="18" charset="0"/>
@@ -30163,7 +29811,7 @@
               <a:buChar char="Ø"/>
             </a:pPr>
             <a:r>
-              <a:rPr lang="en-US" altLang="zh-CN" sz="3200" dirty="0" smtClean="0">
+              <a:rPr lang="en-US" altLang="zh-CN" sz="3200" dirty="0">
                 <a:latin typeface="微软雅黑" panose="020B0503020204020204" pitchFamily="34" charset="-122"/>
                 <a:ea typeface="微软雅黑" panose="020B0503020204020204" pitchFamily="34" charset="-122"/>
                 <a:cs typeface="Times New Roman" panose="02020603050405020304" pitchFamily="18" charset="0"/>
@@ -30177,7 +29825,7 @@
               <a:buChar char="Ø"/>
             </a:pPr>
             <a:r>
-              <a:rPr lang="en-US" altLang="zh-CN" sz="3200" dirty="0" smtClean="0">
+              <a:rPr lang="en-US" altLang="zh-CN" sz="3200" dirty="0">
                 <a:latin typeface="微软雅黑" panose="020B0503020204020204" pitchFamily="34" charset="-122"/>
                 <a:ea typeface="微软雅黑" panose="020B0503020204020204" pitchFamily="34" charset="-122"/>
                 <a:cs typeface="Times New Roman" panose="02020603050405020304" pitchFamily="18" charset="0"/>
@@ -30191,18 +29839,13 @@
               <a:buChar char="Ø"/>
             </a:pPr>
             <a:r>
-              <a:rPr lang="en-US" altLang="zh-CN" sz="3200" dirty="0" smtClean="0">
+              <a:rPr lang="en-US" altLang="zh-CN" sz="3200" dirty="0">
                 <a:latin typeface="微软雅黑" panose="020B0503020204020204" pitchFamily="34" charset="-122"/>
                 <a:ea typeface="微软雅黑" panose="020B0503020204020204" pitchFamily="34" charset="-122"/>
                 <a:cs typeface="Times New Roman" panose="02020603050405020304" pitchFamily="18" charset="0"/>
               </a:rPr>
               <a:t>4 Sports</a:t>
             </a:r>
-            <a:endParaRPr lang="en-US" altLang="zh-CN" sz="3200" dirty="0">
-              <a:latin typeface="微软雅黑" panose="020B0503020204020204" pitchFamily="34" charset="-122"/>
-              <a:ea typeface="微软雅黑" panose="020B0503020204020204" pitchFamily="34" charset="-122"/>
-              <a:cs typeface="Times New Roman" panose="02020603050405020304" pitchFamily="18" charset="0"/>
-            </a:endParaRPr>
           </a:p>
         </p:txBody>
       </p:sp>

--- a/homework_1/Luck is Hard to Beat The Difficulty of Sports Prediction.pptx
+++ b/homework_1/Luck is Hard to Beat The Difficulty of Sports Prediction.pptx
@@ -234,7 +234,7 @@
           <a:p>
             <a:fld id="{A75276CB-17F7-494F-8EC1-75F7463C6C44}" type="datetimeFigureOut">
               <a:rPr lang="zh-CN" altLang="en-US" smtClean="0"/>
-              <a:t>2017/12/16 Saturday</a:t>
+              <a:t>2017/12/16</a:t>
             </a:fld>
             <a:endParaRPr lang="zh-CN" altLang="en-US"/>
           </a:p>
@@ -411,7 +411,7 @@
           <a:p>
             <a:fld id="{F59971BB-BE53-4884-AAFC-76CD8451D01F}" type="datetimeFigureOut">
               <a:rPr lang="zh-CN" altLang="en-US" smtClean="0"/>
-              <a:t>2017/12/16 Saturday</a:t>
+              <a:t>2017/12/16</a:t>
             </a:fld>
             <a:endParaRPr lang="zh-CN" altLang="en-US"/>
           </a:p>
@@ -808,7 +808,15 @@
           <a:p>
             <a:r>
               <a:rPr lang="zh-CN" altLang="en-US" dirty="0"/>
-              <a:t>之后做了请外一个实验</a:t>
+              <a:t>之后做</a:t>
+            </a:r>
+            <a:r>
+              <a:rPr lang="zh-CN" altLang="en-US" dirty="0" smtClean="0"/>
+              <a:t>了另外一</a:t>
+            </a:r>
+            <a:r>
+              <a:rPr lang="zh-CN" altLang="en-US" dirty="0"/>
+              <a:t>个实验</a:t>
             </a:r>
             <a:r>
               <a:rPr lang="en-US" altLang="zh-CN" dirty="0"/>
@@ -1050,6 +1058,46 @@
           <a:bodyPr/>
           <a:lstStyle/>
           <a:p>
+            <a:r>
+              <a:rPr lang="zh-CN" altLang="en-US" dirty="0" smtClean="0"/>
+              <a:t>结论和贡献</a:t>
+            </a:r>
+            <a:r>
+              <a:rPr lang="en-US" altLang="zh-CN" dirty="0" smtClean="0"/>
+              <a:t>,</a:t>
+            </a:r>
+            <a:r>
+              <a:rPr lang="zh-CN" altLang="en-US" dirty="0" smtClean="0"/>
+              <a:t>与其他的一些预测比赛的论文不同</a:t>
+            </a:r>
+            <a:r>
+              <a:rPr lang="en-US" altLang="zh-CN" dirty="0" smtClean="0"/>
+              <a:t>,</a:t>
+            </a:r>
+            <a:r>
+              <a:rPr lang="zh-CN" altLang="en-US" dirty="0" smtClean="0"/>
+              <a:t>提出了一个表示运气的系数</a:t>
+            </a:r>
+            <a:r>
+              <a:rPr lang="en-US" altLang="zh-CN" dirty="0" smtClean="0"/>
+              <a:t>,</a:t>
+            </a:r>
+            <a:r>
+              <a:rPr lang="zh-CN" altLang="en-US" dirty="0" smtClean="0"/>
+              <a:t>以及使用贝叶斯模型</a:t>
+            </a:r>
+            <a:r>
+              <a:rPr lang="zh-CN" altLang="en-US" smtClean="0"/>
+              <a:t>衡量技能对</a:t>
+            </a:r>
+            <a:r>
+              <a:rPr lang="en-US" altLang="zh-CN" dirty="0" smtClean="0"/>
+              <a:t>NBA</a:t>
+            </a:r>
+            <a:r>
+              <a:rPr lang="zh-CN" altLang="en-US" dirty="0" smtClean="0"/>
+              <a:t>球队成绩具体影响</a:t>
+            </a:r>
             <a:endParaRPr lang="en-US" altLang="zh-CN" dirty="0"/>
           </a:p>
         </p:txBody>
@@ -6441,23 +6489,23 @@
                 </a14:m>
                 <a:r>
                   <a:rPr lang="zh-CN" altLang="en-US" dirty="0"/>
-                  <a:t>符号表示</a:t>
-                </a:r>
-                <a:r>
-                  <a:rPr lang="en-US" altLang="zh-CN" dirty="0"/>
+                  <a:t>符号</a:t>
+                </a:r>
+                <a:r>
+                  <a:rPr lang="zh-CN" altLang="en-US" dirty="0" smtClean="0"/>
+                  <a:t>表示</a:t>
+                </a:r>
+                <a:r>
+                  <a:rPr lang="en-US" altLang="zh-CN" dirty="0" smtClean="0"/>
                   <a:t>,</a:t>
                 </a:r>
                 <a:r>
+                  <a:rPr lang="zh-CN" altLang="en-US" dirty="0" smtClean="0"/>
+                  <a:t>基本</a:t>
+                </a:r>
+                <a:r>
                   <a:rPr lang="zh-CN" altLang="en-US" dirty="0"/>
-                  <a:t>公式如</a:t>
-                </a:r>
-                <a:r>
-                  <a:rPr lang="en-US" altLang="zh-CN" dirty="0"/>
-                  <a:t>….,</a:t>
-                </a:r>
-                <a:r>
-                  <a:rPr lang="zh-CN" altLang="en-US" dirty="0"/>
-                  <a:t>基本含义</a:t>
+                  <a:t>含义</a:t>
                 </a:r>
                 <a:r>
                   <a:rPr lang="en-US" altLang="zh-CN" dirty="0"/>
@@ -6585,51 +6633,11 @@
                 </a:r>
                 <a:r>
                   <a:rPr lang="zh-CN" altLang="en-US" dirty="0"/>
-                  <a:t>用于衡量随机比赛模型和实际比赛模型观察值的差异</a:t>
-                </a:r>
-                <a:r>
-                  <a:rPr lang="en-US" altLang="zh-CN" dirty="0"/>
-                  <a:t>.[</a:t>
-                </a:r>
-                <a:r>
-                  <a:rPr lang="zh-CN" altLang="en-US" dirty="0"/>
-                  <a:t>解释</a:t>
-                </a:r>
-                <a:r>
-                  <a:rPr lang="en-US" altLang="zh-CN" dirty="0"/>
-                  <a:t>S</a:t>
-                </a:r>
-                <a:r>
-                  <a:rPr lang="zh-CN" altLang="en-US" dirty="0"/>
-                  <a:t>的含义</a:t>
-                </a:r>
-                <a:r>
-                  <a:rPr lang="en-US" altLang="zh-CN" dirty="0"/>
-                  <a:t>,\sigma</a:t>
-                </a:r>
-                <a:r>
-                  <a:rPr lang="zh-CN" altLang="en-US" dirty="0"/>
-                  <a:t>的含义</a:t>
-                </a:r>
-                <a:r>
-                  <a:rPr lang="en-US" altLang="zh-CN" dirty="0"/>
-                  <a:t>,</a:t>
-                </a:r>
-                <a:r>
-                  <a:rPr lang="zh-CN" altLang="en-US" dirty="0"/>
-                  <a:t>公式计算的过程</a:t>
-                </a:r>
-                <a:r>
-                  <a:rPr lang="en-US" altLang="zh-CN" dirty="0"/>
-                  <a:t>\</a:t>
-                </a:r>
-                <a:r>
-                  <a:rPr lang="zh-CN" altLang="en-US" dirty="0"/>
-                  <a:t>含义</a:t>
-                </a:r>
-                <a:r>
-                  <a:rPr lang="en-US" altLang="zh-CN" dirty="0"/>
-                  <a:t>]</a:t>
+                  <a:t>用于衡量随机比赛模型和实际比赛模型观察值的</a:t>
+                </a:r>
+                <a:r>
+                  <a:rPr lang="zh-CN" altLang="en-US" dirty="0" smtClean="0"/>
+                  <a:t>差异</a:t>
                 </a:r>
                 <a:endParaRPr lang="en-US" altLang="zh-CN" dirty="0">
                   <a:latin typeface="微软雅黑" panose="020B0503020204020204" pitchFamily="34" charset="-122"/>
@@ -15971,11 +15979,11 @@
   <p:clrMapOvr>
     <a:masterClrMapping/>
   </p:clrMapOvr>
-  <mc:AlternateContent xmlns:mc="http://schemas.openxmlformats.org/markup-compatibility/2006">
-    <mc:Choice xmlns:p14="http://schemas.microsoft.com/office/powerpoint/2010/main" Requires="p14">
+  <mc:AlternateContent xmlns:mc="http://schemas.openxmlformats.org/markup-compatibility/2006" xmlns:p14="http://schemas.microsoft.com/office/powerpoint/2010/main">
+    <mc:Choice Requires="p14">
       <p:transition spd="slow" p14:dur="2000"/>
     </mc:Choice>
-    <mc:Fallback>
+    <mc:Fallback xmlns="">
       <p:transition spd="slow"/>
     </mc:Fallback>
   </mc:AlternateContent>
@@ -17000,11 +17008,11 @@
   <p:clrMapOvr>
     <a:masterClrMapping/>
   </p:clrMapOvr>
-  <mc:AlternateContent xmlns:mc="http://schemas.openxmlformats.org/markup-compatibility/2006">
-    <mc:Choice xmlns:p14="http://schemas.microsoft.com/office/powerpoint/2010/main" Requires="p14">
+  <mc:AlternateContent xmlns:mc="http://schemas.openxmlformats.org/markup-compatibility/2006" xmlns:p14="http://schemas.microsoft.com/office/powerpoint/2010/main">
+    <mc:Choice Requires="p14">
       <p:transition spd="slow" p14:dur="2000"/>
     </mc:Choice>
-    <mc:Fallback>
+    <mc:Fallback xmlns="">
       <p:transition spd="slow"/>
     </mc:Fallback>
   </mc:AlternateContent>
